--- a/Docu/docu3.pptx
+++ b/Docu/docu3.pptx
@@ -2,7 +2,7 @@
 <file path=ppt/presentation.xml><?xml version="1.0" encoding="utf-8"?>
 <p:presentation xmlns:a="http://schemas.openxmlformats.org/drawingml/2006/main" xmlns:r="http://schemas.openxmlformats.org/officeDocument/2006/relationships" xmlns:p="http://schemas.openxmlformats.org/presentationml/2006/main" saveSubsetFonts="1">
   <p:sldMasterIdLst>
-    <p:sldMasterId id="2147483660" r:id="rId1"/>
+    <p:sldMasterId id="2147483708" r:id="rId1"/>
   </p:sldMasterIdLst>
   <p:notesMasterIdLst>
     <p:notesMasterId r:id="rId8"/>
@@ -131,6 +131,285 @@
 </p:presentation>
 </file>
 
+<file path=ppt/revisionInfo.xml><?xml version="1.0" encoding="utf-8"?>
+<p1510:revInfo xmlns:a="http://schemas.openxmlformats.org/drawingml/2006/main" xmlns:r="http://schemas.openxmlformats.org/officeDocument/2006/relationships" xmlns:p1510="http://schemas.microsoft.com/office/powerpoint/2015/10/main">
+  <p1510:revLst>
+    <p1510:client id="{3B1DAE0A-F00B-4399-A590-4FC8DCF66061}" v="3712" dt="2019-06-08T02:26:45.992"/>
+  </p1510:revLst>
+</p1510:revInfo>
+</file>
+
+<file path=ppt/changesInfos/changesInfo1.xml><?xml version="1.0" encoding="utf-8"?>
+<pc:chgInfo xmlns:a="http://schemas.openxmlformats.org/drawingml/2006/main" xmlns:r="http://schemas.openxmlformats.org/officeDocument/2006/relationships" xmlns:ac="http://schemas.microsoft.com/office/drawing/2013/main/command" xmlns:pc="http://schemas.microsoft.com/office/powerpoint/2013/main/command">
+  <pc:docChgLst>
+    <pc:chgData name="Yarithza Hasbleidy Galindo Ayala" userId="81d3b4e3-e252-4d52-8b97-5ee33ca8cec6" providerId="ADAL" clId="{3B1DAE0A-F00B-4399-A590-4FC8DCF66061}"/>
+    <pc:docChg chg="undo custSel modSld modMainMaster">
+      <pc:chgData name="Yarithza Hasbleidy Galindo Ayala" userId="81d3b4e3-e252-4d52-8b97-5ee33ca8cec6" providerId="ADAL" clId="{3B1DAE0A-F00B-4399-A590-4FC8DCF66061}" dt="2019-06-08T02:26:45.992" v="3696"/>
+      <pc:docMkLst>
+        <pc:docMk/>
+      </pc:docMkLst>
+      <pc:sldChg chg="addSp delSp modSp modTransition setBg delDesignElem">
+        <pc:chgData name="Yarithza Hasbleidy Galindo Ayala" userId="81d3b4e3-e252-4d52-8b97-5ee33ca8cec6" providerId="ADAL" clId="{3B1DAE0A-F00B-4399-A590-4FC8DCF66061}" dt="2019-06-08T02:26:04.352" v="3690"/>
+        <pc:sldMkLst>
+          <pc:docMk/>
+          <pc:sldMk cId="1936742288" sldId="257"/>
+        </pc:sldMkLst>
+        <pc:spChg chg="mod">
+          <ac:chgData name="Yarithza Hasbleidy Galindo Ayala" userId="81d3b4e3-e252-4d52-8b97-5ee33ca8cec6" providerId="ADAL" clId="{3B1DAE0A-F00B-4399-A590-4FC8DCF66061}" dt="2019-06-07T05:26:54.437" v="39" actId="1076"/>
+          <ac:spMkLst>
+            <pc:docMk/>
+            <pc:sldMk cId="1936742288" sldId="257"/>
+            <ac:spMk id="11" creationId="{01573C75-0A1D-49B6-8018-1D953DB178B3}"/>
+          </ac:spMkLst>
+        </pc:spChg>
+        <pc:picChg chg="add mod">
+          <ac:chgData name="Yarithza Hasbleidy Galindo Ayala" userId="81d3b4e3-e252-4d52-8b97-5ee33ca8cec6" providerId="ADAL" clId="{3B1DAE0A-F00B-4399-A590-4FC8DCF66061}" dt="2019-06-07T05:27:03.177" v="42" actId="14100"/>
+          <ac:picMkLst>
+            <pc:docMk/>
+            <pc:sldMk cId="1936742288" sldId="257"/>
+            <ac:picMk id="3" creationId="{5A67588E-D1A5-4959-BAF6-08725ECD5393}"/>
+          </ac:picMkLst>
+        </pc:picChg>
+        <pc:picChg chg="del">
+          <ac:chgData name="Yarithza Hasbleidy Galindo Ayala" userId="81d3b4e3-e252-4d52-8b97-5ee33ca8cec6" providerId="ADAL" clId="{3B1DAE0A-F00B-4399-A590-4FC8DCF66061}" dt="2019-06-07T05:18:46.781" v="1"/>
+          <ac:picMkLst>
+            <pc:docMk/>
+            <pc:sldMk cId="1936742288" sldId="257"/>
+            <ac:picMk id="15" creationId="{921F6D7D-004A-4CAE-B291-06EF058C4AC6}"/>
+          </ac:picMkLst>
+        </pc:picChg>
+        <pc:picChg chg="del mod">
+          <ac:chgData name="Yarithza Hasbleidy Galindo Ayala" userId="81d3b4e3-e252-4d52-8b97-5ee33ca8cec6" providerId="ADAL" clId="{3B1DAE0A-F00B-4399-A590-4FC8DCF66061}" dt="2019-06-07T05:26:11.959" v="29" actId="478"/>
+          <ac:picMkLst>
+            <pc:docMk/>
+            <pc:sldMk cId="1936742288" sldId="257"/>
+            <ac:picMk id="16" creationId="{B6F317FA-913E-4883-A015-D11A0259DED7}"/>
+          </ac:picMkLst>
+        </pc:picChg>
+      </pc:sldChg>
+      <pc:sldChg chg="modSp modTransition">
+        <pc:chgData name="Yarithza Hasbleidy Galindo Ayala" userId="81d3b4e3-e252-4d52-8b97-5ee33ca8cec6" providerId="ADAL" clId="{3B1DAE0A-F00B-4399-A590-4FC8DCF66061}" dt="2019-06-08T02:26:20.705" v="3692"/>
+        <pc:sldMkLst>
+          <pc:docMk/>
+          <pc:sldMk cId="2276481846" sldId="258"/>
+        </pc:sldMkLst>
+        <pc:spChg chg="mod">
+          <ac:chgData name="Yarithza Hasbleidy Galindo Ayala" userId="81d3b4e3-e252-4d52-8b97-5ee33ca8cec6" providerId="ADAL" clId="{3B1DAE0A-F00B-4399-A590-4FC8DCF66061}" dt="2019-06-07T05:38:11.790" v="964" actId="20577"/>
+          <ac:spMkLst>
+            <pc:docMk/>
+            <pc:sldMk cId="2276481846" sldId="258"/>
+            <ac:spMk id="2" creationId="{00000000-0000-0000-0000-000000000000}"/>
+          </ac:spMkLst>
+        </pc:spChg>
+      </pc:sldChg>
+      <pc:sldChg chg="modSp modTransition">
+        <pc:chgData name="Yarithza Hasbleidy Galindo Ayala" userId="81d3b4e3-e252-4d52-8b97-5ee33ca8cec6" providerId="ADAL" clId="{3B1DAE0A-F00B-4399-A590-4FC8DCF66061}" dt="2019-06-08T02:26:26.621" v="3693"/>
+        <pc:sldMkLst>
+          <pc:docMk/>
+          <pc:sldMk cId="1206477205" sldId="259"/>
+        </pc:sldMkLst>
+        <pc:spChg chg="mod">
+          <ac:chgData name="Yarithza Hasbleidy Galindo Ayala" userId="81d3b4e3-e252-4d52-8b97-5ee33ca8cec6" providerId="ADAL" clId="{3B1DAE0A-F00B-4399-A590-4FC8DCF66061}" dt="2019-06-08T01:55:34.242" v="1857" actId="20577"/>
+          <ac:spMkLst>
+            <pc:docMk/>
+            <pc:sldMk cId="1206477205" sldId="259"/>
+            <ac:spMk id="2" creationId="{00000000-0000-0000-0000-000000000000}"/>
+          </ac:spMkLst>
+        </pc:spChg>
+      </pc:sldChg>
+      <pc:sldChg chg="modSp modTransition">
+        <pc:chgData name="Yarithza Hasbleidy Galindo Ayala" userId="81d3b4e3-e252-4d52-8b97-5ee33ca8cec6" providerId="ADAL" clId="{3B1DAE0A-F00B-4399-A590-4FC8DCF66061}" dt="2019-06-08T02:26:33.242" v="3694"/>
+        <pc:sldMkLst>
+          <pc:docMk/>
+          <pc:sldMk cId="1502295241" sldId="260"/>
+        </pc:sldMkLst>
+        <pc:spChg chg="mod">
+          <ac:chgData name="Yarithza Hasbleidy Galindo Ayala" userId="81d3b4e3-e252-4d52-8b97-5ee33ca8cec6" providerId="ADAL" clId="{3B1DAE0A-F00B-4399-A590-4FC8DCF66061}" dt="2019-06-08T02:07:02.622" v="2420" actId="5793"/>
+          <ac:spMkLst>
+            <pc:docMk/>
+            <pc:sldMk cId="1502295241" sldId="260"/>
+            <ac:spMk id="2" creationId="{00000000-0000-0000-0000-000000000000}"/>
+          </ac:spMkLst>
+        </pc:spChg>
+      </pc:sldChg>
+      <pc:sldChg chg="modSp modTransition">
+        <pc:chgData name="Yarithza Hasbleidy Galindo Ayala" userId="81d3b4e3-e252-4d52-8b97-5ee33ca8cec6" providerId="ADAL" clId="{3B1DAE0A-F00B-4399-A590-4FC8DCF66061}" dt="2019-06-08T02:26:40.215" v="3695"/>
+        <pc:sldMkLst>
+          <pc:docMk/>
+          <pc:sldMk cId="1057719972" sldId="261"/>
+        </pc:sldMkLst>
+        <pc:spChg chg="mod">
+          <ac:chgData name="Yarithza Hasbleidy Galindo Ayala" userId="81d3b4e3-e252-4d52-8b97-5ee33ca8cec6" providerId="ADAL" clId="{3B1DAE0A-F00B-4399-A590-4FC8DCF66061}" dt="2019-06-08T02:17:53.899" v="3194" actId="20577"/>
+          <ac:spMkLst>
+            <pc:docMk/>
+            <pc:sldMk cId="1057719972" sldId="261"/>
+            <ac:spMk id="2" creationId="{00000000-0000-0000-0000-000000000000}"/>
+          </ac:spMkLst>
+        </pc:spChg>
+      </pc:sldChg>
+      <pc:sldChg chg="modSp modTransition">
+        <pc:chgData name="Yarithza Hasbleidy Galindo Ayala" userId="81d3b4e3-e252-4d52-8b97-5ee33ca8cec6" providerId="ADAL" clId="{3B1DAE0A-F00B-4399-A590-4FC8DCF66061}" dt="2019-06-08T02:26:45.992" v="3696"/>
+        <pc:sldMkLst>
+          <pc:docMk/>
+          <pc:sldMk cId="471343904" sldId="262"/>
+        </pc:sldMkLst>
+        <pc:spChg chg="mod">
+          <ac:chgData name="Yarithza Hasbleidy Galindo Ayala" userId="81d3b4e3-e252-4d52-8b97-5ee33ca8cec6" providerId="ADAL" clId="{3B1DAE0A-F00B-4399-A590-4FC8DCF66061}" dt="2019-06-08T02:25:47.185" v="3689" actId="113"/>
+          <ac:spMkLst>
+            <pc:docMk/>
+            <pc:sldMk cId="471343904" sldId="262"/>
+            <ac:spMk id="3" creationId="{00000000-0000-0000-0000-000000000000}"/>
+          </ac:spMkLst>
+        </pc:spChg>
+      </pc:sldChg>
+      <pc:sldMasterChg chg="setBg modSldLayout">
+        <pc:chgData name="Yarithza Hasbleidy Galindo Ayala" userId="81d3b4e3-e252-4d52-8b97-5ee33ca8cec6" providerId="ADAL" clId="{3B1DAE0A-F00B-4399-A590-4FC8DCF66061}" dt="2019-06-07T05:25:00.425" v="21"/>
+        <pc:sldMasterMkLst>
+          <pc:docMk/>
+          <pc:sldMasterMk cId="225188382" sldId="2147483708"/>
+        </pc:sldMasterMkLst>
+        <pc:sldLayoutChg chg="setBg">
+          <pc:chgData name="Yarithza Hasbleidy Galindo Ayala" userId="81d3b4e3-e252-4d52-8b97-5ee33ca8cec6" providerId="ADAL" clId="{3B1DAE0A-F00B-4399-A590-4FC8DCF66061}" dt="2019-06-07T05:25:00.425" v="21"/>
+          <pc:sldLayoutMkLst>
+            <pc:docMk/>
+            <pc:sldMasterMk cId="225188382" sldId="2147483708"/>
+            <pc:sldLayoutMk cId="2158730005" sldId="2147483709"/>
+          </pc:sldLayoutMkLst>
+        </pc:sldLayoutChg>
+        <pc:sldLayoutChg chg="setBg">
+          <pc:chgData name="Yarithza Hasbleidy Galindo Ayala" userId="81d3b4e3-e252-4d52-8b97-5ee33ca8cec6" providerId="ADAL" clId="{3B1DAE0A-F00B-4399-A590-4FC8DCF66061}" dt="2019-06-07T05:25:00.425" v="21"/>
+          <pc:sldLayoutMkLst>
+            <pc:docMk/>
+            <pc:sldMasterMk cId="225188382" sldId="2147483708"/>
+            <pc:sldLayoutMk cId="1313649586" sldId="2147483710"/>
+          </pc:sldLayoutMkLst>
+        </pc:sldLayoutChg>
+        <pc:sldLayoutChg chg="setBg">
+          <pc:chgData name="Yarithza Hasbleidy Galindo Ayala" userId="81d3b4e3-e252-4d52-8b97-5ee33ca8cec6" providerId="ADAL" clId="{3B1DAE0A-F00B-4399-A590-4FC8DCF66061}" dt="2019-06-07T05:25:00.425" v="21"/>
+          <pc:sldLayoutMkLst>
+            <pc:docMk/>
+            <pc:sldMasterMk cId="225188382" sldId="2147483708"/>
+            <pc:sldLayoutMk cId="667674106" sldId="2147483711"/>
+          </pc:sldLayoutMkLst>
+        </pc:sldLayoutChg>
+        <pc:sldLayoutChg chg="setBg">
+          <pc:chgData name="Yarithza Hasbleidy Galindo Ayala" userId="81d3b4e3-e252-4d52-8b97-5ee33ca8cec6" providerId="ADAL" clId="{3B1DAE0A-F00B-4399-A590-4FC8DCF66061}" dt="2019-06-07T05:25:00.425" v="21"/>
+          <pc:sldLayoutMkLst>
+            <pc:docMk/>
+            <pc:sldMasterMk cId="225188382" sldId="2147483708"/>
+            <pc:sldLayoutMk cId="838548446" sldId="2147483712"/>
+          </pc:sldLayoutMkLst>
+        </pc:sldLayoutChg>
+        <pc:sldLayoutChg chg="setBg">
+          <pc:chgData name="Yarithza Hasbleidy Galindo Ayala" userId="81d3b4e3-e252-4d52-8b97-5ee33ca8cec6" providerId="ADAL" clId="{3B1DAE0A-F00B-4399-A590-4FC8DCF66061}" dt="2019-06-07T05:25:00.425" v="21"/>
+          <pc:sldLayoutMkLst>
+            <pc:docMk/>
+            <pc:sldMasterMk cId="225188382" sldId="2147483708"/>
+            <pc:sldLayoutMk cId="2288361915" sldId="2147483713"/>
+          </pc:sldLayoutMkLst>
+        </pc:sldLayoutChg>
+        <pc:sldLayoutChg chg="setBg">
+          <pc:chgData name="Yarithza Hasbleidy Galindo Ayala" userId="81d3b4e3-e252-4d52-8b97-5ee33ca8cec6" providerId="ADAL" clId="{3B1DAE0A-F00B-4399-A590-4FC8DCF66061}" dt="2019-06-07T05:25:00.425" v="21"/>
+          <pc:sldLayoutMkLst>
+            <pc:docMk/>
+            <pc:sldMasterMk cId="225188382" sldId="2147483708"/>
+            <pc:sldLayoutMk cId="3498698988" sldId="2147483714"/>
+          </pc:sldLayoutMkLst>
+        </pc:sldLayoutChg>
+        <pc:sldLayoutChg chg="setBg">
+          <pc:chgData name="Yarithza Hasbleidy Galindo Ayala" userId="81d3b4e3-e252-4d52-8b97-5ee33ca8cec6" providerId="ADAL" clId="{3B1DAE0A-F00B-4399-A590-4FC8DCF66061}" dt="2019-06-07T05:25:00.425" v="21"/>
+          <pc:sldLayoutMkLst>
+            <pc:docMk/>
+            <pc:sldMasterMk cId="225188382" sldId="2147483708"/>
+            <pc:sldLayoutMk cId="3164770894" sldId="2147483715"/>
+          </pc:sldLayoutMkLst>
+        </pc:sldLayoutChg>
+        <pc:sldLayoutChg chg="setBg">
+          <pc:chgData name="Yarithza Hasbleidy Galindo Ayala" userId="81d3b4e3-e252-4d52-8b97-5ee33ca8cec6" providerId="ADAL" clId="{3B1DAE0A-F00B-4399-A590-4FC8DCF66061}" dt="2019-06-07T05:25:00.425" v="21"/>
+          <pc:sldLayoutMkLst>
+            <pc:docMk/>
+            <pc:sldMasterMk cId="225188382" sldId="2147483708"/>
+            <pc:sldLayoutMk cId="3995480319" sldId="2147483716"/>
+          </pc:sldLayoutMkLst>
+        </pc:sldLayoutChg>
+        <pc:sldLayoutChg chg="setBg">
+          <pc:chgData name="Yarithza Hasbleidy Galindo Ayala" userId="81d3b4e3-e252-4d52-8b97-5ee33ca8cec6" providerId="ADAL" clId="{3B1DAE0A-F00B-4399-A590-4FC8DCF66061}" dt="2019-06-07T05:25:00.425" v="21"/>
+          <pc:sldLayoutMkLst>
+            <pc:docMk/>
+            <pc:sldMasterMk cId="225188382" sldId="2147483708"/>
+            <pc:sldLayoutMk cId="3885087447" sldId="2147483717"/>
+          </pc:sldLayoutMkLst>
+        </pc:sldLayoutChg>
+        <pc:sldLayoutChg chg="setBg">
+          <pc:chgData name="Yarithza Hasbleidy Galindo Ayala" userId="81d3b4e3-e252-4d52-8b97-5ee33ca8cec6" providerId="ADAL" clId="{3B1DAE0A-F00B-4399-A590-4FC8DCF66061}" dt="2019-06-07T05:25:00.425" v="21"/>
+          <pc:sldLayoutMkLst>
+            <pc:docMk/>
+            <pc:sldMasterMk cId="225188382" sldId="2147483708"/>
+            <pc:sldLayoutMk cId="3712508233" sldId="2147483718"/>
+          </pc:sldLayoutMkLst>
+        </pc:sldLayoutChg>
+        <pc:sldLayoutChg chg="setBg">
+          <pc:chgData name="Yarithza Hasbleidy Galindo Ayala" userId="81d3b4e3-e252-4d52-8b97-5ee33ca8cec6" providerId="ADAL" clId="{3B1DAE0A-F00B-4399-A590-4FC8DCF66061}" dt="2019-06-07T05:25:00.425" v="21"/>
+          <pc:sldLayoutMkLst>
+            <pc:docMk/>
+            <pc:sldMasterMk cId="225188382" sldId="2147483708"/>
+            <pc:sldLayoutMk cId="265424903" sldId="2147483719"/>
+          </pc:sldLayoutMkLst>
+        </pc:sldLayoutChg>
+        <pc:sldLayoutChg chg="setBg">
+          <pc:chgData name="Yarithza Hasbleidy Galindo Ayala" userId="81d3b4e3-e252-4d52-8b97-5ee33ca8cec6" providerId="ADAL" clId="{3B1DAE0A-F00B-4399-A590-4FC8DCF66061}" dt="2019-06-07T05:25:00.425" v="21"/>
+          <pc:sldLayoutMkLst>
+            <pc:docMk/>
+            <pc:sldMasterMk cId="225188382" sldId="2147483708"/>
+            <pc:sldLayoutMk cId="3382703595" sldId="2147483720"/>
+          </pc:sldLayoutMkLst>
+        </pc:sldLayoutChg>
+        <pc:sldLayoutChg chg="setBg">
+          <pc:chgData name="Yarithza Hasbleidy Galindo Ayala" userId="81d3b4e3-e252-4d52-8b97-5ee33ca8cec6" providerId="ADAL" clId="{3B1DAE0A-F00B-4399-A590-4FC8DCF66061}" dt="2019-06-07T05:25:00.425" v="21"/>
+          <pc:sldLayoutMkLst>
+            <pc:docMk/>
+            <pc:sldMasterMk cId="225188382" sldId="2147483708"/>
+            <pc:sldLayoutMk cId="3797019711" sldId="2147483721"/>
+          </pc:sldLayoutMkLst>
+        </pc:sldLayoutChg>
+        <pc:sldLayoutChg chg="setBg">
+          <pc:chgData name="Yarithza Hasbleidy Galindo Ayala" userId="81d3b4e3-e252-4d52-8b97-5ee33ca8cec6" providerId="ADAL" clId="{3B1DAE0A-F00B-4399-A590-4FC8DCF66061}" dt="2019-06-07T05:25:00.425" v="21"/>
+          <pc:sldLayoutMkLst>
+            <pc:docMk/>
+            <pc:sldMasterMk cId="225188382" sldId="2147483708"/>
+            <pc:sldLayoutMk cId="3310078337" sldId="2147483722"/>
+          </pc:sldLayoutMkLst>
+        </pc:sldLayoutChg>
+        <pc:sldLayoutChg chg="setBg">
+          <pc:chgData name="Yarithza Hasbleidy Galindo Ayala" userId="81d3b4e3-e252-4d52-8b97-5ee33ca8cec6" providerId="ADAL" clId="{3B1DAE0A-F00B-4399-A590-4FC8DCF66061}" dt="2019-06-07T05:25:00.425" v="21"/>
+          <pc:sldLayoutMkLst>
+            <pc:docMk/>
+            <pc:sldMasterMk cId="225188382" sldId="2147483708"/>
+            <pc:sldLayoutMk cId="3125494243" sldId="2147483723"/>
+          </pc:sldLayoutMkLst>
+        </pc:sldLayoutChg>
+        <pc:sldLayoutChg chg="setBg">
+          <pc:chgData name="Yarithza Hasbleidy Galindo Ayala" userId="81d3b4e3-e252-4d52-8b97-5ee33ca8cec6" providerId="ADAL" clId="{3B1DAE0A-F00B-4399-A590-4FC8DCF66061}" dt="2019-06-07T05:25:00.425" v="21"/>
+          <pc:sldLayoutMkLst>
+            <pc:docMk/>
+            <pc:sldMasterMk cId="225188382" sldId="2147483708"/>
+            <pc:sldLayoutMk cId="3746096317" sldId="2147483724"/>
+          </pc:sldLayoutMkLst>
+        </pc:sldLayoutChg>
+        <pc:sldLayoutChg chg="setBg">
+          <pc:chgData name="Yarithza Hasbleidy Galindo Ayala" userId="81d3b4e3-e252-4d52-8b97-5ee33ca8cec6" providerId="ADAL" clId="{3B1DAE0A-F00B-4399-A590-4FC8DCF66061}" dt="2019-06-07T05:25:00.425" v="21"/>
+          <pc:sldLayoutMkLst>
+            <pc:docMk/>
+            <pc:sldMasterMk cId="225188382" sldId="2147483708"/>
+            <pc:sldLayoutMk cId="3867651039" sldId="2147483725"/>
+          </pc:sldLayoutMkLst>
+        </pc:sldLayoutChg>
+      </pc:sldMasterChg>
+    </pc:docChg>
+  </pc:docChgLst>
+</pc:chgInfo>
+</file>
+
 <file path=ppt/notesMasters/notesMaster1.xml><?xml version="1.0" encoding="utf-8"?>
 <p:notesMaster xmlns:a="http://schemas.openxmlformats.org/drawingml/2006/main" xmlns:r="http://schemas.openxmlformats.org/officeDocument/2006/relationships" xmlns:p="http://schemas.openxmlformats.org/presentationml/2006/main">
   <p:cSld>
@@ -214,7 +493,7 @@
             <a:fld id="{AC3C433B-509E-4DC7-B214-CED01993DB01}" type="datetimeFigureOut">
               <a:rPr lang="es-CO" smtClean="0"/>
               <a:pPr/>
-              <a:t>2/05/2019</a:t>
+              <a:t>7/06/2019</a:t>
             </a:fld>
             <a:endParaRPr lang="es-CO" dirty="0"/>
           </a:p>
@@ -512,17 +791,15 @@
         </p:nvSpPr>
         <p:spPr>
           <a:xfrm>
-            <a:off x="1028020" y="1769541"/>
-            <a:ext cx="7080026" cy="1828801"/>
+            <a:off x="866442" y="1447801"/>
+            <a:ext cx="6620968" cy="3329581"/>
           </a:xfrm>
         </p:spPr>
         <p:txBody>
-          <a:bodyPr anchor="b">
-            <a:normAutofit/>
-          </a:bodyPr>
+          <a:bodyPr anchor="b"/>
           <a:lstStyle>
-            <a:lvl1pPr algn="ctr">
-              <a:defRPr sz="5400"/>
+            <a:lvl1pPr>
+              <a:defRPr sz="7200"/>
             </a:lvl1pPr>
           </a:lstStyle>
           <a:p>
@@ -546,18 +823,21 @@
         </p:nvSpPr>
         <p:spPr>
           <a:xfrm>
-            <a:off x="1028020" y="3598339"/>
-            <a:ext cx="7080026" cy="1049867"/>
+            <a:off x="866442" y="4777380"/>
+            <a:ext cx="6620968" cy="861420"/>
           </a:xfrm>
         </p:spPr>
         <p:txBody>
           <a:bodyPr anchor="t"/>
           <a:lstStyle>
-            <a:lvl1pPr marL="0" indent="0" algn="ctr">
-              <a:buNone/>
-              <a:defRPr>
-                <a:solidFill>
-                  <a:schemeClr val="tx1"/>
+            <a:lvl1pPr marL="0" indent="0" algn="l">
+              <a:buNone/>
+              <a:defRPr cap="all">
+                <a:solidFill>
+                  <a:schemeClr val="bg2">
+                    <a:lumMod val="40000"/>
+                    <a:lumOff val="60000"/>
+                  </a:schemeClr>
                 </a:solidFill>
               </a:defRPr>
             </a:lvl1pPr>
@@ -668,7 +948,7 @@
           <a:p>
             <a:fld id="{8D87B5C2-953C-48F4-8036-8149E321EBE7}" type="datetime1">
               <a:rPr lang="es-CO" smtClean="0"/>
-              <a:t>2/05/2019</a:t>
+              <a:t>7/06/2019</a:t>
             </a:fld>
             <a:endParaRPr lang="es-CO" dirty="0"/>
           </a:p>
@@ -720,7 +1000,7 @@
     </p:spTree>
     <p:extLst>
       <p:ext uri="{BB962C8B-B14F-4D97-AF65-F5344CB8AC3E}">
-        <p14:creationId xmlns:p14="http://schemas.microsoft.com/office/powerpoint/2010/main" val="3239045404"/>
+        <p14:creationId xmlns:p14="http://schemas.microsoft.com/office/powerpoint/2010/main" val="2158730005"/>
       </p:ext>
     </p:extLst>
   </p:cSld>
@@ -747,50 +1027,20 @@
           <a:chExt cx="0" cy="0"/>
         </a:xfrm>
       </p:grpSpPr>
-      <p:pic>
-        <p:nvPicPr>
-          <p:cNvPr id="8" name="Picture 7" descr="Slate-V2-SD-panoPhotoInset.png"/>
-          <p:cNvPicPr>
-            <a:picLocks noChangeAspect="1"/>
-          </p:cNvPicPr>
-          <p:nvPr/>
-        </p:nvPicPr>
-        <p:blipFill>
-          <a:blip r:embed="rId2">
-            <a:extLst>
-              <a:ext uri="{28A0092B-C50C-407E-A947-70E740481C1C}">
-                <a14:useLocalDpi xmlns:a14="http://schemas.microsoft.com/office/drawing/2010/main" val="0"/>
-              </a:ext>
-            </a:extLst>
-          </a:blip>
-          <a:stretch>
-            <a:fillRect/>
-          </a:stretch>
-        </p:blipFill>
+      <p:sp>
+        <p:nvSpPr>
+          <p:cNvPr id="2" name="Title 1"/>
+          <p:cNvSpPr>
+            <a:spLocks noGrp="1"/>
+          </p:cNvSpPr>
+          <p:nvPr>
+            <p:ph type="title"/>
+          </p:nvPr>
+        </p:nvSpPr>
         <p:spPr>
           <a:xfrm>
-            <a:off x="743995" y="540085"/>
-            <a:ext cx="7656010" cy="3834374"/>
-          </a:xfrm>
-          <a:prstGeom prst="rect">
-            <a:avLst/>
-          </a:prstGeom>
-        </p:spPr>
-      </p:pic>
-      <p:sp>
-        <p:nvSpPr>
-          <p:cNvPr id="2" name="Title 1"/>
-          <p:cNvSpPr>
-            <a:spLocks noGrp="1"/>
-          </p:cNvSpPr>
-          <p:nvPr>
-            <p:ph type="title"/>
-          </p:nvPr>
-        </p:nvSpPr>
-        <p:spPr>
-          <a:xfrm>
-            <a:off x="685354" y="4565255"/>
-            <a:ext cx="7766495" cy="543472"/>
+            <a:off x="866443" y="4800587"/>
+            <a:ext cx="6620967" cy="566738"/>
           </a:xfrm>
         </p:spPr>
         <p:txBody>
@@ -798,8 +1048,8 @@
             <a:normAutofit/>
           </a:bodyPr>
           <a:lstStyle>
-            <a:lvl1pPr algn="ctr">
-              <a:defRPr sz="2800"/>
+            <a:lvl1pPr algn="l">
+              <a:defRPr sz="2400" b="0"/>
             </a:lvl1pPr>
           </a:lstStyle>
           <a:p>
@@ -823,13 +1073,18 @@
         </p:nvSpPr>
         <p:spPr>
           <a:xfrm>
-            <a:off x="926217" y="695010"/>
-            <a:ext cx="7285600" cy="3525671"/>
+            <a:off x="866442" y="685800"/>
+            <a:ext cx="6620968" cy="3640666"/>
           </a:xfrm>
+          <a:prstGeom prst="roundRect">
+            <a:avLst>
+              <a:gd name="adj" fmla="val 1858"/>
+            </a:avLst>
+          </a:prstGeom>
           <a:effectLst>
-            <a:outerShdw blurRad="38100" dist="25400" dir="4440000">
+            <a:outerShdw blurRad="50800" dist="50800" dir="5400000" algn="tl" rotWithShape="0">
               <a:srgbClr val="000000">
-                <a:alpha val="36000"/>
+                <a:alpha val="43000"/>
               </a:srgbClr>
             </a:outerShdw>
           </a:effectLst>
@@ -841,111 +1096,113 @@
           <a:lstStyle>
             <a:lvl1pPr marL="0" indent="0" algn="ctr">
               <a:buNone/>
-              <a:defRPr sz="2000"/>
-            </a:lvl1pPr>
-            <a:lvl2pPr marL="457200" indent="0">
-              <a:buNone/>
-              <a:defRPr sz="2000"/>
-            </a:lvl2pPr>
-            <a:lvl3pPr marL="914400" indent="0">
-              <a:buNone/>
-              <a:defRPr sz="2000"/>
-            </a:lvl3pPr>
-            <a:lvl4pPr marL="1371600" indent="0">
-              <a:buNone/>
-              <a:defRPr sz="2000"/>
-            </a:lvl4pPr>
-            <a:lvl5pPr marL="1828800" indent="0">
-              <a:buNone/>
-              <a:defRPr sz="2000"/>
-            </a:lvl5pPr>
-            <a:lvl6pPr marL="2286000" indent="0">
-              <a:buNone/>
-              <a:defRPr sz="2000"/>
-            </a:lvl6pPr>
-            <a:lvl7pPr marL="2743200" indent="0">
-              <a:buNone/>
-              <a:defRPr sz="2000"/>
-            </a:lvl7pPr>
-            <a:lvl8pPr marL="3200400" indent="0">
-              <a:buNone/>
-              <a:defRPr sz="2000"/>
-            </a:lvl8pPr>
-            <a:lvl9pPr marL="3657600" indent="0">
-              <a:buNone/>
-              <a:defRPr sz="2000"/>
-            </a:lvl9pPr>
-          </a:lstStyle>
-          <a:p>
-            <a:r>
-              <a:rPr lang="es-ES"/>
-              <a:t>Haga clic en el icono para agregar una imagen</a:t>
-            </a:r>
-            <a:endParaRPr lang="en-US" dirty="0"/>
-          </a:p>
-        </p:txBody>
-      </p:sp>
-      <p:sp>
-        <p:nvSpPr>
-          <p:cNvPr id="4" name="Text Placeholder 3"/>
-          <p:cNvSpPr>
-            <a:spLocks noGrp="1"/>
-          </p:cNvSpPr>
-          <p:nvPr>
-            <p:ph type="body" sz="half" idx="2"/>
-          </p:nvPr>
-        </p:nvSpPr>
-        <p:spPr>
-          <a:xfrm>
-            <a:off x="685346" y="5108728"/>
-            <a:ext cx="7765322" cy="682472"/>
-          </a:xfrm>
-        </p:spPr>
-        <p:txBody>
-          <a:bodyPr anchor="t"/>
-          <a:lstStyle>
-            <a:lvl1pPr marL="0" indent="0" algn="ctr">
-              <a:buNone/>
               <a:defRPr sz="1600"/>
             </a:lvl1pPr>
             <a:lvl2pPr marL="457200" indent="0">
               <a:buNone/>
-              <a:defRPr sz="1400"/>
+              <a:defRPr sz="1600"/>
             </a:lvl2pPr>
             <a:lvl3pPr marL="914400" indent="0">
               <a:buNone/>
-              <a:defRPr sz="1200"/>
+              <a:defRPr sz="1600"/>
             </a:lvl3pPr>
             <a:lvl4pPr marL="1371600" indent="0">
               <a:buNone/>
-              <a:defRPr sz="1000"/>
+              <a:defRPr sz="1600"/>
             </a:lvl4pPr>
             <a:lvl5pPr marL="1828800" indent="0">
               <a:buNone/>
-              <a:defRPr sz="1000"/>
+              <a:defRPr sz="1600"/>
             </a:lvl5pPr>
             <a:lvl6pPr marL="2286000" indent="0">
               <a:buNone/>
-              <a:defRPr sz="1000"/>
+              <a:defRPr sz="1600"/>
             </a:lvl6pPr>
             <a:lvl7pPr marL="2743200" indent="0">
               <a:buNone/>
-              <a:defRPr sz="1000"/>
+              <a:defRPr sz="1600"/>
             </a:lvl7pPr>
             <a:lvl8pPr marL="3200400" indent="0">
               <a:buNone/>
-              <a:defRPr sz="1000"/>
+              <a:defRPr sz="1600"/>
             </a:lvl8pPr>
             <a:lvl9pPr marL="3657600" indent="0">
               <a:buNone/>
-              <a:defRPr sz="1000"/>
+              <a:defRPr sz="1600"/>
             </a:lvl9pPr>
           </a:lstStyle>
           <a:p>
+            <a:r>
+              <a:rPr lang="es-ES"/>
+              <a:t>Haga clic en el icono para agregar una imagen</a:t>
+            </a:r>
+            <a:endParaRPr lang="en-US" dirty="0"/>
+          </a:p>
+        </p:txBody>
+      </p:sp>
+      <p:sp>
+        <p:nvSpPr>
+          <p:cNvPr id="4" name="Text Placeholder 3"/>
+          <p:cNvSpPr>
+            <a:spLocks noGrp="1"/>
+          </p:cNvSpPr>
+          <p:nvPr>
+            <p:ph type="body" sz="half" idx="2"/>
+          </p:nvPr>
+        </p:nvSpPr>
+        <p:spPr>
+          <a:xfrm>
+            <a:off x="866443" y="5367325"/>
+            <a:ext cx="6620966" cy="493712"/>
+          </a:xfrm>
+        </p:spPr>
+        <p:txBody>
+          <a:bodyPr>
+            <a:normAutofit/>
+          </a:bodyPr>
+          <a:lstStyle>
+            <a:lvl1pPr marL="0" indent="0">
+              <a:buNone/>
+              <a:defRPr sz="1200"/>
+            </a:lvl1pPr>
+            <a:lvl2pPr marL="457200" indent="0">
+              <a:buNone/>
+              <a:defRPr sz="1200"/>
+            </a:lvl2pPr>
+            <a:lvl3pPr marL="914400" indent="0">
+              <a:buNone/>
+              <a:defRPr sz="1000"/>
+            </a:lvl3pPr>
+            <a:lvl4pPr marL="1371600" indent="0">
+              <a:buNone/>
+              <a:defRPr sz="900"/>
+            </a:lvl4pPr>
+            <a:lvl5pPr marL="1828800" indent="0">
+              <a:buNone/>
+              <a:defRPr sz="900"/>
+            </a:lvl5pPr>
+            <a:lvl6pPr marL="2286000" indent="0">
+              <a:buNone/>
+              <a:defRPr sz="900"/>
+            </a:lvl6pPr>
+            <a:lvl7pPr marL="2743200" indent="0">
+              <a:buNone/>
+              <a:defRPr sz="900"/>
+            </a:lvl7pPr>
+            <a:lvl8pPr marL="3200400" indent="0">
+              <a:buNone/>
+              <a:defRPr sz="900"/>
+            </a:lvl8pPr>
+            <a:lvl9pPr marL="3657600" indent="0">
+              <a:buNone/>
+              <a:defRPr sz="900"/>
+            </a:lvl9pPr>
+          </a:lstStyle>
+          <a:p>
             <a:pPr lvl="0"/>
             <a:r>
               <a:rPr lang="es-ES"/>
-              <a:t>Haga clic para modificar los estilos de texto del patrón</a:t>
+              <a:t>Editar los estilos de texto del patrón</a:t>
             </a:r>
           </a:p>
         </p:txBody>
@@ -967,7 +1224,7 @@
           <a:p>
             <a:fld id="{26330FAE-141A-4BFF-887C-E995FE81429D}" type="datetime1">
               <a:rPr lang="es-CO" smtClean="0"/>
-              <a:t>2/05/2019</a:t>
+              <a:t>7/06/2019</a:t>
             </a:fld>
             <a:endParaRPr lang="es-CO" dirty="0"/>
           </a:p>
@@ -1019,7 +1276,7 @@
     </p:spTree>
     <p:extLst>
       <p:ext uri="{BB962C8B-B14F-4D97-AF65-F5344CB8AC3E}">
-        <p14:creationId xmlns:p14="http://schemas.microsoft.com/office/powerpoint/2010/main" val="1893020950"/>
+        <p14:creationId xmlns:p14="http://schemas.microsoft.com/office/powerpoint/2010/main" val="3712508233"/>
       </p:ext>
     </p:extLst>
   </p:cSld>
@@ -1059,15 +1316,15 @@
         </p:nvSpPr>
         <p:spPr>
           <a:xfrm>
-            <a:off x="685346" y="608437"/>
-            <a:ext cx="7765322" cy="3534344"/>
+            <a:off x="866442" y="1447800"/>
+            <a:ext cx="6620968" cy="1981200"/>
           </a:xfrm>
         </p:spPr>
         <p:txBody>
-          <a:bodyPr anchor="ctr"/>
+          <a:bodyPr/>
           <a:lstStyle>
             <a:lvl1pPr>
-              <a:defRPr sz="3200"/>
+              <a:defRPr sz="4800"/>
             </a:lvl1pPr>
           </a:lstStyle>
           <a:p>
@@ -1081,7 +1338,7 @@
       </p:sp>
       <p:sp>
         <p:nvSpPr>
-          <p:cNvPr id="4" name="Text Placeholder 3"/>
+          <p:cNvPr id="8" name="Text Placeholder 3"/>
           <p:cNvSpPr>
             <a:spLocks noGrp="1"/>
           </p:cNvSpPr>
@@ -1091,62 +1348,64 @@
         </p:nvSpPr>
         <p:spPr>
           <a:xfrm>
-            <a:off x="685346" y="4295180"/>
-            <a:ext cx="7765322" cy="1501826"/>
+            <a:off x="866442" y="3657600"/>
+            <a:ext cx="6620968" cy="2362200"/>
           </a:xfrm>
         </p:spPr>
         <p:txBody>
-          <a:bodyPr anchor="ctr"/>
+          <a:bodyPr anchor="ctr">
+            <a:normAutofit/>
+          </a:bodyPr>
           <a:lstStyle>
-            <a:lvl1pPr marL="0" indent="0" algn="ctr">
-              <a:buNone/>
-              <a:defRPr sz="1600"/>
+            <a:lvl1pPr marL="0" indent="0">
+              <a:buNone/>
+              <a:defRPr sz="1800"/>
             </a:lvl1pPr>
             <a:lvl2pPr marL="457200" indent="0">
               <a:buNone/>
-              <a:defRPr sz="1400"/>
+              <a:defRPr sz="1200"/>
             </a:lvl2pPr>
             <a:lvl3pPr marL="914400" indent="0">
               <a:buNone/>
-              <a:defRPr sz="1200"/>
+              <a:defRPr sz="1000"/>
             </a:lvl3pPr>
             <a:lvl4pPr marL="1371600" indent="0">
               <a:buNone/>
-              <a:defRPr sz="1000"/>
+              <a:defRPr sz="900"/>
             </a:lvl4pPr>
             <a:lvl5pPr marL="1828800" indent="0">
               <a:buNone/>
-              <a:defRPr sz="1000"/>
+              <a:defRPr sz="900"/>
             </a:lvl5pPr>
             <a:lvl6pPr marL="2286000" indent="0">
               <a:buNone/>
-              <a:defRPr sz="1000"/>
+              <a:defRPr sz="900"/>
             </a:lvl6pPr>
             <a:lvl7pPr marL="2743200" indent="0">
               <a:buNone/>
-              <a:defRPr sz="1000"/>
+              <a:defRPr sz="900"/>
             </a:lvl7pPr>
             <a:lvl8pPr marL="3200400" indent="0">
               <a:buNone/>
-              <a:defRPr sz="1000"/>
+              <a:defRPr sz="900"/>
             </a:lvl8pPr>
             <a:lvl9pPr marL="3657600" indent="0">
               <a:buNone/>
-              <a:defRPr sz="1000"/>
+              <a:defRPr sz="900"/>
             </a:lvl9pPr>
           </a:lstStyle>
           <a:p>
             <a:pPr lvl="0"/>
             <a:r>
               <a:rPr lang="es-ES"/>
-              <a:t>Haga clic para modificar los estilos de texto del patrón</a:t>
-            </a:r>
-          </a:p>
-        </p:txBody>
-      </p:sp>
-      <p:sp>
-        <p:nvSpPr>
-          <p:cNvPr id="5" name="Date Placeholder 4"/>
+              <a:t>Editar los estilos de texto del patrón</a:t>
+            </a:r>
+          </a:p>
+        </p:txBody>
+      </p:sp>
+      <p:sp>
+        <p:nvSpPr>
+          <p:cNvPr id="4" name="Date Placeholder 3"/>
           <p:cNvSpPr>
             <a:spLocks noGrp="1"/>
           </p:cNvSpPr>
@@ -1161,7 +1420,7 @@
           <a:p>
             <a:fld id="{26330FAE-141A-4BFF-887C-E995FE81429D}" type="datetime1">
               <a:rPr lang="es-CO" smtClean="0"/>
-              <a:t>2/05/2019</a:t>
+              <a:t>7/06/2019</a:t>
             </a:fld>
             <a:endParaRPr lang="es-CO" dirty="0"/>
           </a:p>
@@ -1169,7 +1428,7 @@
       </p:sp>
       <p:sp>
         <p:nvSpPr>
-          <p:cNvPr id="6" name="Footer Placeholder 5"/>
+          <p:cNvPr id="5" name="Footer Placeholder 4"/>
           <p:cNvSpPr>
             <a:spLocks noGrp="1"/>
           </p:cNvSpPr>
@@ -1188,7 +1447,7 @@
       </p:sp>
       <p:sp>
         <p:nvSpPr>
-          <p:cNvPr id="7" name="Slide Number Placeholder 6"/>
+          <p:cNvPr id="6" name="Slide Number Placeholder 5"/>
           <p:cNvSpPr>
             <a:spLocks noGrp="1"/>
           </p:cNvSpPr>
@@ -1213,7 +1472,7 @@
     </p:spTree>
     <p:extLst>
       <p:ext uri="{BB962C8B-B14F-4D97-AF65-F5344CB8AC3E}">
-        <p14:creationId xmlns:p14="http://schemas.microsoft.com/office/powerpoint/2010/main" val="903584267"/>
+        <p14:creationId xmlns:p14="http://schemas.microsoft.com/office/powerpoint/2010/main" val="265424903"/>
       </p:ext>
     </p:extLst>
   </p:cSld>
@@ -1253,15 +1512,15 @@
         </p:nvSpPr>
         <p:spPr>
           <a:xfrm>
-            <a:off x="1084659" y="609600"/>
-            <a:ext cx="6977064" cy="2992904"/>
+            <a:off x="1181409" y="1447800"/>
+            <a:ext cx="6001049" cy="2323374"/>
           </a:xfrm>
         </p:spPr>
         <p:txBody>
-          <a:bodyPr anchor="ctr"/>
+          <a:bodyPr/>
           <a:lstStyle>
             <a:lvl1pPr>
-              <a:defRPr sz="3200"/>
+              <a:defRPr sz="4800"/>
             </a:lvl1pPr>
           </a:lstStyle>
           <a:p>
@@ -1275,74 +1534,86 @@
       </p:sp>
       <p:sp>
         <p:nvSpPr>
-          <p:cNvPr id="12" name="Text Placeholder 3"/>
-          <p:cNvSpPr>
-            <a:spLocks noGrp="1"/>
-          </p:cNvSpPr>
-          <p:nvPr>
-            <p:ph type="body" sz="half" idx="13"/>
+          <p:cNvPr id="11" name="Text Placeholder 3"/>
+          <p:cNvSpPr>
+            <a:spLocks noGrp="1"/>
+          </p:cNvSpPr>
+          <p:nvPr>
+            <p:ph type="body" sz="half" idx="14"/>
           </p:nvPr>
         </p:nvSpPr>
         <p:spPr>
           <a:xfrm>
-            <a:off x="1290484" y="3610033"/>
-            <a:ext cx="6564224" cy="532749"/>
+            <a:off x="1448177" y="3771174"/>
+            <a:ext cx="5461159" cy="342174"/>
           </a:xfrm>
         </p:spPr>
         <p:txBody>
-          <a:bodyPr anchor="t">
+          <a:bodyPr vert="horz" lIns="91440" tIns="45720" rIns="91440" bIns="45720" rtlCol="0" anchor="t">
             <a:normAutofit/>
           </a:bodyPr>
           <a:lstStyle>
-            <a:lvl1pPr marL="0" indent="0" algn="r">
-              <a:buNone/>
-              <a:defRPr sz="1400"/>
+            <a:lvl1pPr marL="0" indent="0">
+              <a:buNone/>
+              <a:defRPr lang="en-US" sz="1400" b="0" i="0" kern="1200" cap="small" dirty="0">
+                <a:solidFill>
+                  <a:schemeClr val="bg2">
+                    <a:lumMod val="40000"/>
+                    <a:lumOff val="60000"/>
+                  </a:schemeClr>
+                </a:solidFill>
+                <a:latin typeface="+mj-lt"/>
+                <a:ea typeface="+mj-ea"/>
+                <a:cs typeface="+mj-cs"/>
+              </a:defRPr>
             </a:lvl1pPr>
             <a:lvl2pPr marL="457200" indent="0">
               <a:buNone/>
-              <a:defRPr sz="1400"/>
+              <a:defRPr sz="1200"/>
             </a:lvl2pPr>
             <a:lvl3pPr marL="914400" indent="0">
               <a:buNone/>
-              <a:defRPr sz="1200"/>
+              <a:defRPr sz="1000"/>
             </a:lvl3pPr>
             <a:lvl4pPr marL="1371600" indent="0">
               <a:buNone/>
-              <a:defRPr sz="1000"/>
+              <a:defRPr sz="900"/>
             </a:lvl4pPr>
             <a:lvl5pPr marL="1828800" indent="0">
               <a:buNone/>
-              <a:defRPr sz="1000"/>
+              <a:defRPr sz="900"/>
             </a:lvl5pPr>
             <a:lvl6pPr marL="2286000" indent="0">
               <a:buNone/>
-              <a:defRPr sz="1000"/>
+              <a:defRPr sz="900"/>
             </a:lvl6pPr>
             <a:lvl7pPr marL="2743200" indent="0">
               <a:buNone/>
-              <a:defRPr sz="1000"/>
+              <a:defRPr sz="900"/>
             </a:lvl7pPr>
             <a:lvl8pPr marL="3200400" indent="0">
               <a:buNone/>
-              <a:defRPr sz="1000"/>
+              <a:defRPr sz="900"/>
             </a:lvl8pPr>
             <a:lvl9pPr marL="3657600" indent="0">
               <a:buNone/>
-              <a:defRPr sz="1000"/>
+              <a:defRPr sz="900"/>
             </a:lvl9pPr>
           </a:lstStyle>
           <a:p>
-            <a:pPr lvl="0"/>
-            <a:r>
-              <a:rPr lang="es-ES"/>
-              <a:t>Haga clic para modificar los estilos de texto del patrón</a:t>
-            </a:r>
-          </a:p>
-        </p:txBody>
-      </p:sp>
-      <p:sp>
-        <p:nvSpPr>
-          <p:cNvPr id="4" name="Text Placeholder 3"/>
+            <a:pPr marL="0" lvl="0" indent="0">
+              <a:buNone/>
+            </a:pPr>
+            <a:r>
+              <a:rPr lang="es-ES"/>
+              <a:t>Editar los estilos de texto del patrón</a:t>
+            </a:r>
+          </a:p>
+        </p:txBody>
+      </p:sp>
+      <p:sp>
+        <p:nvSpPr>
+          <p:cNvPr id="10" name="Text Placeholder 3"/>
           <p:cNvSpPr>
             <a:spLocks noGrp="1"/>
           </p:cNvSpPr>
@@ -1352,8 +1623,8 @@
         </p:nvSpPr>
         <p:spPr>
           <a:xfrm>
-            <a:off x="685346" y="4304353"/>
-            <a:ext cx="7765322" cy="1489496"/>
+            <a:off x="866442" y="4350657"/>
+            <a:ext cx="6620968" cy="1676400"/>
           </a:xfrm>
         </p:spPr>
         <p:txBody>
@@ -1361,55 +1632,55 @@
             <a:normAutofit/>
           </a:bodyPr>
           <a:lstStyle>
-            <a:lvl1pPr marL="0" indent="0" algn="ctr">
-              <a:buNone/>
-              <a:defRPr sz="1600"/>
+            <a:lvl1pPr marL="0" indent="0">
+              <a:buNone/>
+              <a:defRPr sz="1800"/>
             </a:lvl1pPr>
             <a:lvl2pPr marL="457200" indent="0">
               <a:buNone/>
-              <a:defRPr sz="1400"/>
+              <a:defRPr sz="1200"/>
             </a:lvl2pPr>
             <a:lvl3pPr marL="914400" indent="0">
               <a:buNone/>
-              <a:defRPr sz="1200"/>
+              <a:defRPr sz="1000"/>
             </a:lvl3pPr>
             <a:lvl4pPr marL="1371600" indent="0">
               <a:buNone/>
-              <a:defRPr sz="1000"/>
+              <a:defRPr sz="900"/>
             </a:lvl4pPr>
             <a:lvl5pPr marL="1828800" indent="0">
               <a:buNone/>
-              <a:defRPr sz="1000"/>
+              <a:defRPr sz="900"/>
             </a:lvl5pPr>
             <a:lvl6pPr marL="2286000" indent="0">
               <a:buNone/>
-              <a:defRPr sz="1000"/>
+              <a:defRPr sz="900"/>
             </a:lvl6pPr>
             <a:lvl7pPr marL="2743200" indent="0">
               <a:buNone/>
-              <a:defRPr sz="1000"/>
+              <a:defRPr sz="900"/>
             </a:lvl7pPr>
             <a:lvl8pPr marL="3200400" indent="0">
               <a:buNone/>
-              <a:defRPr sz="1000"/>
+              <a:defRPr sz="900"/>
             </a:lvl8pPr>
             <a:lvl9pPr marL="3657600" indent="0">
               <a:buNone/>
-              <a:defRPr sz="1000"/>
+              <a:defRPr sz="900"/>
             </a:lvl9pPr>
           </a:lstStyle>
           <a:p>
             <a:pPr lvl="0"/>
             <a:r>
               <a:rPr lang="es-ES"/>
-              <a:t>Haga clic para modificar los estilos de texto del patrón</a:t>
-            </a:r>
-          </a:p>
-        </p:txBody>
-      </p:sp>
-      <p:sp>
-        <p:nvSpPr>
-          <p:cNvPr id="5" name="Date Placeholder 4"/>
+              <a:t>Editar los estilos de texto del patrón</a:t>
+            </a:r>
+          </a:p>
+        </p:txBody>
+      </p:sp>
+      <p:sp>
+        <p:nvSpPr>
+          <p:cNvPr id="4" name="Date Placeholder 3"/>
           <p:cNvSpPr>
             <a:spLocks noGrp="1"/>
           </p:cNvSpPr>
@@ -1424,7 +1695,7 @@
           <a:p>
             <a:fld id="{26330FAE-141A-4BFF-887C-E995FE81429D}" type="datetime1">
               <a:rPr lang="es-CO" smtClean="0"/>
-              <a:t>2/05/2019</a:t>
+              <a:t>7/06/2019</a:t>
             </a:fld>
             <a:endParaRPr lang="es-CO" dirty="0"/>
           </a:p>
@@ -1432,7 +1703,7 @@
       </p:sp>
       <p:sp>
         <p:nvSpPr>
-          <p:cNvPr id="6" name="Footer Placeholder 5"/>
+          <p:cNvPr id="5" name="Footer Placeholder 4"/>
           <p:cNvSpPr>
             <a:spLocks noGrp="1"/>
           </p:cNvSpPr>
@@ -1451,7 +1722,7 @@
       </p:sp>
       <p:sp>
         <p:nvSpPr>
-          <p:cNvPr id="7" name="Slide Number Placeholder 6"/>
+          <p:cNvPr id="6" name="Slide Number Placeholder 5"/>
           <p:cNvSpPr>
             <a:spLocks noGrp="1"/>
           </p:cNvSpPr>
@@ -1475,115 +1746,46 @@
       </p:sp>
       <p:sp>
         <p:nvSpPr>
-          <p:cNvPr id="11" name="TextBox 10"/>
+          <p:cNvPr id="12" name="TextBox 11"/>
           <p:cNvSpPr txBox="1"/>
           <p:nvPr/>
         </p:nvSpPr>
         <p:spPr>
           <a:xfrm>
-            <a:off x="627459" y="873912"/>
-            <a:ext cx="457200" cy="584776"/>
+            <a:off x="673897" y="971253"/>
+            <a:ext cx="601591" cy="1969770"/>
           </a:xfrm>
           <a:prstGeom prst="rect">
             <a:avLst/>
           </a:prstGeom>
+          <a:noFill/>
         </p:spPr>
         <p:txBody>
-          <a:bodyPr vert="horz" lIns="91440" tIns="45720" rIns="91440" bIns="45720" rtlCol="0" anchor="ctr">
-            <a:noAutofit/>
+          <a:bodyPr wrap="square" rtlCol="0">
+            <a:spAutoFit/>
           </a:bodyPr>
           <a:lstStyle>
-            <a:lvl1pPr>
-              <a:spcBef>
-                <a:spcPct val="0"/>
-              </a:spcBef>
-              <a:buNone/>
-              <a:defRPr sz="3200" b="0" cap="all">
-                <a:ln w="3175" cmpd="sng">
-                  <a:noFill/>
-                </a:ln>
-                <a:effectLst>
-                  <a:glow rad="38100">
-                    <a:schemeClr val="bg1">
-                      <a:lumMod val="65000"/>
-                      <a:lumOff val="35000"/>
-                      <a:alpha val="40000"/>
-                    </a:schemeClr>
-                  </a:glow>
-                  <a:outerShdw blurRad="28575" dist="38100" dir="14040000" algn="tl" rotWithShape="0">
-                    <a:srgbClr val="000000">
-                      <a:alpha val="25000"/>
-                    </a:srgbClr>
-                  </a:outerShdw>
-                </a:effectLst>
+            <a:defPPr>
+              <a:defRPr lang="en-US"/>
+            </a:defPPr>
+            <a:lvl1pPr algn="r">
+              <a:defRPr sz="12200" b="0" i="0">
+                <a:solidFill>
+                  <a:schemeClr val="bg2">
+                    <a:lumMod val="40000"/>
+                    <a:lumOff val="60000"/>
+                  </a:schemeClr>
+                </a:solidFill>
+                <a:latin typeface="Arial"/>
+                <a:ea typeface="+mj-ea"/>
+                <a:cs typeface="+mj-cs"/>
               </a:defRPr>
             </a:lvl1pPr>
-            <a:lvl2pPr>
-              <a:defRPr>
-                <a:solidFill>
-                  <a:schemeClr val="tx2"/>
-                </a:solidFill>
-              </a:defRPr>
-            </a:lvl2pPr>
-            <a:lvl3pPr>
-              <a:defRPr>
-                <a:solidFill>
-                  <a:schemeClr val="tx2"/>
-                </a:solidFill>
-              </a:defRPr>
-            </a:lvl3pPr>
-            <a:lvl4pPr>
-              <a:defRPr>
-                <a:solidFill>
-                  <a:schemeClr val="tx2"/>
-                </a:solidFill>
-              </a:defRPr>
-            </a:lvl4pPr>
-            <a:lvl5pPr>
-              <a:defRPr>
-                <a:solidFill>
-                  <a:schemeClr val="tx2"/>
-                </a:solidFill>
-              </a:defRPr>
-            </a:lvl5pPr>
-            <a:lvl6pPr>
-              <a:defRPr>
-                <a:solidFill>
-                  <a:schemeClr val="tx2"/>
-                </a:solidFill>
-              </a:defRPr>
-            </a:lvl6pPr>
-            <a:lvl7pPr>
-              <a:defRPr>
-                <a:solidFill>
-                  <a:schemeClr val="tx2"/>
-                </a:solidFill>
-              </a:defRPr>
-            </a:lvl7pPr>
-            <a:lvl8pPr>
-              <a:defRPr>
-                <a:solidFill>
-                  <a:schemeClr val="tx2"/>
-                </a:solidFill>
-              </a:defRPr>
-            </a:lvl8pPr>
-            <a:lvl9pPr>
-              <a:defRPr>
-                <a:solidFill>
-                  <a:schemeClr val="tx2"/>
-                </a:solidFill>
-              </a:defRPr>
-            </a:lvl9pPr>
           </a:lstStyle>
           <a:p>
             <a:pPr lvl="0"/>
             <a:r>
-              <a:rPr lang="en-US" sz="8000" dirty="0">
-                <a:solidFill>
-                  <a:schemeClr val="tx1"/>
-                </a:solidFill>
-                <a:effectLst/>
-              </a:rPr>
+              <a:rPr lang="en-US" sz="12200" dirty="0"/>
               <a:t>“</a:t>
             </a:r>
           </a:p>
@@ -1591,115 +1793,46 @@
       </p:sp>
       <p:sp>
         <p:nvSpPr>
-          <p:cNvPr id="13" name="TextBox 12"/>
+          <p:cNvPr id="15" name="TextBox 14"/>
           <p:cNvSpPr txBox="1"/>
           <p:nvPr/>
         </p:nvSpPr>
         <p:spPr>
           <a:xfrm>
-            <a:off x="7828359" y="2933245"/>
-            <a:ext cx="457200" cy="584776"/>
+            <a:off x="6999690" y="2613787"/>
+            <a:ext cx="601591" cy="1969770"/>
           </a:xfrm>
           <a:prstGeom prst="rect">
             <a:avLst/>
           </a:prstGeom>
+          <a:noFill/>
         </p:spPr>
         <p:txBody>
-          <a:bodyPr vert="horz" lIns="91440" tIns="45720" rIns="91440" bIns="45720" rtlCol="0" anchor="ctr">
-            <a:noAutofit/>
+          <a:bodyPr wrap="square" rtlCol="0">
+            <a:spAutoFit/>
           </a:bodyPr>
           <a:lstStyle>
-            <a:lvl1pPr>
-              <a:spcBef>
-                <a:spcPct val="0"/>
-              </a:spcBef>
-              <a:buNone/>
-              <a:defRPr sz="3200" b="0" cap="all">
-                <a:ln w="3175" cmpd="sng">
-                  <a:noFill/>
-                </a:ln>
-                <a:effectLst>
-                  <a:glow rad="38100">
-                    <a:schemeClr val="bg1">
-                      <a:lumMod val="65000"/>
-                      <a:lumOff val="35000"/>
-                      <a:alpha val="40000"/>
-                    </a:schemeClr>
-                  </a:glow>
-                  <a:outerShdw blurRad="28575" dist="38100" dir="14040000" algn="tl" rotWithShape="0">
-                    <a:srgbClr val="000000">
-                      <a:alpha val="25000"/>
-                    </a:srgbClr>
-                  </a:outerShdw>
-                </a:effectLst>
+            <a:defPPr>
+              <a:defRPr lang="en-US"/>
+            </a:defPPr>
+            <a:lvl1pPr algn="r">
+              <a:defRPr sz="12200" b="0" i="0">
+                <a:solidFill>
+                  <a:schemeClr val="bg2">
+                    <a:lumMod val="40000"/>
+                    <a:lumOff val="60000"/>
+                  </a:schemeClr>
+                </a:solidFill>
+                <a:latin typeface="Arial"/>
+                <a:ea typeface="+mj-ea"/>
+                <a:cs typeface="+mj-cs"/>
               </a:defRPr>
             </a:lvl1pPr>
-            <a:lvl2pPr>
-              <a:defRPr>
-                <a:solidFill>
-                  <a:schemeClr val="tx2"/>
-                </a:solidFill>
-              </a:defRPr>
-            </a:lvl2pPr>
-            <a:lvl3pPr>
-              <a:defRPr>
-                <a:solidFill>
-                  <a:schemeClr val="tx2"/>
-                </a:solidFill>
-              </a:defRPr>
-            </a:lvl3pPr>
-            <a:lvl4pPr>
-              <a:defRPr>
-                <a:solidFill>
-                  <a:schemeClr val="tx2"/>
-                </a:solidFill>
-              </a:defRPr>
-            </a:lvl4pPr>
-            <a:lvl5pPr>
-              <a:defRPr>
-                <a:solidFill>
-                  <a:schemeClr val="tx2"/>
-                </a:solidFill>
-              </a:defRPr>
-            </a:lvl5pPr>
-            <a:lvl6pPr>
-              <a:defRPr>
-                <a:solidFill>
-                  <a:schemeClr val="tx2"/>
-                </a:solidFill>
-              </a:defRPr>
-            </a:lvl6pPr>
-            <a:lvl7pPr>
-              <a:defRPr>
-                <a:solidFill>
-                  <a:schemeClr val="tx2"/>
-                </a:solidFill>
-              </a:defRPr>
-            </a:lvl7pPr>
-            <a:lvl8pPr>
-              <a:defRPr>
-                <a:solidFill>
-                  <a:schemeClr val="tx2"/>
-                </a:solidFill>
-              </a:defRPr>
-            </a:lvl8pPr>
-            <a:lvl9pPr>
-              <a:defRPr>
-                <a:solidFill>
-                  <a:schemeClr val="tx2"/>
-                </a:solidFill>
-              </a:defRPr>
-            </a:lvl9pPr>
           </a:lstStyle>
           <a:p>
-            <a:pPr lvl="0" algn="r"/>
-            <a:r>
-              <a:rPr lang="en-US" sz="8000" dirty="0">
-                <a:solidFill>
-                  <a:schemeClr val="tx1"/>
-                </a:solidFill>
-                <a:effectLst/>
-              </a:rPr>
+            <a:pPr lvl="0"/>
+            <a:r>
+              <a:rPr lang="en-US" sz="12200" dirty="0"/>
               <a:t>”</a:t>
             </a:r>
           </a:p>
@@ -1708,7 +1841,7 @@
     </p:spTree>
     <p:extLst>
       <p:ext uri="{BB962C8B-B14F-4D97-AF65-F5344CB8AC3E}">
-        <p14:creationId xmlns:p14="http://schemas.microsoft.com/office/powerpoint/2010/main" val="1384327476"/>
+        <p14:creationId xmlns:p14="http://schemas.microsoft.com/office/powerpoint/2010/main" val="3382703595"/>
       </p:ext>
     </p:extLst>
   </p:cSld>
@@ -1748,15 +1881,15 @@
         </p:nvSpPr>
         <p:spPr>
           <a:xfrm>
-            <a:off x="685346" y="2126943"/>
-            <a:ext cx="7765322" cy="2511835"/>
+            <a:off x="866441" y="3124201"/>
+            <a:ext cx="6620969" cy="1653180"/>
           </a:xfrm>
         </p:spPr>
         <p:txBody>
           <a:bodyPr anchor="b"/>
           <a:lstStyle>
-            <a:lvl1pPr>
-              <a:defRPr sz="3200"/>
+            <a:lvl1pPr algn="l">
+              <a:defRPr sz="4000" b="0" cap="none"/>
             </a:lvl1pPr>
           </a:lstStyle>
           <a:p>
@@ -1770,72 +1903,127 @@
       </p:sp>
       <p:sp>
         <p:nvSpPr>
-          <p:cNvPr id="4" name="Text Placeholder 3"/>
-          <p:cNvSpPr>
-            <a:spLocks noGrp="1"/>
-          </p:cNvSpPr>
-          <p:nvPr>
-            <p:ph type="body" sz="half" idx="2"/>
+          <p:cNvPr id="3" name="Text Placeholder 2"/>
+          <p:cNvSpPr>
+            <a:spLocks noGrp="1"/>
+          </p:cNvSpPr>
+          <p:nvPr>
+            <p:ph type="body" idx="1"/>
           </p:nvPr>
         </p:nvSpPr>
         <p:spPr>
           <a:xfrm>
-            <a:off x="685339" y="4650556"/>
-            <a:ext cx="7764149" cy="1140644"/>
+            <a:off x="866442" y="4777381"/>
+            <a:ext cx="6620968" cy="860400"/>
           </a:xfrm>
         </p:spPr>
         <p:txBody>
           <a:bodyPr anchor="t"/>
           <a:lstStyle>
-            <a:lvl1pPr marL="0" indent="0" algn="ctr">
-              <a:buNone/>
-              <a:defRPr sz="1600"/>
+            <a:lvl1pPr marL="0" indent="0" algn="l">
+              <a:buNone/>
+              <a:defRPr sz="2000" cap="none">
+                <a:solidFill>
+                  <a:schemeClr val="bg2">
+                    <a:lumMod val="40000"/>
+                    <a:lumOff val="60000"/>
+                  </a:schemeClr>
+                </a:solidFill>
+              </a:defRPr>
             </a:lvl1pPr>
             <a:lvl2pPr marL="457200" indent="0">
               <a:buNone/>
-              <a:defRPr sz="1400"/>
+              <a:defRPr sz="1800">
+                <a:solidFill>
+                  <a:schemeClr val="tx1">
+                    <a:tint val="75000"/>
+                  </a:schemeClr>
+                </a:solidFill>
+              </a:defRPr>
             </a:lvl2pPr>
             <a:lvl3pPr marL="914400" indent="0">
               <a:buNone/>
-              <a:defRPr sz="1200"/>
+              <a:defRPr sz="1600">
+                <a:solidFill>
+                  <a:schemeClr val="tx1">
+                    <a:tint val="75000"/>
+                  </a:schemeClr>
+                </a:solidFill>
+              </a:defRPr>
             </a:lvl3pPr>
             <a:lvl4pPr marL="1371600" indent="0">
               <a:buNone/>
-              <a:defRPr sz="1000"/>
+              <a:defRPr sz="1400">
+                <a:solidFill>
+                  <a:schemeClr val="tx1">
+                    <a:tint val="75000"/>
+                  </a:schemeClr>
+                </a:solidFill>
+              </a:defRPr>
             </a:lvl4pPr>
             <a:lvl5pPr marL="1828800" indent="0">
               <a:buNone/>
-              <a:defRPr sz="1000"/>
+              <a:defRPr sz="1400">
+                <a:solidFill>
+                  <a:schemeClr val="tx1">
+                    <a:tint val="75000"/>
+                  </a:schemeClr>
+                </a:solidFill>
+              </a:defRPr>
             </a:lvl5pPr>
             <a:lvl6pPr marL="2286000" indent="0">
               <a:buNone/>
-              <a:defRPr sz="1000"/>
+              <a:defRPr sz="1400">
+                <a:solidFill>
+                  <a:schemeClr val="tx1">
+                    <a:tint val="75000"/>
+                  </a:schemeClr>
+                </a:solidFill>
+              </a:defRPr>
             </a:lvl6pPr>
             <a:lvl7pPr marL="2743200" indent="0">
               <a:buNone/>
-              <a:defRPr sz="1000"/>
+              <a:defRPr sz="1400">
+                <a:solidFill>
+                  <a:schemeClr val="tx1">
+                    <a:tint val="75000"/>
+                  </a:schemeClr>
+                </a:solidFill>
+              </a:defRPr>
             </a:lvl7pPr>
             <a:lvl8pPr marL="3200400" indent="0">
               <a:buNone/>
-              <a:defRPr sz="1000"/>
+              <a:defRPr sz="1400">
+                <a:solidFill>
+                  <a:schemeClr val="tx1">
+                    <a:tint val="75000"/>
+                  </a:schemeClr>
+                </a:solidFill>
+              </a:defRPr>
             </a:lvl8pPr>
             <a:lvl9pPr marL="3657600" indent="0">
               <a:buNone/>
-              <a:defRPr sz="1000"/>
+              <a:defRPr sz="1400">
+                <a:solidFill>
+                  <a:schemeClr val="tx1">
+                    <a:tint val="75000"/>
+                  </a:schemeClr>
+                </a:solidFill>
+              </a:defRPr>
             </a:lvl9pPr>
           </a:lstStyle>
           <a:p>
             <a:pPr lvl="0"/>
             <a:r>
               <a:rPr lang="es-ES"/>
-              <a:t>Haga clic para modificar los estilos de texto del patrón</a:t>
-            </a:r>
-          </a:p>
-        </p:txBody>
-      </p:sp>
-      <p:sp>
-        <p:nvSpPr>
-          <p:cNvPr id="5" name="Date Placeholder 4"/>
+              <a:t>Editar los estilos de texto del patrón</a:t>
+            </a:r>
+          </a:p>
+        </p:txBody>
+      </p:sp>
+      <p:sp>
+        <p:nvSpPr>
+          <p:cNvPr id="4" name="Date Placeholder 3"/>
           <p:cNvSpPr>
             <a:spLocks noGrp="1"/>
           </p:cNvSpPr>
@@ -1850,7 +2038,7 @@
           <a:p>
             <a:fld id="{26330FAE-141A-4BFF-887C-E995FE81429D}" type="datetime1">
               <a:rPr lang="es-CO" smtClean="0"/>
-              <a:t>2/05/2019</a:t>
+              <a:t>7/06/2019</a:t>
             </a:fld>
             <a:endParaRPr lang="es-CO" dirty="0"/>
           </a:p>
@@ -1858,7 +2046,7 @@
       </p:sp>
       <p:sp>
         <p:nvSpPr>
-          <p:cNvPr id="6" name="Footer Placeholder 5"/>
+          <p:cNvPr id="5" name="Footer Placeholder 4"/>
           <p:cNvSpPr>
             <a:spLocks noGrp="1"/>
           </p:cNvSpPr>
@@ -1877,7 +2065,7 @@
       </p:sp>
       <p:sp>
         <p:nvSpPr>
-          <p:cNvPr id="7" name="Slide Number Placeholder 6"/>
+          <p:cNvPr id="6" name="Slide Number Placeholder 5"/>
           <p:cNvSpPr>
             <a:spLocks noGrp="1"/>
           </p:cNvSpPr>
@@ -1902,7 +2090,7 @@
     </p:spTree>
     <p:extLst>
       <p:ext uri="{BB962C8B-B14F-4D97-AF65-F5344CB8AC3E}">
-        <p14:creationId xmlns:p14="http://schemas.microsoft.com/office/powerpoint/2010/main" val="2730607690"/>
+        <p14:creationId xmlns:p14="http://schemas.microsoft.com/office/powerpoint/2010/main" val="3797019711"/>
       </p:ext>
     </p:extLst>
   </p:cSld>
@@ -1932,46 +2120,45 @@
       </p:grpSpPr>
       <p:sp>
         <p:nvSpPr>
-          <p:cNvPr id="15" name="Title 1"/>
+          <p:cNvPr id="2" name="Title 1"/>
           <p:cNvSpPr>
             <a:spLocks noGrp="1"/>
           </p:cNvSpPr>
           <p:nvPr>
             <p:ph type="title"/>
+          </p:nvPr>
+        </p:nvSpPr>
+        <p:spPr/>
+        <p:txBody>
+          <a:bodyPr/>
+          <a:lstStyle>
+            <a:lvl1pPr>
+              <a:defRPr sz="4200"/>
+            </a:lvl1pPr>
+          </a:lstStyle>
+          <a:p>
+            <a:r>
+              <a:rPr lang="es-ES"/>
+              <a:t>Haga clic para modificar el estilo de título del patrón</a:t>
+            </a:r>
+            <a:endParaRPr lang="en-US" dirty="0"/>
+          </a:p>
+        </p:txBody>
+      </p:sp>
+      <p:sp>
+        <p:nvSpPr>
+          <p:cNvPr id="3" name="Text Placeholder 2"/>
+          <p:cNvSpPr>
+            <a:spLocks noGrp="1"/>
+          </p:cNvSpPr>
+          <p:nvPr>
+            <p:ph type="body" idx="1"/>
           </p:nvPr>
         </p:nvSpPr>
         <p:spPr>
           <a:xfrm>
-            <a:off x="685346" y="609600"/>
-            <a:ext cx="7765322" cy="970450"/>
-          </a:xfrm>
-        </p:spPr>
-        <p:txBody>
-          <a:bodyPr/>
-          <a:lstStyle/>
-          <a:p>
-            <a:r>
-              <a:rPr lang="es-ES"/>
-              <a:t>Haga clic para modificar el estilo de título del patrón</a:t>
-            </a:r>
-            <a:endParaRPr lang="en-US" dirty="0"/>
-          </a:p>
-        </p:txBody>
-      </p:sp>
-      <p:sp>
-        <p:nvSpPr>
-          <p:cNvPr id="7" name="Text Placeholder 2"/>
-          <p:cNvSpPr>
-            <a:spLocks noGrp="1"/>
-          </p:cNvSpPr>
-          <p:nvPr>
-            <p:ph type="body" idx="1"/>
-          </p:nvPr>
-        </p:nvSpPr>
-        <p:spPr>
-          <a:xfrm>
-            <a:off x="685346" y="1885950"/>
-            <a:ext cx="2475738" cy="576262"/>
+            <a:off x="474834" y="1981200"/>
+            <a:ext cx="2210725" cy="576262"/>
           </a:xfrm>
         </p:spPr>
         <p:txBody>
@@ -1979,11 +2166,14 @@
             <a:noAutofit/>
           </a:bodyPr>
           <a:lstStyle>
-            <a:lvl1pPr marL="0" indent="0" algn="ctr">
+            <a:lvl1pPr marL="0" indent="0">
               <a:buNone/>
               <a:defRPr sz="2400" b="0">
                 <a:solidFill>
-                  <a:schemeClr val="tx1"/>
+                  <a:schemeClr val="bg2">
+                    <a:lumMod val="40000"/>
+                    <a:lumOff val="60000"/>
+                  </a:schemeClr>
                 </a:solidFill>
               </a:defRPr>
             </a:lvl1pPr>
@@ -2024,14 +2214,14 @@
             <a:pPr lvl="0"/>
             <a:r>
               <a:rPr lang="es-ES"/>
-              <a:t>Haga clic para modificar los estilos de texto del patrón</a:t>
-            </a:r>
-          </a:p>
-        </p:txBody>
-      </p:sp>
-      <p:sp>
-        <p:nvSpPr>
-          <p:cNvPr id="8" name="Text Placeholder 3"/>
+              <a:t>Editar los estilos de texto del patrón</a:t>
+            </a:r>
+          </a:p>
+        </p:txBody>
+      </p:sp>
+      <p:sp>
+        <p:nvSpPr>
+          <p:cNvPr id="16" name="Text Placeholder 3"/>
           <p:cNvSpPr>
             <a:spLocks noGrp="1"/>
           </p:cNvSpPr>
@@ -2041,8 +2231,8 @@
         </p:nvSpPr>
         <p:spPr>
           <a:xfrm>
-            <a:off x="685346" y="2571750"/>
-            <a:ext cx="2475738" cy="3219450"/>
+            <a:off x="489475" y="2667000"/>
+            <a:ext cx="2196084" cy="3589338"/>
           </a:xfrm>
         </p:spPr>
         <p:txBody>
@@ -2050,7 +2240,7 @@
             <a:normAutofit/>
           </a:bodyPr>
           <a:lstStyle>
-            <a:lvl1pPr marL="0" indent="0" algn="ctr">
+            <a:lvl1pPr marL="0" indent="0">
               <a:buNone/>
               <a:defRPr sz="1400"/>
             </a:lvl1pPr>
@@ -2091,14 +2281,14 @@
             <a:pPr lvl="0"/>
             <a:r>
               <a:rPr lang="es-ES"/>
-              <a:t>Haga clic para modificar los estilos de texto del patrón</a:t>
-            </a:r>
-          </a:p>
-        </p:txBody>
-      </p:sp>
-      <p:sp>
-        <p:nvSpPr>
-          <p:cNvPr id="9" name="Text Placeholder 4"/>
+              <a:t>Editar los estilos de texto del patrón</a:t>
+            </a:r>
+          </a:p>
+        </p:txBody>
+      </p:sp>
+      <p:sp>
+        <p:nvSpPr>
+          <p:cNvPr id="5" name="Text Placeholder 4"/>
           <p:cNvSpPr>
             <a:spLocks noGrp="1"/>
           </p:cNvSpPr>
@@ -2108,8 +2298,8 @@
         </p:nvSpPr>
         <p:spPr>
           <a:xfrm>
-            <a:off x="3335033" y="1885950"/>
-            <a:ext cx="2475738" cy="576262"/>
+            <a:off x="2913504" y="1981200"/>
+            <a:ext cx="2202754" cy="576262"/>
           </a:xfrm>
         </p:spPr>
         <p:txBody>
@@ -2117,11 +2307,14 @@
             <a:noAutofit/>
           </a:bodyPr>
           <a:lstStyle>
-            <a:lvl1pPr marL="0" indent="0" algn="ctr">
+            <a:lvl1pPr marL="0" indent="0">
               <a:buNone/>
               <a:defRPr sz="2400" b="0">
                 <a:solidFill>
-                  <a:schemeClr val="tx1"/>
+                  <a:schemeClr val="bg2">
+                    <a:lumMod val="40000"/>
+                    <a:lumOff val="60000"/>
+                  </a:schemeClr>
                 </a:solidFill>
               </a:defRPr>
             </a:lvl1pPr>
@@ -2162,14 +2355,14 @@
             <a:pPr lvl="0"/>
             <a:r>
               <a:rPr lang="es-ES"/>
-              <a:t>Haga clic para modificar los estilos de texto del patrón</a:t>
-            </a:r>
-          </a:p>
-        </p:txBody>
-      </p:sp>
-      <p:sp>
-        <p:nvSpPr>
-          <p:cNvPr id="10" name="Text Placeholder 3"/>
+              <a:t>Editar los estilos de texto del patrón</a:t>
+            </a:r>
+          </a:p>
+        </p:txBody>
+      </p:sp>
+      <p:sp>
+        <p:nvSpPr>
+          <p:cNvPr id="19" name="Text Placeholder 3"/>
           <p:cNvSpPr>
             <a:spLocks noGrp="1"/>
           </p:cNvSpPr>
@@ -2179,8 +2372,8 @@
         </p:nvSpPr>
         <p:spPr>
           <a:xfrm>
-            <a:off x="3331076" y="2571750"/>
-            <a:ext cx="2475738" cy="3219450"/>
+            <a:off x="2905586" y="2667000"/>
+            <a:ext cx="2210671" cy="3589338"/>
           </a:xfrm>
         </p:spPr>
         <p:txBody>
@@ -2188,7 +2381,7 @@
             <a:normAutofit/>
           </a:bodyPr>
           <a:lstStyle>
-            <a:lvl1pPr marL="0" indent="0" algn="ctr">
+            <a:lvl1pPr marL="0" indent="0">
               <a:buNone/>
               <a:defRPr sz="1400"/>
             </a:lvl1pPr>
@@ -2229,14 +2422,14 @@
             <a:pPr lvl="0"/>
             <a:r>
               <a:rPr lang="es-ES"/>
-              <a:t>Haga clic para modificar los estilos de texto del patrón</a:t>
-            </a:r>
-          </a:p>
-        </p:txBody>
-      </p:sp>
-      <p:sp>
-        <p:nvSpPr>
-          <p:cNvPr id="11" name="Text Placeholder 4"/>
+              <a:t>Editar los estilos de texto del patrón</a:t>
+            </a:r>
+          </a:p>
+        </p:txBody>
+      </p:sp>
+      <p:sp>
+        <p:nvSpPr>
+          <p:cNvPr id="14" name="Text Placeholder 4"/>
           <p:cNvSpPr>
             <a:spLocks noGrp="1"/>
           </p:cNvSpPr>
@@ -2246,8 +2439,8 @@
         </p:nvSpPr>
         <p:spPr>
           <a:xfrm>
-            <a:off x="5974929" y="1885950"/>
-            <a:ext cx="2475738" cy="576262"/>
+            <a:off x="5344917" y="1981200"/>
+            <a:ext cx="2199658" cy="576262"/>
           </a:xfrm>
         </p:spPr>
         <p:txBody>
@@ -2255,11 +2448,14 @@
             <a:noAutofit/>
           </a:bodyPr>
           <a:lstStyle>
-            <a:lvl1pPr marL="0" indent="0" algn="ctr">
+            <a:lvl1pPr marL="0" indent="0">
               <a:buNone/>
               <a:defRPr sz="2400" b="0">
                 <a:solidFill>
-                  <a:schemeClr val="tx1"/>
+                  <a:schemeClr val="bg2">
+                    <a:lumMod val="40000"/>
+                    <a:lumOff val="60000"/>
+                  </a:schemeClr>
                 </a:solidFill>
               </a:defRPr>
             </a:lvl1pPr>
@@ -2300,14 +2496,14 @@
             <a:pPr lvl="0"/>
             <a:r>
               <a:rPr lang="es-ES"/>
-              <a:t>Haga clic para modificar los estilos de texto del patrón</a:t>
-            </a:r>
-          </a:p>
-        </p:txBody>
-      </p:sp>
-      <p:sp>
-        <p:nvSpPr>
-          <p:cNvPr id="12" name="Text Placeholder 3"/>
+              <a:t>Editar los estilos de texto del patrón</a:t>
+            </a:r>
+          </a:p>
+        </p:txBody>
+      </p:sp>
+      <p:sp>
+        <p:nvSpPr>
+          <p:cNvPr id="20" name="Text Placeholder 3"/>
           <p:cNvSpPr>
             <a:spLocks noGrp="1"/>
           </p:cNvSpPr>
@@ -2317,8 +2513,8 @@
         </p:nvSpPr>
         <p:spPr>
           <a:xfrm>
-            <a:off x="5974929" y="2571750"/>
-            <a:ext cx="2475738" cy="3219450"/>
+            <a:off x="5344917" y="2667000"/>
+            <a:ext cx="2199658" cy="3589338"/>
           </a:xfrm>
         </p:spPr>
         <p:txBody>
@@ -2326,7 +2522,7 @@
             <a:normAutofit/>
           </a:bodyPr>
           <a:lstStyle>
-            <a:lvl1pPr marL="0" indent="0" algn="ctr">
+            <a:lvl1pPr marL="0" indent="0">
               <a:buNone/>
               <a:defRPr sz="1400"/>
             </a:lvl1pPr>
@@ -2367,14 +2563,92 @@
             <a:pPr lvl="0"/>
             <a:r>
               <a:rPr lang="es-ES"/>
-              <a:t>Haga clic para modificar los estilos de texto del patrón</a:t>
-            </a:r>
-          </a:p>
-        </p:txBody>
-      </p:sp>
-      <p:sp>
-        <p:nvSpPr>
-          <p:cNvPr id="3" name="Date Placeholder 2"/>
+              <a:t>Editar los estilos de texto del patrón</a:t>
+            </a:r>
+          </a:p>
+        </p:txBody>
+      </p:sp>
+      <p:cxnSp>
+        <p:nvCxnSpPr>
+          <p:cNvPr id="17" name="Straight Connector 16"/>
+          <p:cNvCxnSpPr/>
+          <p:nvPr/>
+        </p:nvCxnSpPr>
+        <p:spPr>
+          <a:xfrm>
+            <a:off x="2795334" y="2133600"/>
+            <a:ext cx="0" cy="3962400"/>
+          </a:xfrm>
+          <a:prstGeom prst="line">
+            <a:avLst/>
+          </a:prstGeom>
+          <a:ln w="12700" cmpd="sng">
+            <a:solidFill>
+              <a:schemeClr val="bg2">
+                <a:lumMod val="40000"/>
+                <a:lumOff val="60000"/>
+                <a:alpha val="40000"/>
+              </a:schemeClr>
+            </a:solidFill>
+          </a:ln>
+        </p:spPr>
+        <p:style>
+          <a:lnRef idx="2">
+            <a:schemeClr val="accent1"/>
+          </a:lnRef>
+          <a:fillRef idx="0">
+            <a:schemeClr val="accent1"/>
+          </a:fillRef>
+          <a:effectRef idx="1">
+            <a:schemeClr val="accent1"/>
+          </a:effectRef>
+          <a:fontRef idx="minor">
+            <a:schemeClr val="tx1"/>
+          </a:fontRef>
+        </p:style>
+      </p:cxnSp>
+      <p:cxnSp>
+        <p:nvCxnSpPr>
+          <p:cNvPr id="18" name="Straight Connector 17"/>
+          <p:cNvCxnSpPr/>
+          <p:nvPr/>
+        </p:nvCxnSpPr>
+        <p:spPr>
+          <a:xfrm>
+            <a:off x="5223030" y="2133600"/>
+            <a:ext cx="0" cy="3966882"/>
+          </a:xfrm>
+          <a:prstGeom prst="line">
+            <a:avLst/>
+          </a:prstGeom>
+          <a:ln w="12700" cmpd="sng">
+            <a:solidFill>
+              <a:schemeClr val="bg2">
+                <a:lumMod val="40000"/>
+                <a:lumOff val="60000"/>
+                <a:alpha val="40000"/>
+              </a:schemeClr>
+            </a:solidFill>
+          </a:ln>
+        </p:spPr>
+        <p:style>
+          <a:lnRef idx="2">
+            <a:schemeClr val="accent1"/>
+          </a:lnRef>
+          <a:fillRef idx="0">
+            <a:schemeClr val="accent1"/>
+          </a:fillRef>
+          <a:effectRef idx="1">
+            <a:schemeClr val="accent1"/>
+          </a:effectRef>
+          <a:fontRef idx="minor">
+            <a:schemeClr val="tx1"/>
+          </a:fontRef>
+        </p:style>
+      </p:cxnSp>
+      <p:sp>
+        <p:nvSpPr>
+          <p:cNvPr id="7" name="Date Placeholder 3"/>
           <p:cNvSpPr>
             <a:spLocks noGrp="1"/>
           </p:cNvSpPr>
@@ -2389,7 +2663,7 @@
           <a:p>
             <a:fld id="{26330FAE-141A-4BFF-887C-E995FE81429D}" type="datetime1">
               <a:rPr lang="es-CO" smtClean="0"/>
-              <a:t>2/05/2019</a:t>
+              <a:t>7/06/2019</a:t>
             </a:fld>
             <a:endParaRPr lang="es-CO" dirty="0"/>
           </a:p>
@@ -2397,7 +2671,7 @@
       </p:sp>
       <p:sp>
         <p:nvSpPr>
-          <p:cNvPr id="4" name="Footer Placeholder 3"/>
+          <p:cNvPr id="4" name="Footer Placeholder 4"/>
           <p:cNvSpPr>
             <a:spLocks noGrp="1"/>
           </p:cNvSpPr>
@@ -2416,7 +2690,7 @@
       </p:sp>
       <p:sp>
         <p:nvSpPr>
-          <p:cNvPr id="5" name="Slide Number Placeholder 4"/>
+          <p:cNvPr id="6" name="Slide Number Placeholder 5"/>
           <p:cNvSpPr>
             <a:spLocks noGrp="1"/>
           </p:cNvSpPr>
@@ -2441,7 +2715,7 @@
     </p:spTree>
     <p:extLst>
       <p:ext uri="{BB962C8B-B14F-4D97-AF65-F5344CB8AC3E}">
-        <p14:creationId xmlns:p14="http://schemas.microsoft.com/office/powerpoint/2010/main" val="1563371495"/>
+        <p14:creationId xmlns:p14="http://schemas.microsoft.com/office/powerpoint/2010/main" val="3310078337"/>
       </p:ext>
     </p:extLst>
   </p:cSld>
@@ -2469,138 +2743,47 @@
           <a:chExt cx="0" cy="0"/>
         </a:xfrm>
       </p:grpSpPr>
-      <p:pic>
-        <p:nvPicPr>
-          <p:cNvPr id="6" name="Picture 5" descr="Slate-V2-SD-3colPhotoInset.png"/>
-          <p:cNvPicPr>
-            <a:picLocks noChangeAspect="1"/>
-          </p:cNvPicPr>
-          <p:nvPr/>
-        </p:nvPicPr>
-        <p:blipFill>
-          <a:blip r:embed="rId2">
-            <a:extLst>
-              <a:ext uri="{28A0092B-C50C-407E-A947-70E740481C1C}">
-                <a14:useLocalDpi xmlns:a14="http://schemas.microsoft.com/office/drawing/2010/main" val="0"/>
-              </a:ext>
-            </a:extLst>
-          </a:blip>
-          <a:stretch>
-            <a:fillRect/>
-          </a:stretch>
-        </p:blipFill>
+      <p:sp>
+        <p:nvSpPr>
+          <p:cNvPr id="2" name="Title 1"/>
+          <p:cNvSpPr>
+            <a:spLocks noGrp="1"/>
+          </p:cNvSpPr>
+          <p:nvPr>
+            <p:ph type="title"/>
+          </p:nvPr>
+        </p:nvSpPr>
+        <p:spPr/>
+        <p:txBody>
+          <a:bodyPr/>
+          <a:lstStyle>
+            <a:lvl1pPr>
+              <a:defRPr sz="4200"/>
+            </a:lvl1pPr>
+          </a:lstStyle>
+          <a:p>
+            <a:r>
+              <a:rPr lang="es-ES"/>
+              <a:t>Haga clic para modificar el estilo de título del patrón</a:t>
+            </a:r>
+            <a:endParaRPr lang="en-US" dirty="0"/>
+          </a:p>
+        </p:txBody>
+      </p:sp>
+      <p:sp>
+        <p:nvSpPr>
+          <p:cNvPr id="3" name="Text Placeholder 2"/>
+          <p:cNvSpPr>
+            <a:spLocks noGrp="1"/>
+          </p:cNvSpPr>
+          <p:nvPr>
+            <p:ph type="body" idx="1"/>
+          </p:nvPr>
+        </p:nvSpPr>
         <p:spPr>
           <a:xfrm>
-            <a:off x="659239" y="1826045"/>
-            <a:ext cx="2529046" cy="1833558"/>
-          </a:xfrm>
-          <a:prstGeom prst="rect">
-            <a:avLst/>
-          </a:prstGeom>
-        </p:spPr>
-      </p:pic>
-      <p:pic>
-        <p:nvPicPr>
-          <p:cNvPr id="28" name="Picture 27" descr="Slate-V2-SD-3colPhotoInset.png"/>
-          <p:cNvPicPr>
-            <a:picLocks noChangeAspect="1"/>
-          </p:cNvPicPr>
-          <p:nvPr/>
-        </p:nvPicPr>
-        <p:blipFill>
-          <a:blip r:embed="rId2">
-            <a:extLst>
-              <a:ext uri="{28A0092B-C50C-407E-A947-70E740481C1C}">
-                <a14:useLocalDpi xmlns:a14="http://schemas.microsoft.com/office/drawing/2010/main" val="0"/>
-              </a:ext>
-            </a:extLst>
-          </a:blip>
-          <a:stretch>
-            <a:fillRect/>
-          </a:stretch>
-        </p:blipFill>
-        <p:spPr>
-          <a:xfrm>
-            <a:off x="3293813" y="1826045"/>
-            <a:ext cx="2529046" cy="1833558"/>
-          </a:xfrm>
-          <a:prstGeom prst="rect">
-            <a:avLst/>
-          </a:prstGeom>
-        </p:spPr>
-      </p:pic>
-      <p:pic>
-        <p:nvPicPr>
-          <p:cNvPr id="29" name="Picture 28" descr="Slate-V2-SD-3colPhotoInset.png"/>
-          <p:cNvPicPr>
-            <a:picLocks noChangeAspect="1"/>
-          </p:cNvPicPr>
-          <p:nvPr/>
-        </p:nvPicPr>
-        <p:blipFill>
-          <a:blip r:embed="rId2">
-            <a:extLst>
-              <a:ext uri="{28A0092B-C50C-407E-A947-70E740481C1C}">
-                <a14:useLocalDpi xmlns:a14="http://schemas.microsoft.com/office/drawing/2010/main" val="0"/>
-              </a:ext>
-            </a:extLst>
-          </a:blip>
-          <a:stretch>
-            <a:fillRect/>
-          </a:stretch>
-        </p:blipFill>
-        <p:spPr>
-          <a:xfrm>
-            <a:off x="5921715" y="1826045"/>
-            <a:ext cx="2529046" cy="1833558"/>
-          </a:xfrm>
-          <a:prstGeom prst="rect">
-            <a:avLst/>
-          </a:prstGeom>
-        </p:spPr>
-      </p:pic>
-      <p:sp>
-        <p:nvSpPr>
-          <p:cNvPr id="30" name="Title 1"/>
-          <p:cNvSpPr>
-            <a:spLocks noGrp="1"/>
-          </p:cNvSpPr>
-          <p:nvPr>
-            <p:ph type="title"/>
-          </p:nvPr>
-        </p:nvSpPr>
-        <p:spPr>
-          <a:xfrm>
-            <a:off x="685346" y="609600"/>
-            <a:ext cx="7765322" cy="970450"/>
-          </a:xfrm>
-        </p:spPr>
-        <p:txBody>
-          <a:bodyPr/>
-          <a:lstStyle/>
-          <a:p>
-            <a:r>
-              <a:rPr lang="es-ES"/>
-              <a:t>Haga clic para modificar el estilo de título del patrón</a:t>
-            </a:r>
-            <a:endParaRPr lang="en-US" dirty="0"/>
-          </a:p>
-        </p:txBody>
-      </p:sp>
-      <p:sp>
-        <p:nvSpPr>
-          <p:cNvPr id="19" name="Text Placeholder 2"/>
-          <p:cNvSpPr>
-            <a:spLocks noGrp="1"/>
-          </p:cNvSpPr>
-          <p:nvPr>
-            <p:ph type="body" idx="1"/>
-          </p:nvPr>
-        </p:nvSpPr>
-        <p:spPr>
-          <a:xfrm>
-            <a:off x="685346" y="3904106"/>
-            <a:ext cx="2475738" cy="576262"/>
+            <a:off x="489475" y="4250949"/>
+            <a:ext cx="2205612" cy="576262"/>
           </a:xfrm>
         </p:spPr>
         <p:txBody>
@@ -2608,11 +2791,14 @@
             <a:noAutofit/>
           </a:bodyPr>
           <a:lstStyle>
-            <a:lvl1pPr marL="0" indent="0" algn="ctr">
-              <a:buNone/>
-              <a:defRPr sz="2000" b="0">
-                <a:solidFill>
-                  <a:schemeClr val="tx1"/>
+            <a:lvl1pPr marL="0" indent="0">
+              <a:buNone/>
+              <a:defRPr sz="2400" b="0">
+                <a:solidFill>
+                  <a:schemeClr val="bg2">
+                    <a:lumMod val="40000"/>
+                    <a:lumOff val="60000"/>
+                  </a:schemeClr>
                 </a:solidFill>
               </a:defRPr>
             </a:lvl1pPr>
@@ -2653,14 +2839,14 @@
             <a:pPr lvl="0"/>
             <a:r>
               <a:rPr lang="es-ES"/>
-              <a:t>Haga clic para modificar los estilos de texto del patrón</a:t>
-            </a:r>
-          </a:p>
-        </p:txBody>
-      </p:sp>
-      <p:sp>
-        <p:nvSpPr>
-          <p:cNvPr id="20" name="Picture Placeholder 2"/>
+              <a:t>Editar los estilos de texto del patrón</a:t>
+            </a:r>
+          </a:p>
+        </p:txBody>
+      </p:sp>
+      <p:sp>
+        <p:nvSpPr>
+          <p:cNvPr id="29" name="Picture Placeholder 2"/>
           <p:cNvSpPr>
             <a:spLocks noGrp="1" noChangeAspect="1"/>
           </p:cNvSpPr>
@@ -2670,8 +2856,8 @@
         </p:nvSpPr>
         <p:spPr>
           <a:xfrm>
-            <a:off x="763577" y="1938918"/>
-            <a:ext cx="2319276" cy="1602954"/>
+            <a:off x="489475" y="2209800"/>
+            <a:ext cx="2205612" cy="1524000"/>
           </a:xfrm>
           <a:prstGeom prst="roundRect">
             <a:avLst>
@@ -2679,9 +2865,9 @@
             </a:avLst>
           </a:prstGeom>
           <a:effectLst>
-            <a:outerShdw blurRad="38100" dist="25400" dir="4440000">
+            <a:outerShdw blurRad="50800" dist="50800" dir="5400000" algn="tl" rotWithShape="0">
               <a:srgbClr val="000000">
-                <a:alpha val="36000"/>
+                <a:alpha val="43000"/>
               </a:srgbClr>
             </a:outerShdw>
           </a:effectLst>
@@ -2739,7 +2925,7 @@
       </p:sp>
       <p:sp>
         <p:nvSpPr>
-          <p:cNvPr id="21" name="Text Placeholder 3"/>
+          <p:cNvPr id="22" name="Text Placeholder 3"/>
           <p:cNvSpPr>
             <a:spLocks noGrp="1"/>
           </p:cNvSpPr>
@@ -2749,8 +2935,8 @@
         </p:nvSpPr>
         <p:spPr>
           <a:xfrm>
-            <a:off x="685346" y="4480369"/>
-            <a:ext cx="2475738" cy="1310833"/>
+            <a:off x="489475" y="4827212"/>
+            <a:ext cx="2205612" cy="659189"/>
           </a:xfrm>
         </p:spPr>
         <p:txBody>
@@ -2758,7 +2944,7 @@
             <a:normAutofit/>
           </a:bodyPr>
           <a:lstStyle>
-            <a:lvl1pPr marL="0" indent="0" algn="ctr">
+            <a:lvl1pPr marL="0" indent="0">
               <a:buNone/>
               <a:defRPr sz="1400"/>
             </a:lvl1pPr>
@@ -2799,14 +2985,14 @@
             <a:pPr lvl="0"/>
             <a:r>
               <a:rPr lang="es-ES"/>
-              <a:t>Haga clic para modificar los estilos de texto del patrón</a:t>
-            </a:r>
-          </a:p>
-        </p:txBody>
-      </p:sp>
-      <p:sp>
-        <p:nvSpPr>
-          <p:cNvPr id="22" name="Text Placeholder 4"/>
+              <a:t>Editar los estilos de texto del patrón</a:t>
+            </a:r>
+          </a:p>
+        </p:txBody>
+      </p:sp>
+      <p:sp>
+        <p:nvSpPr>
+          <p:cNvPr id="5" name="Text Placeholder 4"/>
           <p:cNvSpPr>
             <a:spLocks noGrp="1"/>
           </p:cNvSpPr>
@@ -2816,8 +3002,8 @@
         </p:nvSpPr>
         <p:spPr>
           <a:xfrm>
-            <a:off x="3332091" y="3904106"/>
-            <a:ext cx="2475738" cy="576262"/>
+            <a:off x="2917792" y="4250949"/>
+            <a:ext cx="2198466" cy="576262"/>
           </a:xfrm>
         </p:spPr>
         <p:txBody>
@@ -2825,11 +3011,14 @@
             <a:noAutofit/>
           </a:bodyPr>
           <a:lstStyle>
-            <a:lvl1pPr marL="0" indent="0" algn="ctr">
-              <a:buNone/>
-              <a:defRPr sz="2000" b="0">
-                <a:solidFill>
-                  <a:schemeClr val="tx1"/>
+            <a:lvl1pPr marL="0" indent="0">
+              <a:buNone/>
+              <a:defRPr sz="2400" b="0">
+                <a:solidFill>
+                  <a:schemeClr val="bg2">
+                    <a:lumMod val="40000"/>
+                    <a:lumOff val="60000"/>
+                  </a:schemeClr>
                 </a:solidFill>
               </a:defRPr>
             </a:lvl1pPr>
@@ -2870,14 +3059,14 @@
             <a:pPr lvl="0"/>
             <a:r>
               <a:rPr lang="es-ES"/>
-              <a:t>Haga clic para modificar los estilos de texto del patrón</a:t>
-            </a:r>
-          </a:p>
-        </p:txBody>
-      </p:sp>
-      <p:sp>
-        <p:nvSpPr>
-          <p:cNvPr id="23" name="Picture Placeholder 2"/>
+              <a:t>Editar los estilos de texto del patrón</a:t>
+            </a:r>
+          </a:p>
+        </p:txBody>
+      </p:sp>
+      <p:sp>
+        <p:nvSpPr>
+          <p:cNvPr id="30" name="Picture Placeholder 2"/>
           <p:cNvSpPr>
             <a:spLocks noGrp="1" noChangeAspect="1"/>
           </p:cNvSpPr>
@@ -2887,8 +3076,8 @@
         </p:nvSpPr>
         <p:spPr>
           <a:xfrm>
-            <a:off x="3409307" y="1939094"/>
-            <a:ext cx="2319276" cy="1608164"/>
+            <a:off x="2917791" y="2209800"/>
+            <a:ext cx="2198466" cy="1524000"/>
           </a:xfrm>
           <a:prstGeom prst="roundRect">
             <a:avLst>
@@ -2896,9 +3085,9 @@
             </a:avLst>
           </a:prstGeom>
           <a:effectLst>
-            <a:outerShdw blurRad="38100" dist="25400" dir="4440000">
+            <a:outerShdw blurRad="50800" dist="50800" dir="5400000" algn="tl" rotWithShape="0">
               <a:srgbClr val="000000">
-                <a:alpha val="36000"/>
+                <a:alpha val="43000"/>
               </a:srgbClr>
             </a:outerShdw>
           </a:effectLst>
@@ -2956,7 +3145,7 @@
       </p:sp>
       <p:sp>
         <p:nvSpPr>
-          <p:cNvPr id="24" name="Text Placeholder 3"/>
+          <p:cNvPr id="23" name="Text Placeholder 3"/>
           <p:cNvSpPr>
             <a:spLocks noGrp="1"/>
           </p:cNvSpPr>
@@ -2966,8 +3155,8 @@
         </p:nvSpPr>
         <p:spPr>
           <a:xfrm>
-            <a:off x="3331075" y="4480368"/>
-            <a:ext cx="2476753" cy="1310833"/>
+            <a:off x="2916776" y="4827211"/>
+            <a:ext cx="2201378" cy="659189"/>
           </a:xfrm>
         </p:spPr>
         <p:txBody>
@@ -2975,7 +3164,7 @@
             <a:normAutofit/>
           </a:bodyPr>
           <a:lstStyle>
-            <a:lvl1pPr marL="0" indent="0" algn="ctr">
+            <a:lvl1pPr marL="0" indent="0">
               <a:buNone/>
               <a:defRPr sz="1400"/>
             </a:lvl1pPr>
@@ -3016,14 +3205,14 @@
             <a:pPr lvl="0"/>
             <a:r>
               <a:rPr lang="es-ES"/>
-              <a:t>Haga clic para modificar los estilos de texto del patrón</a:t>
-            </a:r>
-          </a:p>
-        </p:txBody>
-      </p:sp>
-      <p:sp>
-        <p:nvSpPr>
-          <p:cNvPr id="25" name="Text Placeholder 4"/>
+              <a:t>Editar los estilos de texto del patrón</a:t>
+            </a:r>
+          </a:p>
+        </p:txBody>
+      </p:sp>
+      <p:sp>
+        <p:nvSpPr>
+          <p:cNvPr id="14" name="Text Placeholder 4"/>
           <p:cNvSpPr>
             <a:spLocks noGrp="1"/>
           </p:cNvSpPr>
@@ -3033,8 +3222,8 @@
         </p:nvSpPr>
         <p:spPr>
           <a:xfrm>
-            <a:off x="5975023" y="3904106"/>
-            <a:ext cx="2475738" cy="576262"/>
+            <a:off x="5344917" y="4250949"/>
+            <a:ext cx="2199658" cy="576262"/>
           </a:xfrm>
         </p:spPr>
         <p:txBody>
@@ -3042,11 +3231,14 @@
             <a:noAutofit/>
           </a:bodyPr>
           <a:lstStyle>
-            <a:lvl1pPr marL="0" indent="0" algn="ctr">
-              <a:buNone/>
-              <a:defRPr sz="2000" b="0">
-                <a:solidFill>
-                  <a:schemeClr val="tx1"/>
+            <a:lvl1pPr marL="0" indent="0">
+              <a:buNone/>
+              <a:defRPr sz="2400" b="0">
+                <a:solidFill>
+                  <a:schemeClr val="bg2">
+                    <a:lumMod val="40000"/>
+                    <a:lumOff val="60000"/>
+                  </a:schemeClr>
                 </a:solidFill>
               </a:defRPr>
             </a:lvl1pPr>
@@ -3087,14 +3279,14 @@
             <a:pPr lvl="0"/>
             <a:r>
               <a:rPr lang="es-ES"/>
-              <a:t>Haga clic para modificar los estilos de texto del patrón</a:t>
-            </a:r>
-          </a:p>
-        </p:txBody>
-      </p:sp>
-      <p:sp>
-        <p:nvSpPr>
-          <p:cNvPr id="26" name="Picture Placeholder 2"/>
+              <a:t>Editar los estilos de texto del patrón</a:t>
+            </a:r>
+          </a:p>
+        </p:txBody>
+      </p:sp>
+      <p:sp>
+        <p:nvSpPr>
+          <p:cNvPr id="31" name="Picture Placeholder 2"/>
           <p:cNvSpPr>
             <a:spLocks noGrp="1" noChangeAspect="1"/>
           </p:cNvSpPr>
@@ -3104,8 +3296,8 @@
         </p:nvSpPr>
         <p:spPr>
           <a:xfrm>
-            <a:off x="6056774" y="1934432"/>
-            <a:ext cx="2319276" cy="1607294"/>
+            <a:off x="5344916" y="2209800"/>
+            <a:ext cx="2199658" cy="1524000"/>
           </a:xfrm>
           <a:prstGeom prst="roundRect">
             <a:avLst>
@@ -3113,9 +3305,9 @@
             </a:avLst>
           </a:prstGeom>
           <a:effectLst>
-            <a:outerShdw blurRad="38100" dist="25400" dir="4440000">
+            <a:outerShdw blurRad="50800" dist="50800" dir="5400000" algn="tl" rotWithShape="0">
               <a:srgbClr val="000000">
-                <a:alpha val="36000"/>
+                <a:alpha val="43000"/>
               </a:srgbClr>
             </a:outerShdw>
           </a:effectLst>
@@ -3173,7 +3365,7 @@
       </p:sp>
       <p:sp>
         <p:nvSpPr>
-          <p:cNvPr id="27" name="Text Placeholder 3"/>
+          <p:cNvPr id="24" name="Text Placeholder 3"/>
           <p:cNvSpPr>
             <a:spLocks noGrp="1"/>
           </p:cNvSpPr>
@@ -3183,8 +3375,8 @@
         </p:nvSpPr>
         <p:spPr>
           <a:xfrm>
-            <a:off x="5974929" y="4480366"/>
-            <a:ext cx="2475738" cy="1310835"/>
+            <a:off x="5344824" y="4827209"/>
+            <a:ext cx="2202571" cy="659189"/>
           </a:xfrm>
         </p:spPr>
         <p:txBody>
@@ -3192,7 +3384,7 @@
             <a:normAutofit/>
           </a:bodyPr>
           <a:lstStyle>
-            <a:lvl1pPr marL="0" indent="0" algn="ctr">
+            <a:lvl1pPr marL="0" indent="0">
               <a:buNone/>
               <a:defRPr sz="1400"/>
             </a:lvl1pPr>
@@ -3233,14 +3425,92 @@
             <a:pPr lvl="0"/>
             <a:r>
               <a:rPr lang="es-ES"/>
-              <a:t>Haga clic para modificar los estilos de texto del patrón</a:t>
-            </a:r>
-          </a:p>
-        </p:txBody>
-      </p:sp>
-      <p:sp>
-        <p:nvSpPr>
-          <p:cNvPr id="3" name="Date Placeholder 2"/>
+              <a:t>Editar los estilos de texto del patrón</a:t>
+            </a:r>
+          </a:p>
+        </p:txBody>
+      </p:sp>
+      <p:cxnSp>
+        <p:nvCxnSpPr>
+          <p:cNvPr id="19" name="Straight Connector 18"/>
+          <p:cNvCxnSpPr/>
+          <p:nvPr/>
+        </p:nvCxnSpPr>
+        <p:spPr>
+          <a:xfrm>
+            <a:off x="2795334" y="2133600"/>
+            <a:ext cx="0" cy="3962400"/>
+          </a:xfrm>
+          <a:prstGeom prst="line">
+            <a:avLst/>
+          </a:prstGeom>
+          <a:ln w="12700" cmpd="sng">
+            <a:solidFill>
+              <a:schemeClr val="bg2">
+                <a:lumMod val="40000"/>
+                <a:lumOff val="60000"/>
+                <a:alpha val="40000"/>
+              </a:schemeClr>
+            </a:solidFill>
+          </a:ln>
+        </p:spPr>
+        <p:style>
+          <a:lnRef idx="2">
+            <a:schemeClr val="accent1"/>
+          </a:lnRef>
+          <a:fillRef idx="0">
+            <a:schemeClr val="accent1"/>
+          </a:fillRef>
+          <a:effectRef idx="1">
+            <a:schemeClr val="accent1"/>
+          </a:effectRef>
+          <a:fontRef idx="minor">
+            <a:schemeClr val="tx1"/>
+          </a:fontRef>
+        </p:style>
+      </p:cxnSp>
+      <p:cxnSp>
+        <p:nvCxnSpPr>
+          <p:cNvPr id="20" name="Straight Connector 19"/>
+          <p:cNvCxnSpPr/>
+          <p:nvPr/>
+        </p:nvCxnSpPr>
+        <p:spPr>
+          <a:xfrm>
+            <a:off x="5223030" y="2133600"/>
+            <a:ext cx="0" cy="3966882"/>
+          </a:xfrm>
+          <a:prstGeom prst="line">
+            <a:avLst/>
+          </a:prstGeom>
+          <a:ln w="12700" cmpd="sng">
+            <a:solidFill>
+              <a:schemeClr val="bg2">
+                <a:lumMod val="40000"/>
+                <a:lumOff val="60000"/>
+                <a:alpha val="40000"/>
+              </a:schemeClr>
+            </a:solidFill>
+          </a:ln>
+        </p:spPr>
+        <p:style>
+          <a:lnRef idx="2">
+            <a:schemeClr val="accent1"/>
+          </a:lnRef>
+          <a:fillRef idx="0">
+            <a:schemeClr val="accent1"/>
+          </a:fillRef>
+          <a:effectRef idx="1">
+            <a:schemeClr val="accent1"/>
+          </a:effectRef>
+          <a:fontRef idx="minor">
+            <a:schemeClr val="tx1"/>
+          </a:fontRef>
+        </p:style>
+      </p:cxnSp>
+      <p:sp>
+        <p:nvSpPr>
+          <p:cNvPr id="7" name="Date Placeholder 3"/>
           <p:cNvSpPr>
             <a:spLocks noGrp="1"/>
           </p:cNvSpPr>
@@ -3255,7 +3525,7 @@
           <a:p>
             <a:fld id="{26330FAE-141A-4BFF-887C-E995FE81429D}" type="datetime1">
               <a:rPr lang="es-CO" smtClean="0"/>
-              <a:t>2/05/2019</a:t>
+              <a:t>7/06/2019</a:t>
             </a:fld>
             <a:endParaRPr lang="es-CO" dirty="0"/>
           </a:p>
@@ -3263,7 +3533,7 @@
       </p:sp>
       <p:sp>
         <p:nvSpPr>
-          <p:cNvPr id="4" name="Footer Placeholder 3"/>
+          <p:cNvPr id="4" name="Footer Placeholder 4"/>
           <p:cNvSpPr>
             <a:spLocks noGrp="1"/>
           </p:cNvSpPr>
@@ -3282,7 +3552,7 @@
       </p:sp>
       <p:sp>
         <p:nvSpPr>
-          <p:cNvPr id="5" name="Slide Number Placeholder 4"/>
+          <p:cNvPr id="6" name="Slide Number Placeholder 5"/>
           <p:cNvSpPr>
             <a:spLocks noGrp="1"/>
           </p:cNvSpPr>
@@ -3307,7 +3577,7 @@
     </p:spTree>
     <p:extLst>
       <p:ext uri="{BB962C8B-B14F-4D97-AF65-F5344CB8AC3E}">
-        <p14:creationId xmlns:p14="http://schemas.microsoft.com/office/powerpoint/2010/main" val="3497670376"/>
+        <p14:creationId xmlns:p14="http://schemas.microsoft.com/office/powerpoint/2010/main" val="3125494243"/>
       </p:ext>
     </p:extLst>
   </p:cSld>
@@ -3370,13 +3640,13 @@
         </p:nvSpPr>
         <p:spPr/>
         <p:txBody>
-          <a:bodyPr vert="eaVert" anchor="t"/>
+          <a:bodyPr vert="eaVert" anchor="t" anchorCtr="0"/>
           <a:lstStyle/>
           <a:p>
             <a:pPr lvl="0"/>
             <a:r>
               <a:rPr lang="es-ES"/>
-              <a:t>Haga clic para modificar los estilos de texto del patrón</a:t>
+              <a:t>Editar los estilos de texto del patrón</a:t>
             </a:r>
           </a:p>
           <a:p>
@@ -3427,7 +3697,7 @@
           <a:p>
             <a:fld id="{B71667AA-A0F9-4CEA-9C89-7CC4B96EFBBB}" type="datetime1">
               <a:rPr lang="es-CO" smtClean="0"/>
-              <a:t>2/05/2019</a:t>
+              <a:t>7/06/2019</a:t>
             </a:fld>
             <a:endParaRPr lang="es-CO" dirty="0"/>
           </a:p>
@@ -3479,7 +3749,7 @@
     </p:spTree>
     <p:extLst>
       <p:ext uri="{BB962C8B-B14F-4D97-AF65-F5344CB8AC3E}">
-        <p14:creationId xmlns:p14="http://schemas.microsoft.com/office/powerpoint/2010/main" val="4158877497"/>
+        <p14:creationId xmlns:p14="http://schemas.microsoft.com/office/powerpoint/2010/main" val="3746096317"/>
       </p:ext>
     </p:extLst>
   </p:cSld>
@@ -3518,17 +3788,13 @@
         </p:nvSpPr>
         <p:spPr>
           <a:xfrm>
-            <a:off x="6737302" y="609600"/>
-            <a:ext cx="1713365" cy="5181601"/>
+            <a:off x="6229782" y="430214"/>
+            <a:ext cx="1314793" cy="5826125"/>
           </a:xfrm>
         </p:spPr>
         <p:txBody>
-          <a:bodyPr vert="eaVert"/>
-          <a:lstStyle>
-            <a:lvl1pPr algn="l">
-              <a:defRPr/>
-            </a:lvl1pPr>
-          </a:lstStyle>
+          <a:bodyPr vert="eaVert" anchor="b" anchorCtr="0"/>
+          <a:lstStyle/>
           <a:p>
             <a:r>
               <a:rPr lang="es-ES"/>
@@ -3550,18 +3816,18 @@
         </p:nvSpPr>
         <p:spPr>
           <a:xfrm>
-            <a:off x="685347" y="609600"/>
-            <a:ext cx="5937654" cy="5181601"/>
+            <a:off x="489475" y="773205"/>
+            <a:ext cx="5568812" cy="5483134"/>
           </a:xfrm>
         </p:spPr>
         <p:txBody>
-          <a:bodyPr vert="eaVert" anchor="t"/>
+          <a:bodyPr vert="eaVert"/>
           <a:lstStyle/>
           <a:p>
             <a:pPr lvl="0"/>
             <a:r>
               <a:rPr lang="es-ES"/>
-              <a:t>Haga clic para modificar los estilos de texto del patrón</a:t>
+              <a:t>Editar los estilos de texto del patrón</a:t>
             </a:r>
           </a:p>
           <a:p>
@@ -3612,7 +3878,7 @@
           <a:p>
             <a:fld id="{74C80D9D-8886-438C-B3AC-C0C6499B7D8C}" type="datetime1">
               <a:rPr lang="es-CO" smtClean="0"/>
-              <a:t>2/05/2019</a:t>
+              <a:t>7/06/2019</a:t>
             </a:fld>
             <a:endParaRPr lang="es-CO" dirty="0"/>
           </a:p>
@@ -3664,7 +3930,7 @@
     </p:spTree>
     <p:extLst>
       <p:ext uri="{BB962C8B-B14F-4D97-AF65-F5344CB8AC3E}">
-        <p14:creationId xmlns:p14="http://schemas.microsoft.com/office/powerpoint/2010/main" val="3358930915"/>
+        <p14:creationId xmlns:p14="http://schemas.microsoft.com/office/powerpoint/2010/main" val="3867651039"/>
       </p:ext>
     </p:extLst>
   </p:cSld>
@@ -3732,7 +3998,7 @@
             <a:pPr lvl="0"/>
             <a:r>
               <a:rPr lang="es-ES"/>
-              <a:t>Haga clic para modificar los estilos de texto del patrón</a:t>
+              <a:t>Editar los estilos de texto del patrón</a:t>
             </a:r>
           </a:p>
           <a:p>
@@ -3768,7 +4034,7 @@
       </p:sp>
       <p:sp>
         <p:nvSpPr>
-          <p:cNvPr id="4" name="Date Placeholder 3"/>
+          <p:cNvPr id="7" name="Date Placeholder 3"/>
           <p:cNvSpPr>
             <a:spLocks noGrp="1"/>
           </p:cNvSpPr>
@@ -3783,7 +4049,7 @@
           <a:p>
             <a:fld id="{583CF400-3EDD-4B93-B1D4-3B4E907EC021}" type="datetime1">
               <a:rPr lang="es-CO" smtClean="0"/>
-              <a:t>2/05/2019</a:t>
+              <a:t>7/06/2019</a:t>
             </a:fld>
             <a:endParaRPr lang="es-CO" dirty="0"/>
           </a:p>
@@ -3835,7 +4101,7 @@
     </p:spTree>
     <p:extLst>
       <p:ext uri="{BB962C8B-B14F-4D97-AF65-F5344CB8AC3E}">
-        <p14:creationId xmlns:p14="http://schemas.microsoft.com/office/powerpoint/2010/main" val="2039820452"/>
+        <p14:creationId xmlns:p14="http://schemas.microsoft.com/office/powerpoint/2010/main" val="1313649586"/>
       </p:ext>
     </p:extLst>
   </p:cSld>
@@ -3874,14 +4140,14 @@
         </p:nvSpPr>
         <p:spPr>
           <a:xfrm>
-            <a:off x="971551" y="1761068"/>
-            <a:ext cx="7192913" cy="1828813"/>
+            <a:off x="866443" y="2861734"/>
+            <a:ext cx="6620967" cy="1915647"/>
           </a:xfrm>
         </p:spPr>
         <p:txBody>
           <a:bodyPr anchor="b"/>
           <a:lstStyle>
-            <a:lvl1pPr algn="ctr">
+            <a:lvl1pPr algn="l">
               <a:defRPr sz="4000" b="0" cap="none"/>
             </a:lvl1pPr>
           </a:lstStyle>
@@ -3906,18 +4172,21 @@
         </p:nvSpPr>
         <p:spPr>
           <a:xfrm>
-            <a:off x="971551" y="3589879"/>
-            <a:ext cx="7192913" cy="1507054"/>
+            <a:off x="866442" y="4777381"/>
+            <a:ext cx="6620968" cy="860400"/>
           </a:xfrm>
         </p:spPr>
         <p:txBody>
           <a:bodyPr anchor="t"/>
           <a:lstStyle>
-            <a:lvl1pPr marL="0" indent="0" algn="ctr">
-              <a:buNone/>
-              <a:defRPr sz="2000">
-                <a:solidFill>
-                  <a:schemeClr val="tx1"/>
+            <a:lvl1pPr marL="0" indent="0" algn="l">
+              <a:buNone/>
+              <a:defRPr sz="2000" cap="all">
+                <a:solidFill>
+                  <a:schemeClr val="bg2">
+                    <a:lumMod val="40000"/>
+                    <a:lumOff val="60000"/>
+                  </a:schemeClr>
                 </a:solidFill>
               </a:defRPr>
             </a:lvl1pPr>
@@ -4006,7 +4275,7 @@
             <a:pPr lvl="0"/>
             <a:r>
               <a:rPr lang="es-ES"/>
-              <a:t>Haga clic para modificar los estilos de texto del patrón</a:t>
+              <a:t>Editar los estilos de texto del patrón</a:t>
             </a:r>
           </a:p>
         </p:txBody>
@@ -4028,7 +4297,7 @@
           <a:p>
             <a:fld id="{034E3B09-D336-4CF7-91D4-B6E9115CB8A4}" type="datetime1">
               <a:rPr lang="es-CO" smtClean="0"/>
-              <a:t>2/05/2019</a:t>
+              <a:t>7/06/2019</a:t>
             </a:fld>
             <a:endParaRPr lang="es-CO" dirty="0"/>
           </a:p>
@@ -4080,7 +4349,7 @@
     </p:spTree>
     <p:extLst>
       <p:ext uri="{BB962C8B-B14F-4D97-AF65-F5344CB8AC3E}">
-        <p14:creationId xmlns:p14="http://schemas.microsoft.com/office/powerpoint/2010/main" val="3710837075"/>
+        <p14:creationId xmlns:p14="http://schemas.microsoft.com/office/powerpoint/2010/main" val="667674106"/>
       </p:ext>
     </p:extLst>
   </p:cSld>
@@ -4142,20 +4411,48 @@
         </p:nvSpPr>
         <p:spPr>
           <a:xfrm>
-            <a:off x="685347" y="1732449"/>
-            <a:ext cx="3795373" cy="4058750"/>
+            <a:off x="827700" y="2060576"/>
+            <a:ext cx="3298113" cy="4195763"/>
           </a:xfrm>
         </p:spPr>
         <p:txBody>
-          <a:bodyPr anchor="t">
+          <a:bodyPr>
             <a:normAutofit/>
           </a:bodyPr>
-          <a:lstStyle/>
+          <a:lstStyle>
+            <a:lvl1pPr>
+              <a:defRPr sz="1800"/>
+            </a:lvl1pPr>
+            <a:lvl2pPr>
+              <a:defRPr sz="1600"/>
+            </a:lvl2pPr>
+            <a:lvl3pPr>
+              <a:defRPr sz="1400"/>
+            </a:lvl3pPr>
+            <a:lvl4pPr>
+              <a:defRPr sz="1200"/>
+            </a:lvl4pPr>
+            <a:lvl5pPr>
+              <a:defRPr sz="1200"/>
+            </a:lvl5pPr>
+            <a:lvl6pPr>
+              <a:defRPr sz="1200"/>
+            </a:lvl6pPr>
+            <a:lvl7pPr>
+              <a:defRPr sz="1200"/>
+            </a:lvl7pPr>
+            <a:lvl8pPr>
+              <a:defRPr sz="1200"/>
+            </a:lvl8pPr>
+            <a:lvl9pPr>
+              <a:defRPr sz="1200"/>
+            </a:lvl9pPr>
+          </a:lstStyle>
           <a:p>
             <a:pPr lvl="0"/>
             <a:r>
               <a:rPr lang="es-ES"/>
-              <a:t>Haga clic para modificar los estilos de texto del patrón</a:t>
+              <a:t>Editar los estilos de texto del patrón</a:t>
             </a:r>
           </a:p>
           <a:p>
@@ -4201,20 +4498,48 @@
         </p:nvSpPr>
         <p:spPr>
           <a:xfrm>
-            <a:off x="4652169" y="1732450"/>
-            <a:ext cx="3798499" cy="4058751"/>
+            <a:off x="4241975" y="2056093"/>
+            <a:ext cx="3298115" cy="4200245"/>
           </a:xfrm>
         </p:spPr>
         <p:txBody>
-          <a:bodyPr anchor="t">
+          <a:bodyPr>
             <a:normAutofit/>
           </a:bodyPr>
-          <a:lstStyle/>
+          <a:lstStyle>
+            <a:lvl1pPr>
+              <a:defRPr sz="1800"/>
+            </a:lvl1pPr>
+            <a:lvl2pPr>
+              <a:defRPr sz="1600"/>
+            </a:lvl2pPr>
+            <a:lvl3pPr>
+              <a:defRPr sz="1400"/>
+            </a:lvl3pPr>
+            <a:lvl4pPr>
+              <a:defRPr sz="1200"/>
+            </a:lvl4pPr>
+            <a:lvl5pPr>
+              <a:defRPr sz="1200"/>
+            </a:lvl5pPr>
+            <a:lvl6pPr>
+              <a:defRPr sz="1200"/>
+            </a:lvl6pPr>
+            <a:lvl7pPr>
+              <a:defRPr sz="1200"/>
+            </a:lvl7pPr>
+            <a:lvl8pPr>
+              <a:defRPr sz="1200"/>
+            </a:lvl8pPr>
+            <a:lvl9pPr>
+              <a:defRPr sz="1200"/>
+            </a:lvl9pPr>
+          </a:lstStyle>
           <a:p>
             <a:pPr lvl="0"/>
             <a:r>
               <a:rPr lang="es-ES"/>
-              <a:t>Haga clic para modificar los estilos de texto del patrón</a:t>
+              <a:t>Editar los estilos de texto del patrón</a:t>
             </a:r>
           </a:p>
           <a:p>
@@ -4265,7 +4590,7 @@
           <a:p>
             <a:fld id="{9D65138E-880C-4059-8E27-FF876D100CAF}" type="datetime1">
               <a:rPr lang="es-CO" smtClean="0"/>
-              <a:t>2/05/2019</a:t>
+              <a:t>7/06/2019</a:t>
             </a:fld>
             <a:endParaRPr lang="es-CO" dirty="0"/>
           </a:p>
@@ -4317,7 +4642,7 @@
     </p:spTree>
     <p:extLst>
       <p:ext uri="{BB962C8B-B14F-4D97-AF65-F5344CB8AC3E}">
-        <p14:creationId xmlns:p14="http://schemas.microsoft.com/office/powerpoint/2010/main" val="3610570813"/>
+        <p14:creationId xmlns:p14="http://schemas.microsoft.com/office/powerpoint/2010/main" val="838548446"/>
       </p:ext>
     </p:extLst>
   </p:cSld>
@@ -4344,66 +4669,6 @@
           <a:chExt cx="0" cy="0"/>
         </a:xfrm>
       </p:grpSpPr>
-      <p:pic>
-        <p:nvPicPr>
-          <p:cNvPr id="10" name="Picture 9" descr="Slate-V2-SD-compPhotoInset.png"/>
-          <p:cNvPicPr>
-            <a:picLocks noChangeAspect="1"/>
-          </p:cNvPicPr>
-          <p:nvPr/>
-        </p:nvPicPr>
-        <p:blipFill>
-          <a:blip r:embed="rId2">
-            <a:extLst>
-              <a:ext uri="{28A0092B-C50C-407E-A947-70E740481C1C}">
-                <a14:useLocalDpi xmlns:a14="http://schemas.microsoft.com/office/drawing/2010/main" val="0"/>
-              </a:ext>
-            </a:extLst>
-          </a:blip>
-          <a:stretch>
-            <a:fillRect/>
-          </a:stretch>
-        </p:blipFill>
-        <p:spPr>
-          <a:xfrm>
-            <a:off x="685345" y="1770323"/>
-            <a:ext cx="3787423" cy="4112953"/>
-          </a:xfrm>
-          <a:prstGeom prst="rect">
-            <a:avLst/>
-          </a:prstGeom>
-        </p:spPr>
-      </p:pic>
-      <p:pic>
-        <p:nvPicPr>
-          <p:cNvPr id="14" name="Picture 13" descr="Slate-V2-SD-compPhotoInset.png"/>
-          <p:cNvPicPr>
-            <a:picLocks noChangeAspect="1"/>
-          </p:cNvPicPr>
-          <p:nvPr/>
-        </p:nvPicPr>
-        <p:blipFill>
-          <a:blip r:embed="rId2">
-            <a:extLst>
-              <a:ext uri="{28A0092B-C50C-407E-A947-70E740481C1C}">
-                <a14:useLocalDpi xmlns:a14="http://schemas.microsoft.com/office/drawing/2010/main" val="0"/>
-              </a:ext>
-            </a:extLst>
-          </a:blip>
-          <a:stretch>
-            <a:fillRect/>
-          </a:stretch>
-        </p:blipFill>
-        <p:spPr>
-          <a:xfrm>
-            <a:off x="4663245" y="1770323"/>
-            <a:ext cx="3787423" cy="4112953"/>
-          </a:xfrm>
-          <a:prstGeom prst="rect">
-            <a:avLst/>
-          </a:prstGeom>
-        </p:spPr>
-      </p:pic>
       <p:sp>
         <p:nvSpPr>
           <p:cNvPr id="2" name="Title 1"/>
@@ -4443,8 +4708,8 @@
         </p:nvSpPr>
         <p:spPr>
           <a:xfrm>
-            <a:off x="754404" y="1835254"/>
-            <a:ext cx="3657258" cy="544884"/>
+            <a:off x="827700" y="1905000"/>
+            <a:ext cx="3298112" cy="576262"/>
           </a:xfrm>
         </p:spPr>
         <p:txBody>
@@ -4452,9 +4717,16 @@
             <a:noAutofit/>
           </a:bodyPr>
           <a:lstStyle>
-            <a:lvl1pPr marL="0" indent="0" algn="ctr">
-              <a:buNone/>
-              <a:defRPr sz="2400" b="0"/>
+            <a:lvl1pPr marL="0" indent="0">
+              <a:buNone/>
+              <a:defRPr sz="2400" b="0">
+                <a:solidFill>
+                  <a:schemeClr val="bg2">
+                    <a:lumMod val="40000"/>
+                    <a:lumOff val="60000"/>
+                  </a:schemeClr>
+                </a:solidFill>
+              </a:defRPr>
             </a:lvl1pPr>
             <a:lvl2pPr marL="457200" indent="0">
               <a:buNone/>
@@ -4493,7 +4765,7 @@
             <a:pPr lvl="0"/>
             <a:r>
               <a:rPr lang="es-ES"/>
-              <a:t>Haga clic para modificar los estilos de texto del patrón</a:t>
+              <a:t>Editar los estilos de texto del patrón</a:t>
             </a:r>
           </a:p>
         </p:txBody>
@@ -4510,12 +4782,12 @@
         </p:nvSpPr>
         <p:spPr>
           <a:xfrm>
-            <a:off x="754404" y="2380138"/>
-            <a:ext cx="3657258" cy="3411063"/>
+            <a:off x="827700" y="2514600"/>
+            <a:ext cx="3298113" cy="3741738"/>
           </a:xfrm>
         </p:spPr>
         <p:txBody>
-          <a:bodyPr anchor="t">
+          <a:bodyPr>
             <a:normAutofit/>
           </a:bodyPr>
           <a:lstStyle>
@@ -4534,12 +4806,24 @@
             <a:lvl5pPr>
               <a:defRPr sz="1200"/>
             </a:lvl5pPr>
+            <a:lvl6pPr>
+              <a:defRPr sz="1200"/>
+            </a:lvl6pPr>
+            <a:lvl7pPr>
+              <a:defRPr sz="1200"/>
+            </a:lvl7pPr>
+            <a:lvl8pPr>
+              <a:defRPr sz="1200"/>
+            </a:lvl8pPr>
+            <a:lvl9pPr>
+              <a:defRPr sz="1200"/>
+            </a:lvl9pPr>
           </a:lstStyle>
           <a:p>
             <a:pPr lvl="0"/>
             <a:r>
               <a:rPr lang="es-ES"/>
-              <a:t>Haga clic para modificar los estilos de texto del patrón</a:t>
+              <a:t>Editar los estilos de texto del patrón</a:t>
             </a:r>
           </a:p>
           <a:p>
@@ -4585,8 +4869,8 @@
         </p:nvSpPr>
         <p:spPr>
           <a:xfrm>
-            <a:off x="4721225" y="1835255"/>
-            <a:ext cx="3671498" cy="544883"/>
+            <a:off x="4241976" y="1905000"/>
+            <a:ext cx="3298113" cy="576262"/>
           </a:xfrm>
         </p:spPr>
         <p:txBody>
@@ -4594,9 +4878,16 @@
             <a:noAutofit/>
           </a:bodyPr>
           <a:lstStyle>
-            <a:lvl1pPr marL="0" indent="0" algn="ctr">
-              <a:buNone/>
-              <a:defRPr sz="2400" b="0"/>
+            <a:lvl1pPr marL="0" indent="0">
+              <a:buNone/>
+              <a:defRPr sz="2400" b="0">
+                <a:solidFill>
+                  <a:schemeClr val="bg2">
+                    <a:lumMod val="40000"/>
+                    <a:lumOff val="60000"/>
+                  </a:schemeClr>
+                </a:solidFill>
+              </a:defRPr>
             </a:lvl1pPr>
             <a:lvl2pPr marL="457200" indent="0">
               <a:buNone/>
@@ -4635,7 +4926,7 @@
             <a:pPr lvl="0"/>
             <a:r>
               <a:rPr lang="es-ES"/>
-              <a:t>Haga clic para modificar los estilos de texto del patrón</a:t>
+              <a:t>Editar los estilos de texto del patrón</a:t>
             </a:r>
           </a:p>
         </p:txBody>
@@ -4652,12 +4943,12 @@
         </p:nvSpPr>
         <p:spPr>
           <a:xfrm>
-            <a:off x="4721225" y="2380138"/>
-            <a:ext cx="3671498" cy="3411063"/>
+            <a:off x="4241976" y="2514600"/>
+            <a:ext cx="3298113" cy="3741738"/>
           </a:xfrm>
         </p:spPr>
         <p:txBody>
-          <a:bodyPr anchor="t">
+          <a:bodyPr>
             <a:normAutofit/>
           </a:bodyPr>
           <a:lstStyle>
@@ -4676,12 +4967,24 @@
             <a:lvl5pPr>
               <a:defRPr sz="1200"/>
             </a:lvl5pPr>
+            <a:lvl6pPr>
+              <a:defRPr sz="1200"/>
+            </a:lvl6pPr>
+            <a:lvl7pPr>
+              <a:defRPr sz="1200"/>
+            </a:lvl7pPr>
+            <a:lvl8pPr>
+              <a:defRPr sz="1200"/>
+            </a:lvl8pPr>
+            <a:lvl9pPr>
+              <a:defRPr sz="1200"/>
+            </a:lvl9pPr>
           </a:lstStyle>
           <a:p>
             <a:pPr lvl="0"/>
             <a:r>
               <a:rPr lang="es-ES"/>
-              <a:t>Haga clic para modificar los estilos de texto del patrón</a:t>
+              <a:t>Editar los estilos de texto del patrón</a:t>
             </a:r>
           </a:p>
           <a:p>
@@ -4732,7 +5035,7 @@
           <a:p>
             <a:fld id="{DC6E6577-1C7A-4DFE-9700-2D8DFB3472D1}" type="datetime1">
               <a:rPr lang="es-CO" smtClean="0"/>
-              <a:t>2/05/2019</a:t>
+              <a:t>7/06/2019</a:t>
             </a:fld>
             <a:endParaRPr lang="es-CO" dirty="0"/>
           </a:p>
@@ -4784,7 +5087,7 @@
     </p:spTree>
     <p:extLst>
       <p:ext uri="{BB962C8B-B14F-4D97-AF65-F5344CB8AC3E}">
-        <p14:creationId xmlns:p14="http://schemas.microsoft.com/office/powerpoint/2010/main" val="1594805471"/>
+        <p14:creationId xmlns:p14="http://schemas.microsoft.com/office/powerpoint/2010/main" val="2288361915"/>
       </p:ext>
     </p:extLst>
   </p:cSld>
@@ -4836,7 +5139,7 @@
       </p:sp>
       <p:sp>
         <p:nvSpPr>
-          <p:cNvPr id="3" name="Date Placeholder 2"/>
+          <p:cNvPr id="7" name="Date Placeholder 2"/>
           <p:cNvSpPr>
             <a:spLocks noGrp="1"/>
           </p:cNvSpPr>
@@ -4851,7 +5154,7 @@
           <a:p>
             <a:fld id="{26330FAE-141A-4BFF-887C-E995FE81429D}" type="datetime1">
               <a:rPr lang="es-CO" smtClean="0"/>
-              <a:t>2/05/2019</a:t>
+              <a:t>7/06/2019</a:t>
             </a:fld>
             <a:endParaRPr lang="es-CO" dirty="0"/>
           </a:p>
@@ -4859,7 +5162,7 @@
       </p:sp>
       <p:sp>
         <p:nvSpPr>
-          <p:cNvPr id="4" name="Footer Placeholder 3"/>
+          <p:cNvPr id="5" name="Footer Placeholder 3"/>
           <p:cNvSpPr>
             <a:spLocks noGrp="1"/>
           </p:cNvSpPr>
@@ -4878,7 +5181,7 @@
       </p:sp>
       <p:sp>
         <p:nvSpPr>
-          <p:cNvPr id="5" name="Slide Number Placeholder 4"/>
+          <p:cNvPr id="6" name="Slide Number Placeholder 4"/>
           <p:cNvSpPr>
             <a:spLocks noGrp="1"/>
           </p:cNvSpPr>
@@ -4903,7 +5206,7 @@
     </p:spTree>
     <p:extLst>
       <p:ext uri="{BB962C8B-B14F-4D97-AF65-F5344CB8AC3E}">
-        <p14:creationId xmlns:p14="http://schemas.microsoft.com/office/powerpoint/2010/main" val="3162483522"/>
+        <p14:creationId xmlns:p14="http://schemas.microsoft.com/office/powerpoint/2010/main" val="3498698988"/>
       </p:ext>
     </p:extLst>
   </p:cSld>
@@ -4933,7 +5236,7 @@
       </p:grpSpPr>
       <p:sp>
         <p:nvSpPr>
-          <p:cNvPr id="2" name="Date Placeholder 1"/>
+          <p:cNvPr id="7" name="Date Placeholder 1"/>
           <p:cNvSpPr>
             <a:spLocks noGrp="1"/>
           </p:cNvSpPr>
@@ -4948,7 +5251,7 @@
           <a:p>
             <a:fld id="{8DA94E56-31C3-428C-906D-B3E9E4B8DBAD}" type="datetime1">
               <a:rPr lang="es-CO" smtClean="0"/>
-              <a:t>2/05/2019</a:t>
+              <a:t>7/06/2019</a:t>
             </a:fld>
             <a:endParaRPr lang="es-CO" dirty="0"/>
           </a:p>
@@ -4956,7 +5259,7 @@
       </p:sp>
       <p:sp>
         <p:nvSpPr>
-          <p:cNvPr id="3" name="Footer Placeholder 2"/>
+          <p:cNvPr id="5" name="Footer Placeholder 2"/>
           <p:cNvSpPr>
             <a:spLocks noGrp="1"/>
           </p:cNvSpPr>
@@ -4975,7 +5278,7 @@
       </p:sp>
       <p:sp>
         <p:nvSpPr>
-          <p:cNvPr id="4" name="Slide Number Placeholder 3"/>
+          <p:cNvPr id="6" name="Slide Number Placeholder 3"/>
           <p:cNvSpPr>
             <a:spLocks noGrp="1"/>
           </p:cNvSpPr>
@@ -5000,7 +5303,7 @@
     </p:spTree>
     <p:extLst>
       <p:ext uri="{BB962C8B-B14F-4D97-AF65-F5344CB8AC3E}">
-        <p14:creationId xmlns:p14="http://schemas.microsoft.com/office/powerpoint/2010/main" val="855242117"/>
+        <p14:creationId xmlns:p14="http://schemas.microsoft.com/office/powerpoint/2010/main" val="3164770894"/>
       </p:ext>
     </p:extLst>
   </p:cSld>
@@ -5039,23 +5342,108 @@
         </p:nvSpPr>
         <p:spPr>
           <a:xfrm>
-            <a:off x="685347" y="609600"/>
-            <a:ext cx="2780167" cy="1821918"/>
+            <a:off x="866441" y="1447800"/>
+            <a:ext cx="2551462" cy="1447800"/>
           </a:xfrm>
         </p:spPr>
         <p:txBody>
-          <a:bodyPr anchor="b">
+          <a:bodyPr anchor="b"/>
+          <a:lstStyle>
+            <a:lvl1pPr algn="l">
+              <a:defRPr sz="2400" b="0"/>
+            </a:lvl1pPr>
+          </a:lstStyle>
+          <a:p>
+            <a:r>
+              <a:rPr lang="es-ES"/>
+              <a:t>Haga clic para modificar el estilo de título del patrón</a:t>
+            </a:r>
+            <a:endParaRPr lang="en-US" dirty="0"/>
+          </a:p>
+        </p:txBody>
+      </p:sp>
+      <p:sp>
+        <p:nvSpPr>
+          <p:cNvPr id="3" name="Content Placeholder 2"/>
+          <p:cNvSpPr>
+            <a:spLocks noGrp="1"/>
+          </p:cNvSpPr>
+          <p:nvPr>
+            <p:ph idx="1"/>
+          </p:nvPr>
+        </p:nvSpPr>
+        <p:spPr>
+          <a:xfrm>
+            <a:off x="3589397" y="1447800"/>
+            <a:ext cx="3898013" cy="4572000"/>
+          </a:xfrm>
+        </p:spPr>
+        <p:txBody>
+          <a:bodyPr anchor="ctr">
             <a:normAutofit/>
           </a:bodyPr>
           <a:lstStyle>
-            <a:lvl1pPr algn="ctr">
-              <a:defRPr sz="2400" b="0"/>
+            <a:lvl1pPr>
+              <a:defRPr sz="2000"/>
             </a:lvl1pPr>
+            <a:lvl2pPr>
+              <a:defRPr sz="1800"/>
+            </a:lvl2pPr>
+            <a:lvl3pPr>
+              <a:defRPr sz="1600"/>
+            </a:lvl3pPr>
+            <a:lvl4pPr>
+              <a:defRPr sz="1400"/>
+            </a:lvl4pPr>
+            <a:lvl5pPr>
+              <a:defRPr sz="1400"/>
+            </a:lvl5pPr>
+            <a:lvl6pPr>
+              <a:defRPr sz="1400"/>
+            </a:lvl6pPr>
+            <a:lvl7pPr>
+              <a:defRPr sz="1400"/>
+            </a:lvl7pPr>
+            <a:lvl8pPr>
+              <a:defRPr sz="1400"/>
+            </a:lvl8pPr>
+            <a:lvl9pPr>
+              <a:defRPr sz="1400"/>
+            </a:lvl9pPr>
           </a:lstStyle>
           <a:p>
-            <a:r>
-              <a:rPr lang="es-ES"/>
-              <a:t>Haga clic para modificar el estilo de título del patrón</a:t>
+            <a:pPr lvl="0"/>
+            <a:r>
+              <a:rPr lang="es-ES"/>
+              <a:t>Editar los estilos de texto del patrón</a:t>
+            </a:r>
+          </a:p>
+          <a:p>
+            <a:pPr lvl="1"/>
+            <a:r>
+              <a:rPr lang="es-ES"/>
+              <a:t>Segundo nivel</a:t>
+            </a:r>
+          </a:p>
+          <a:p>
+            <a:pPr lvl="2"/>
+            <a:r>
+              <a:rPr lang="es-ES"/>
+              <a:t>Tercer nivel</a:t>
+            </a:r>
+          </a:p>
+          <a:p>
+            <a:pPr lvl="3"/>
+            <a:r>
+              <a:rPr lang="es-ES"/>
+              <a:t>Cuarto nivel</a:t>
+            </a:r>
+          </a:p>
+          <a:p>
+            <a:pPr lvl="4"/>
+            <a:r>
+              <a:rPr lang="es-ES"/>
+              <a:t>Quinto nivel</a:t>
             </a:r>
             <a:endParaRPr lang="en-US" dirty="0"/>
           </a:p>
@@ -5063,87 +5451,26 @@
       </p:sp>
       <p:sp>
         <p:nvSpPr>
-          <p:cNvPr id="3" name="Content Placeholder 2"/>
-          <p:cNvSpPr>
-            <a:spLocks noGrp="1"/>
-          </p:cNvSpPr>
-          <p:nvPr>
-            <p:ph idx="1"/>
+          <p:cNvPr id="4" name="Text Placeholder 3"/>
+          <p:cNvSpPr>
+            <a:spLocks noGrp="1"/>
+          </p:cNvSpPr>
+          <p:nvPr>
+            <p:ph type="body" sz="half" idx="2"/>
           </p:nvPr>
         </p:nvSpPr>
         <p:spPr>
           <a:xfrm>
-            <a:off x="3641725" y="609600"/>
-            <a:ext cx="4808943" cy="5181600"/>
+            <a:off x="866441" y="3129281"/>
+            <a:ext cx="2551462" cy="2895599"/>
           </a:xfrm>
         </p:spPr>
         <p:txBody>
-          <a:bodyPr>
-            <a:normAutofit/>
-          </a:bodyPr>
-          <a:lstStyle/>
-          <a:p>
-            <a:pPr lvl="0"/>
-            <a:r>
-              <a:rPr lang="es-ES"/>
-              <a:t>Haga clic para modificar los estilos de texto del patrón</a:t>
-            </a:r>
-          </a:p>
-          <a:p>
-            <a:pPr lvl="1"/>
-            <a:r>
-              <a:rPr lang="es-ES"/>
-              <a:t>Segundo nivel</a:t>
-            </a:r>
-          </a:p>
-          <a:p>
-            <a:pPr lvl="2"/>
-            <a:r>
-              <a:rPr lang="es-ES"/>
-              <a:t>Tercer nivel</a:t>
-            </a:r>
-          </a:p>
-          <a:p>
-            <a:pPr lvl="3"/>
-            <a:r>
-              <a:rPr lang="es-ES"/>
-              <a:t>Cuarto nivel</a:t>
-            </a:r>
-          </a:p>
-          <a:p>
-            <a:pPr lvl="4"/>
-            <a:r>
-              <a:rPr lang="es-ES"/>
-              <a:t>Quinto nivel</a:t>
-            </a:r>
-            <a:endParaRPr lang="en-US" dirty="0"/>
-          </a:p>
-        </p:txBody>
-      </p:sp>
-      <p:sp>
-        <p:nvSpPr>
-          <p:cNvPr id="4" name="Text Placeholder 3"/>
-          <p:cNvSpPr>
-            <a:spLocks noGrp="1"/>
-          </p:cNvSpPr>
-          <p:nvPr>
-            <p:ph type="body" sz="half" idx="2"/>
-          </p:nvPr>
-        </p:nvSpPr>
-        <p:spPr>
-          <a:xfrm>
-            <a:off x="685347" y="2431518"/>
-            <a:ext cx="2780167" cy="3359681"/>
-          </a:xfrm>
-        </p:spPr>
-        <p:txBody>
-          <a:bodyPr anchor="t">
-            <a:normAutofit/>
-          </a:bodyPr>
+          <a:bodyPr/>
           <a:lstStyle>
-            <a:lvl1pPr marL="0" indent="0" algn="ctr">
-              <a:buNone/>
-              <a:defRPr sz="1600"/>
+            <a:lvl1pPr marL="0" indent="0">
+              <a:buNone/>
+              <a:defRPr sz="1400"/>
             </a:lvl1pPr>
             <a:lvl2pPr marL="457200" indent="0">
               <a:buNone/>
@@ -5182,14 +5509,14 @@
             <a:pPr lvl="0"/>
             <a:r>
               <a:rPr lang="es-ES"/>
-              <a:t>Haga clic para modificar los estilos de texto del patrón</a:t>
-            </a:r>
-          </a:p>
-        </p:txBody>
-      </p:sp>
-      <p:sp>
-        <p:nvSpPr>
-          <p:cNvPr id="5" name="Date Placeholder 4"/>
+              <a:t>Editar los estilos de texto del patrón</a:t>
+            </a:r>
+          </a:p>
+        </p:txBody>
+      </p:sp>
+      <p:sp>
+        <p:nvSpPr>
+          <p:cNvPr id="7" name="Date Placeholder 4"/>
           <p:cNvSpPr>
             <a:spLocks noGrp="1"/>
           </p:cNvSpPr>
@@ -5204,7 +5531,7 @@
           <a:p>
             <a:fld id="{9407FB20-0F53-4606-9515-75A418ADA495}" type="datetime1">
               <a:rPr lang="es-CO" smtClean="0"/>
-              <a:t>2/05/2019</a:t>
+              <a:t>7/06/2019</a:t>
             </a:fld>
             <a:endParaRPr lang="es-CO" dirty="0"/>
           </a:p>
@@ -5212,7 +5539,7 @@
       </p:sp>
       <p:sp>
         <p:nvSpPr>
-          <p:cNvPr id="6" name="Footer Placeholder 5"/>
+          <p:cNvPr id="5" name="Footer Placeholder 5"/>
           <p:cNvSpPr>
             <a:spLocks noGrp="1"/>
           </p:cNvSpPr>
@@ -5231,7 +5558,7 @@
       </p:sp>
       <p:sp>
         <p:nvSpPr>
-          <p:cNvPr id="7" name="Slide Number Placeholder 6"/>
+          <p:cNvPr id="6" name="Slide Number Placeholder 6"/>
           <p:cNvSpPr>
             <a:spLocks noGrp="1"/>
           </p:cNvSpPr>
@@ -5256,7 +5583,7 @@
     </p:spTree>
     <p:extLst>
       <p:ext uri="{BB962C8B-B14F-4D97-AF65-F5344CB8AC3E}">
-        <p14:creationId xmlns:p14="http://schemas.microsoft.com/office/powerpoint/2010/main" val="4254867622"/>
+        <p14:creationId xmlns:p14="http://schemas.microsoft.com/office/powerpoint/2010/main" val="3995480319"/>
       </p:ext>
     </p:extLst>
   </p:cSld>
@@ -5283,89 +5610,64 @@
           <a:chExt cx="0" cy="0"/>
         </a:xfrm>
       </p:grpSpPr>
-      <p:pic>
-        <p:nvPicPr>
-          <p:cNvPr id="12" name="Picture 11" descr="Slate-V2-SD-vertPhotoInset.png"/>
-          <p:cNvPicPr>
-            <a:picLocks noChangeAspect="1"/>
-          </p:cNvPicPr>
-          <p:nvPr/>
-        </p:nvPicPr>
-        <p:blipFill>
-          <a:blip r:embed="rId2">
-            <a:extLst>
-              <a:ext uri="{28A0092B-C50C-407E-A947-70E740481C1C}">
-                <a14:useLocalDpi xmlns:a14="http://schemas.microsoft.com/office/drawing/2010/main" val="0"/>
-              </a:ext>
-            </a:extLst>
-          </a:blip>
-          <a:stretch>
-            <a:fillRect/>
-          </a:stretch>
-        </p:blipFill>
+      <p:sp>
+        <p:nvSpPr>
+          <p:cNvPr id="2" name="Title 1"/>
+          <p:cNvSpPr>
+            <a:spLocks noGrp="1"/>
+          </p:cNvSpPr>
+          <p:nvPr>
+            <p:ph type="title"/>
+          </p:nvPr>
+        </p:nvSpPr>
         <p:spPr>
           <a:xfrm>
-            <a:off x="4844987" y="609923"/>
-            <a:ext cx="3428146" cy="5205472"/>
+            <a:off x="865656" y="1854192"/>
+            <a:ext cx="3820674" cy="1574808"/>
           </a:xfrm>
-          <a:prstGeom prst="rect">
-            <a:avLst/>
-          </a:prstGeom>
         </p:spPr>
-      </p:pic>
-      <p:sp>
-        <p:nvSpPr>
-          <p:cNvPr id="2" name="Title 1"/>
-          <p:cNvSpPr>
-            <a:spLocks noGrp="1"/>
-          </p:cNvSpPr>
-          <p:nvPr>
-            <p:ph type="title"/>
+        <p:txBody>
+          <a:bodyPr anchor="b">
+            <a:normAutofit/>
+          </a:bodyPr>
+          <a:lstStyle>
+            <a:lvl1pPr algn="l">
+              <a:defRPr sz="3600" b="0"/>
+            </a:lvl1pPr>
+          </a:lstStyle>
+          <a:p>
+            <a:r>
+              <a:rPr lang="es-ES"/>
+              <a:t>Haga clic para modificar el estilo de título del patrón</a:t>
+            </a:r>
+            <a:endParaRPr lang="en-US" dirty="0"/>
+          </a:p>
+        </p:txBody>
+      </p:sp>
+      <p:sp>
+        <p:nvSpPr>
+          <p:cNvPr id="3" name="Picture Placeholder 2"/>
+          <p:cNvSpPr>
+            <a:spLocks noGrp="1" noChangeAspect="1"/>
+          </p:cNvSpPr>
+          <p:nvPr>
+            <p:ph type="pic" idx="1"/>
           </p:nvPr>
         </p:nvSpPr>
         <p:spPr>
           <a:xfrm>
-            <a:off x="685347" y="609923"/>
-            <a:ext cx="3924676" cy="1829338"/>
+            <a:off x="5213517" y="1143000"/>
+            <a:ext cx="2400925" cy="4572000"/>
           </a:xfrm>
-        </p:spPr>
-        <p:txBody>
-          <a:bodyPr anchor="b">
-            <a:noAutofit/>
-          </a:bodyPr>
-          <a:lstStyle>
-            <a:lvl1pPr algn="ctr">
-              <a:defRPr sz="3200" b="0"/>
-            </a:lvl1pPr>
-          </a:lstStyle>
-          <a:p>
-            <a:r>
-              <a:rPr lang="es-ES"/>
-              <a:t>Haga clic para modificar el estilo de título del patrón</a:t>
-            </a:r>
-            <a:endParaRPr lang="en-US" dirty="0"/>
-          </a:p>
-        </p:txBody>
-      </p:sp>
-      <p:sp>
-        <p:nvSpPr>
-          <p:cNvPr id="3" name="Picture Placeholder 2"/>
-          <p:cNvSpPr>
-            <a:spLocks noGrp="1" noChangeAspect="1"/>
-          </p:cNvSpPr>
-          <p:nvPr>
-            <p:ph type="pic" idx="1"/>
-          </p:nvPr>
-        </p:nvSpPr>
-        <p:spPr>
-          <a:xfrm>
-            <a:off x="4976728" y="743989"/>
-            <a:ext cx="3165375" cy="4912822"/>
-          </a:xfrm>
+          <a:prstGeom prst="roundRect">
+            <a:avLst>
+              <a:gd name="adj" fmla="val 1858"/>
+            </a:avLst>
+          </a:prstGeom>
           <a:effectLst>
-            <a:outerShdw blurRad="38100" dist="25400" dir="4440000">
+            <a:outerShdw blurRad="50800" dist="50800" dir="5400000" algn="tl" rotWithShape="0">
               <a:srgbClr val="000000">
-                <a:alpha val="36000"/>
+                <a:alpha val="43000"/>
               </a:srgbClr>
             </a:outerShdw>
           </a:effectLst>
@@ -5433,18 +5735,18 @@
         </p:nvSpPr>
         <p:spPr>
           <a:xfrm>
-            <a:off x="685347" y="2439261"/>
-            <a:ext cx="3924676" cy="3376134"/>
+            <a:off x="866441" y="3657600"/>
+            <a:ext cx="3814728" cy="1371600"/>
           </a:xfrm>
         </p:spPr>
         <p:txBody>
-          <a:bodyPr anchor="t">
+          <a:bodyPr>
             <a:normAutofit/>
           </a:bodyPr>
           <a:lstStyle>
-            <a:lvl1pPr marL="0" indent="0" algn="ctr">
-              <a:buNone/>
-              <a:defRPr sz="1600"/>
+            <a:lvl1pPr marL="0" indent="0">
+              <a:buNone/>
+              <a:defRPr sz="1400"/>
             </a:lvl1pPr>
             <a:lvl2pPr marL="457200" indent="0">
               <a:buNone/>
@@ -5483,7 +5785,7 @@
             <a:pPr lvl="0"/>
             <a:r>
               <a:rPr lang="es-ES"/>
-              <a:t>Haga clic para modificar los estilos de texto del patrón</a:t>
+              <a:t>Editar los estilos de texto del patrón</a:t>
             </a:r>
           </a:p>
         </p:txBody>
@@ -5505,7 +5807,7 @@
           <a:p>
             <a:fld id="{1A7B92AE-B2EB-4F10-B119-B863F70790DC}" type="datetime1">
               <a:rPr lang="es-CO" smtClean="0"/>
-              <a:t>2/05/2019</a:t>
+              <a:t>7/06/2019</a:t>
             </a:fld>
             <a:endParaRPr lang="es-CO" dirty="0"/>
           </a:p>
@@ -5557,7 +5859,7 @@
     </p:spTree>
     <p:extLst>
       <p:ext uri="{BB962C8B-B14F-4D97-AF65-F5344CB8AC3E}">
-        <p14:creationId xmlns:p14="http://schemas.microsoft.com/office/powerpoint/2010/main" val="644265907"/>
+        <p14:creationId xmlns:p14="http://schemas.microsoft.com/office/powerpoint/2010/main" val="3885087447"/>
       </p:ext>
     </p:extLst>
   </p:cSld>
@@ -5571,9 +5873,14 @@
 <p:sldMaster xmlns:a="http://schemas.openxmlformats.org/drawingml/2006/main" xmlns:r="http://schemas.openxmlformats.org/officeDocument/2006/relationships" xmlns:p="http://schemas.openxmlformats.org/presentationml/2006/main">
   <p:cSld>
     <p:bg>
-      <p:bgRef idx="1003">
-        <a:schemeClr val="bg2"/>
-      </p:bgRef>
+      <p:bgPr>
+        <a:blipFill dpi="0" rotWithShape="1">
+          <a:blip r:embed="rId19"/>
+          <a:srcRect/>
+          <a:tile tx="0" ty="0" sx="100000" sy="100000" flip="none" algn="tl"/>
+        </a:blipFill>
+        <a:effectLst/>
+      </p:bgPr>
     </p:bg>
     <p:spTree>
       <p:nvGrpSpPr>
@@ -5591,241 +5898,559 @@
       </p:grpSpPr>
       <p:sp>
         <p:nvSpPr>
-          <p:cNvPr id="2" name="Title Placeholder 1"/>
-          <p:cNvSpPr>
-            <a:spLocks noGrp="1"/>
-          </p:cNvSpPr>
-          <p:nvPr>
-            <p:ph type="title"/>
-          </p:nvPr>
+          <p:cNvPr id="22" name="Oval 21"/>
+          <p:cNvSpPr/>
+          <p:nvPr/>
         </p:nvSpPr>
         <p:spPr>
           <a:xfrm>
-            <a:off x="685346" y="609600"/>
-            <a:ext cx="7765322" cy="970450"/>
+            <a:off x="6299432" y="1676400"/>
+            <a:ext cx="2819400" cy="2819400"/>
+          </a:xfrm>
+          <a:prstGeom prst="ellipse">
+            <a:avLst/>
+          </a:prstGeom>
+          <a:gradFill flip="none" rotWithShape="1">
+            <a:gsLst>
+              <a:gs pos="0">
+                <a:schemeClr val="bg2">
+                  <a:lumMod val="60000"/>
+                  <a:lumOff val="40000"/>
+                  <a:alpha val="7000"/>
+                </a:schemeClr>
+              </a:gs>
+              <a:gs pos="69000">
+                <a:schemeClr val="bg2">
+                  <a:lumMod val="60000"/>
+                  <a:lumOff val="40000"/>
+                  <a:alpha val="0"/>
+                </a:schemeClr>
+              </a:gs>
+              <a:gs pos="36000">
+                <a:schemeClr val="bg2">
+                  <a:lumMod val="60000"/>
+                  <a:lumOff val="40000"/>
+                  <a:alpha val="6000"/>
+                </a:schemeClr>
+              </a:gs>
+            </a:gsLst>
+            <a:path path="circle">
+              <a:fillToRect l="50000" t="50000" r="50000" b="50000"/>
+            </a:path>
+            <a:tileRect/>
+          </a:gradFill>
+          <a:ln>
+            <a:noFill/>
+          </a:ln>
+          <a:effectLst/>
+        </p:spPr>
+        <p:style>
+          <a:lnRef idx="1">
+            <a:schemeClr val="accent1"/>
+          </a:lnRef>
+          <a:fillRef idx="3">
+            <a:schemeClr val="accent1"/>
+          </a:fillRef>
+          <a:effectRef idx="2">
+            <a:schemeClr val="accent1"/>
+          </a:effectRef>
+          <a:fontRef idx="minor">
+            <a:schemeClr val="lt1"/>
+          </a:fontRef>
+        </p:style>
+      </p:sp>
+      <p:sp>
+        <p:nvSpPr>
+          <p:cNvPr id="23" name="Oval 22"/>
+          <p:cNvSpPr/>
+          <p:nvPr/>
+        </p:nvSpPr>
+        <p:spPr>
+          <a:xfrm>
+            <a:off x="5689832" y="-457200"/>
+            <a:ext cx="1600200" cy="1600200"/>
+          </a:xfrm>
+          <a:prstGeom prst="ellipse">
+            <a:avLst/>
+          </a:prstGeom>
+          <a:gradFill flip="none" rotWithShape="1">
+            <a:gsLst>
+              <a:gs pos="0">
+                <a:schemeClr val="bg2">
+                  <a:lumMod val="60000"/>
+                  <a:lumOff val="40000"/>
+                  <a:alpha val="14000"/>
+                </a:schemeClr>
+              </a:gs>
+              <a:gs pos="73000">
+                <a:schemeClr val="bg2">
+                  <a:lumMod val="60000"/>
+                  <a:lumOff val="40000"/>
+                  <a:alpha val="0"/>
+                </a:schemeClr>
+              </a:gs>
+              <a:gs pos="36000">
+                <a:schemeClr val="bg2">
+                  <a:lumMod val="60000"/>
+                  <a:lumOff val="40000"/>
+                  <a:alpha val="7000"/>
+                </a:schemeClr>
+              </a:gs>
+            </a:gsLst>
+            <a:path path="circle">
+              <a:fillToRect l="50000" t="50000" r="50000" b="50000"/>
+            </a:path>
+            <a:tileRect/>
+          </a:gradFill>
+          <a:ln>
+            <a:noFill/>
+          </a:ln>
+          <a:effectLst/>
+        </p:spPr>
+        <p:style>
+          <a:lnRef idx="1">
+            <a:schemeClr val="accent1"/>
+          </a:lnRef>
+          <a:fillRef idx="3">
+            <a:schemeClr val="accent1"/>
+          </a:fillRef>
+          <a:effectRef idx="2">
+            <a:schemeClr val="accent1"/>
+          </a:effectRef>
+          <a:fontRef idx="minor">
+            <a:schemeClr val="lt1"/>
+          </a:fontRef>
+        </p:style>
+      </p:sp>
+      <p:sp>
+        <p:nvSpPr>
+          <p:cNvPr id="24" name="Oval 23"/>
+          <p:cNvSpPr/>
+          <p:nvPr/>
+        </p:nvSpPr>
+        <p:spPr>
+          <a:xfrm>
+            <a:off x="6299432" y="6096000"/>
+            <a:ext cx="990600" cy="990600"/>
+          </a:xfrm>
+          <a:prstGeom prst="ellipse">
+            <a:avLst/>
+          </a:prstGeom>
+          <a:gradFill flip="none" rotWithShape="1">
+            <a:gsLst>
+              <a:gs pos="0">
+                <a:schemeClr val="bg2">
+                  <a:lumMod val="60000"/>
+                  <a:lumOff val="40000"/>
+                  <a:alpha val="9000"/>
+                </a:schemeClr>
+              </a:gs>
+              <a:gs pos="66000">
+                <a:schemeClr val="bg2">
+                  <a:lumMod val="60000"/>
+                  <a:lumOff val="40000"/>
+                  <a:alpha val="0"/>
+                </a:schemeClr>
+              </a:gs>
+              <a:gs pos="36000">
+                <a:schemeClr val="bg2">
+                  <a:lumMod val="60000"/>
+                  <a:lumOff val="40000"/>
+                  <a:alpha val="5000"/>
+                </a:schemeClr>
+              </a:gs>
+            </a:gsLst>
+            <a:path path="circle">
+              <a:fillToRect l="50000" t="50000" r="50000" b="50000"/>
+            </a:path>
+            <a:tileRect/>
+          </a:gradFill>
+          <a:ln>
+            <a:noFill/>
+          </a:ln>
+          <a:effectLst/>
+        </p:spPr>
+        <p:style>
+          <a:lnRef idx="1">
+            <a:schemeClr val="accent1"/>
+          </a:lnRef>
+          <a:fillRef idx="3">
+            <a:schemeClr val="accent1"/>
+          </a:fillRef>
+          <a:effectRef idx="2">
+            <a:schemeClr val="accent1"/>
+          </a:effectRef>
+          <a:fontRef idx="minor">
+            <a:schemeClr val="lt1"/>
+          </a:fontRef>
+        </p:style>
+      </p:sp>
+      <p:sp>
+        <p:nvSpPr>
+          <p:cNvPr id="20" name="Oval 19"/>
+          <p:cNvSpPr/>
+          <p:nvPr/>
+        </p:nvSpPr>
+        <p:spPr>
+          <a:xfrm>
+            <a:off x="-153988" y="2667000"/>
+            <a:ext cx="4191000" cy="4191000"/>
+          </a:xfrm>
+          <a:prstGeom prst="ellipse">
+            <a:avLst/>
+          </a:prstGeom>
+          <a:gradFill flip="none" rotWithShape="1">
+            <a:gsLst>
+              <a:gs pos="0">
+                <a:schemeClr val="bg2">
+                  <a:lumMod val="60000"/>
+                  <a:lumOff val="40000"/>
+                  <a:alpha val="11000"/>
+                </a:schemeClr>
+              </a:gs>
+              <a:gs pos="75000">
+                <a:schemeClr val="bg2">
+                  <a:lumMod val="60000"/>
+                  <a:lumOff val="40000"/>
+                  <a:alpha val="0"/>
+                </a:schemeClr>
+              </a:gs>
+              <a:gs pos="36000">
+                <a:schemeClr val="bg2">
+                  <a:lumMod val="60000"/>
+                  <a:lumOff val="40000"/>
+                  <a:alpha val="10000"/>
+                </a:schemeClr>
+              </a:gs>
+            </a:gsLst>
+            <a:path path="circle">
+              <a:fillToRect l="50000" t="50000" r="50000" b="50000"/>
+            </a:path>
+            <a:tileRect/>
+          </a:gradFill>
+          <a:ln>
+            <a:noFill/>
+          </a:ln>
+          <a:effectLst/>
+        </p:spPr>
+        <p:style>
+          <a:lnRef idx="1">
+            <a:schemeClr val="accent1"/>
+          </a:lnRef>
+          <a:fillRef idx="3">
+            <a:schemeClr val="accent1"/>
+          </a:fillRef>
+          <a:effectRef idx="2">
+            <a:schemeClr val="accent1"/>
+          </a:effectRef>
+          <a:fontRef idx="minor">
+            <a:schemeClr val="lt1"/>
+          </a:fontRef>
+        </p:style>
+      </p:sp>
+      <p:sp>
+        <p:nvSpPr>
+          <p:cNvPr id="21" name="Oval 20"/>
+          <p:cNvSpPr/>
+          <p:nvPr/>
+        </p:nvSpPr>
+        <p:spPr>
+          <a:xfrm>
+            <a:off x="-839788" y="2895600"/>
+            <a:ext cx="2362200" cy="2362200"/>
+          </a:xfrm>
+          <a:prstGeom prst="ellipse">
+            <a:avLst/>
+          </a:prstGeom>
+          <a:gradFill flip="none" rotWithShape="1">
+            <a:gsLst>
+              <a:gs pos="0">
+                <a:schemeClr val="bg2">
+                  <a:lumMod val="60000"/>
+                  <a:lumOff val="40000"/>
+                  <a:alpha val="8000"/>
+                </a:schemeClr>
+              </a:gs>
+              <a:gs pos="72000">
+                <a:schemeClr val="bg2">
+                  <a:lumMod val="60000"/>
+                  <a:lumOff val="40000"/>
+                  <a:alpha val="0"/>
+                </a:schemeClr>
+              </a:gs>
+              <a:gs pos="36000">
+                <a:schemeClr val="bg2">
+                  <a:lumMod val="60000"/>
+                  <a:lumOff val="40000"/>
+                  <a:alpha val="8000"/>
+                </a:schemeClr>
+              </a:gs>
+            </a:gsLst>
+            <a:path path="circle">
+              <a:fillToRect l="50000" t="50000" r="50000" b="50000"/>
+            </a:path>
+            <a:tileRect/>
+          </a:gradFill>
+          <a:ln>
+            <a:noFill/>
+          </a:ln>
+          <a:effectLst/>
+        </p:spPr>
+        <p:style>
+          <a:lnRef idx="1">
+            <a:schemeClr val="accent1"/>
+          </a:lnRef>
+          <a:fillRef idx="3">
+            <a:schemeClr val="accent1"/>
+          </a:fillRef>
+          <a:effectRef idx="2">
+            <a:schemeClr val="accent1"/>
+          </a:effectRef>
+          <a:fontRef idx="minor">
+            <a:schemeClr val="lt1"/>
+          </a:fontRef>
+        </p:style>
+      </p:sp>
+      <p:sp>
+        <p:nvSpPr>
+          <p:cNvPr id="19" name="Rectangle 18"/>
+          <p:cNvSpPr/>
+          <p:nvPr/>
+        </p:nvSpPr>
+        <p:spPr>
+          <a:xfrm>
+            <a:off x="7745644" y="0"/>
+            <a:ext cx="685800" cy="1099458"/>
           </a:xfrm>
           <a:prstGeom prst="rect">
             <a:avLst/>
           </a:prstGeom>
-          <a:effectLst>
-            <a:outerShdw blurRad="25400" dir="17880000">
-              <a:srgbClr val="000000">
-                <a:alpha val="46000"/>
-              </a:srgbClr>
-            </a:outerShdw>
-          </a:effectLst>
+          <a:solidFill>
+            <a:schemeClr val="accent1"/>
+          </a:solidFill>
+          <a:ln>
+            <a:noFill/>
+          </a:ln>
         </p:spPr>
-        <p:txBody>
-          <a:bodyPr vert="horz" lIns="91440" tIns="45720" rIns="91440" bIns="45720" rtlCol="0" anchor="ctr">
-            <a:normAutofit/>
-          </a:bodyPr>
-          <a:lstStyle/>
-          <a:p>
-            <a:r>
-              <a:rPr lang="es-ES"/>
-              <a:t>Haga clic para modificar el estilo de título del patrón</a:t>
-            </a:r>
-            <a:endParaRPr lang="en-US" dirty="0"/>
-          </a:p>
-        </p:txBody>
-      </p:sp>
-      <p:sp>
-        <p:nvSpPr>
-          <p:cNvPr id="3" name="Text Placeholder 2"/>
-          <p:cNvSpPr>
-            <a:spLocks noGrp="1"/>
-          </p:cNvSpPr>
-          <p:nvPr>
-            <p:ph type="body" idx="1"/>
+        <p:style>
+          <a:lnRef idx="1">
+            <a:schemeClr val="accent1"/>
+          </a:lnRef>
+          <a:fillRef idx="3">
+            <a:schemeClr val="accent1"/>
+          </a:fillRef>
+          <a:effectRef idx="2">
+            <a:schemeClr val="accent1"/>
+          </a:effectRef>
+          <a:fontRef idx="minor">
+            <a:schemeClr val="lt1"/>
+          </a:fontRef>
+        </p:style>
+      </p:sp>
+      <p:sp>
+        <p:nvSpPr>
+          <p:cNvPr id="2" name="Title Placeholder 1"/>
+          <p:cNvSpPr>
+            <a:spLocks noGrp="1"/>
+          </p:cNvSpPr>
+          <p:nvPr>
+            <p:ph type="title"/>
           </p:nvPr>
         </p:nvSpPr>
         <p:spPr>
           <a:xfrm>
-            <a:off x="685346" y="1732450"/>
-            <a:ext cx="7765322" cy="4058751"/>
-          </a:xfrm>
-          <a:prstGeom prst="rect">
-            <a:avLst/>
-          </a:prstGeom>
-          <a:effectLst>
-            <a:outerShdw blurRad="25400" dir="17880000">
-              <a:srgbClr val="000000">
-                <a:alpha val="46000"/>
-              </a:srgbClr>
-            </a:outerShdw>
-          </a:effectLst>
-        </p:spPr>
-        <p:txBody>
-          <a:bodyPr vert="horz" lIns="91440" tIns="45720" rIns="91440" bIns="45720" rtlCol="0" anchor="t">
-            <a:normAutofit/>
-          </a:bodyPr>
-          <a:lstStyle/>
-          <a:p>
-            <a:pPr lvl="0"/>
-            <a:r>
-              <a:rPr lang="es-ES"/>
-              <a:t>Haga clic para modificar los estilos de texto del patrón</a:t>
-            </a:r>
-          </a:p>
-          <a:p>
-            <a:pPr lvl="1"/>
-            <a:r>
-              <a:rPr lang="es-ES"/>
-              <a:t>Segundo nivel</a:t>
-            </a:r>
-          </a:p>
-          <a:p>
-            <a:pPr lvl="2"/>
-            <a:r>
-              <a:rPr lang="es-ES"/>
-              <a:t>Tercer nivel</a:t>
-            </a:r>
-          </a:p>
-          <a:p>
-            <a:pPr lvl="3"/>
-            <a:r>
-              <a:rPr lang="es-ES"/>
-              <a:t>Cuarto nivel</a:t>
-            </a:r>
-          </a:p>
-          <a:p>
-            <a:pPr lvl="4"/>
-            <a:r>
-              <a:rPr lang="es-ES"/>
-              <a:t>Quinto nivel</a:t>
-            </a:r>
-            <a:endParaRPr lang="en-US" dirty="0"/>
-          </a:p>
-        </p:txBody>
-      </p:sp>
-      <p:sp>
-        <p:nvSpPr>
-          <p:cNvPr id="4" name="Date Placeholder 3"/>
-          <p:cNvSpPr>
-            <a:spLocks noGrp="1"/>
-          </p:cNvSpPr>
-          <p:nvPr>
-            <p:ph type="dt" sz="half" idx="2"/>
-          </p:nvPr>
-        </p:nvSpPr>
-        <p:spPr>
-          <a:xfrm>
-            <a:off x="5759052" y="5883276"/>
-            <a:ext cx="2057400" cy="365125"/>
+            <a:off x="484710" y="452718"/>
+            <a:ext cx="7055380" cy="1400530"/>
           </a:xfrm>
           <a:prstGeom prst="rect">
             <a:avLst/>
           </a:prstGeom>
         </p:spPr>
         <p:txBody>
-          <a:bodyPr vert="horz" lIns="91440" tIns="45720" rIns="91440" bIns="45720" rtlCol="0" anchor="ctr"/>
-          <a:lstStyle>
-            <a:lvl1pPr algn="r">
-              <a:defRPr sz="1000">
-                <a:solidFill>
-                  <a:schemeClr val="tx1">
-                    <a:lumMod val="95000"/>
-                  </a:schemeClr>
-                </a:solidFill>
-                <a:effectLst>
-                  <a:outerShdw blurRad="50800" dist="38100" dir="2700000" algn="tl" rotWithShape="0">
-                    <a:schemeClr val="bg1">
-                      <a:alpha val="43000"/>
-                    </a:schemeClr>
-                  </a:outerShdw>
-                </a:effectLst>
-              </a:defRPr>
-            </a:lvl1pPr>
-          </a:lstStyle>
-          <a:p>
-            <a:fld id="{26330FAE-141A-4BFF-887C-E995FE81429D}" type="datetime1">
-              <a:rPr lang="es-CO" smtClean="0"/>
-              <a:t>2/05/2019</a:t>
-            </a:fld>
-            <a:endParaRPr lang="es-CO" dirty="0"/>
-          </a:p>
-        </p:txBody>
-      </p:sp>
-      <p:sp>
-        <p:nvSpPr>
-          <p:cNvPr id="5" name="Footer Placeholder 4"/>
-          <p:cNvSpPr>
-            <a:spLocks noGrp="1"/>
-          </p:cNvSpPr>
-          <p:nvPr>
-            <p:ph type="ftr" sz="quarter" idx="3"/>
+          <a:bodyPr vert="horz" lIns="91440" tIns="45720" rIns="91440" bIns="45720" rtlCol="0" anchor="t">
+            <a:noAutofit/>
+          </a:bodyPr>
+          <a:lstStyle/>
+          <a:p>
+            <a:r>
+              <a:rPr lang="es-ES"/>
+              <a:t>Haga clic para modificar el estilo de título del patrón</a:t>
+            </a:r>
+            <a:endParaRPr lang="en-US" dirty="0"/>
+          </a:p>
+        </p:txBody>
+      </p:sp>
+      <p:sp>
+        <p:nvSpPr>
+          <p:cNvPr id="3" name="Text Placeholder 2"/>
+          <p:cNvSpPr>
+            <a:spLocks noGrp="1"/>
+          </p:cNvSpPr>
+          <p:nvPr>
+            <p:ph type="body" idx="1"/>
           </p:nvPr>
         </p:nvSpPr>
         <p:spPr>
           <a:xfrm>
-            <a:off x="685347" y="5883276"/>
-            <a:ext cx="5004649" cy="365125"/>
+            <a:off x="827700" y="2052925"/>
+            <a:ext cx="6711654" cy="4195481"/>
           </a:xfrm>
           <a:prstGeom prst="rect">
             <a:avLst/>
           </a:prstGeom>
         </p:spPr>
         <p:txBody>
-          <a:bodyPr vert="horz" lIns="91440" tIns="45720" rIns="91440" bIns="45720" rtlCol="0" anchor="ctr"/>
-          <a:lstStyle>
-            <a:lvl1pPr algn="l">
-              <a:defRPr sz="1000">
-                <a:solidFill>
-                  <a:schemeClr val="tx1">
-                    <a:lumMod val="95000"/>
-                  </a:schemeClr>
-                </a:solidFill>
-                <a:effectLst>
-                  <a:outerShdw blurRad="50800" dist="38100" dir="2700000" algn="tl" rotWithShape="0">
-                    <a:schemeClr val="bg1">
-                      <a:alpha val="43000"/>
-                    </a:schemeClr>
-                  </a:outerShdw>
-                </a:effectLst>
-              </a:defRPr>
-            </a:lvl1pPr>
-          </a:lstStyle>
-          <a:p>
-            <a:endParaRPr lang="es-CO" dirty="0"/>
-          </a:p>
-        </p:txBody>
-      </p:sp>
-      <p:sp>
-        <p:nvSpPr>
-          <p:cNvPr id="6" name="Slide Number Placeholder 5"/>
-          <p:cNvSpPr>
-            <a:spLocks noGrp="1"/>
-          </p:cNvSpPr>
-          <p:nvPr>
-            <p:ph type="sldNum" sz="quarter" idx="4"/>
+          <a:bodyPr vert="horz" lIns="91440" tIns="45720" rIns="91440" bIns="45720" rtlCol="0">
+            <a:normAutofit/>
+          </a:bodyPr>
+          <a:lstStyle/>
+          <a:p>
+            <a:pPr lvl="0"/>
+            <a:r>
+              <a:rPr lang="es-ES"/>
+              <a:t>Editar los estilos de texto del patrón</a:t>
+            </a:r>
+          </a:p>
+          <a:p>
+            <a:pPr lvl="1"/>
+            <a:r>
+              <a:rPr lang="es-ES"/>
+              <a:t>Segundo nivel</a:t>
+            </a:r>
+          </a:p>
+          <a:p>
+            <a:pPr lvl="2"/>
+            <a:r>
+              <a:rPr lang="es-ES"/>
+              <a:t>Tercer nivel</a:t>
+            </a:r>
+          </a:p>
+          <a:p>
+            <a:pPr lvl="3"/>
+            <a:r>
+              <a:rPr lang="es-ES"/>
+              <a:t>Cuarto nivel</a:t>
+            </a:r>
+          </a:p>
+          <a:p>
+            <a:pPr lvl="4"/>
+            <a:r>
+              <a:rPr lang="es-ES"/>
+              <a:t>Quinto nivel</a:t>
+            </a:r>
+            <a:endParaRPr lang="en-US" dirty="0"/>
+          </a:p>
+        </p:txBody>
+      </p:sp>
+      <p:sp>
+        <p:nvSpPr>
+          <p:cNvPr id="4" name="Date Placeholder 3"/>
+          <p:cNvSpPr>
+            <a:spLocks noGrp="1"/>
+          </p:cNvSpPr>
+          <p:nvPr>
+            <p:ph type="dt" sz="half" idx="2"/>
           </p:nvPr>
         </p:nvSpPr>
         <p:spPr>
-          <a:xfrm>
-            <a:off x="7885509" y="5883276"/>
-            <a:ext cx="565159" cy="365125"/>
+          <a:xfrm rot="5400000">
+            <a:off x="7494989" y="1828771"/>
+            <a:ext cx="990599" cy="228659"/>
           </a:xfrm>
           <a:prstGeom prst="rect">
             <a:avLst/>
           </a:prstGeom>
         </p:spPr>
         <p:txBody>
-          <a:bodyPr vert="horz" lIns="91440" tIns="45720" rIns="91440" bIns="45720" rtlCol="0" anchor="ctr"/>
+          <a:bodyPr vert="horz" lIns="91440" tIns="45720" rIns="91440" bIns="45720" rtlCol="0" anchor="t"/>
           <a:lstStyle>
-            <a:lvl1pPr algn="r">
-              <a:defRPr sz="1000">
+            <a:lvl1pPr algn="l">
+              <a:defRPr sz="1100" b="0" i="0">
                 <a:solidFill>
                   <a:schemeClr val="tx1">
-                    <a:lumMod val="95000"/>
+                    <a:tint val="75000"/>
+                    <a:alpha val="60000"/>
                   </a:schemeClr>
                 </a:solidFill>
-                <a:effectLst>
-                  <a:outerShdw blurRad="50800" dist="38100" dir="2700000" algn="tl" rotWithShape="0">
-                    <a:schemeClr val="bg1">
-                      <a:alpha val="43000"/>
-                    </a:schemeClr>
-                  </a:outerShdw>
-                </a:effectLst>
+              </a:defRPr>
+            </a:lvl1pPr>
+          </a:lstStyle>
+          <a:p>
+            <a:fld id="{26330FAE-141A-4BFF-887C-E995FE81429D}" type="datetime1">
+              <a:rPr lang="es-CO" smtClean="0"/>
+              <a:t>7/06/2019</a:t>
+            </a:fld>
+            <a:endParaRPr lang="es-CO" dirty="0"/>
+          </a:p>
+        </p:txBody>
+      </p:sp>
+      <p:sp>
+        <p:nvSpPr>
+          <p:cNvPr id="5" name="Footer Placeholder 4"/>
+          <p:cNvSpPr>
+            <a:spLocks noGrp="1"/>
+          </p:cNvSpPr>
+          <p:nvPr>
+            <p:ph type="ftr" sz="quarter" idx="3"/>
+          </p:nvPr>
+        </p:nvSpPr>
+        <p:spPr>
+          <a:xfrm rot="5400000">
+            <a:off x="6233335" y="3263371"/>
+            <a:ext cx="3859795" cy="228660"/>
+          </a:xfrm>
+          <a:prstGeom prst="rect">
+            <a:avLst/>
+          </a:prstGeom>
+        </p:spPr>
+        <p:txBody>
+          <a:bodyPr vert="horz" lIns="91440" tIns="45720" rIns="91440" bIns="45720" rtlCol="0" anchor="b"/>
+          <a:lstStyle>
+            <a:lvl1pPr algn="l">
+              <a:defRPr sz="1100" b="0" i="0">
+                <a:solidFill>
+                  <a:schemeClr val="tx1">
+                    <a:tint val="75000"/>
+                    <a:alpha val="60000"/>
+                  </a:schemeClr>
+                </a:solidFill>
+              </a:defRPr>
+            </a:lvl1pPr>
+          </a:lstStyle>
+          <a:p>
+            <a:endParaRPr lang="es-CO" dirty="0"/>
+          </a:p>
+        </p:txBody>
+      </p:sp>
+      <p:sp>
+        <p:nvSpPr>
+          <p:cNvPr id="6" name="Slide Number Placeholder 5"/>
+          <p:cNvSpPr>
+            <a:spLocks noGrp="1"/>
+          </p:cNvSpPr>
+          <p:nvPr>
+            <p:ph type="sldNum" sz="quarter" idx="4"/>
+          </p:nvPr>
+        </p:nvSpPr>
+        <p:spPr bwMode="gray">
+          <a:xfrm>
+            <a:off x="7766431" y="295736"/>
+            <a:ext cx="628813" cy="767687"/>
+          </a:xfrm>
+          <a:prstGeom prst="rect">
+            <a:avLst/>
+          </a:prstGeom>
+        </p:spPr>
+        <p:txBody>
+          <a:bodyPr vert="horz" lIns="91440" tIns="45720" rIns="91440" bIns="45720" rtlCol="0" anchor="b"/>
+          <a:lstStyle>
+            <a:lvl1pPr algn="ctr">
+              <a:defRPr sz="2801" b="0" i="0">
+                <a:solidFill>
+                  <a:schemeClr val="tx1">
+                    <a:tint val="75000"/>
+                  </a:schemeClr>
+                </a:solidFill>
               </a:defRPr>
             </a:lvl1pPr>
           </a:lstStyle>
@@ -5842,61 +6467,45 @@
     </p:spTree>
     <p:extLst>
       <p:ext uri="{BB962C8B-B14F-4D97-AF65-F5344CB8AC3E}">
-        <p14:creationId xmlns:p14="http://schemas.microsoft.com/office/powerpoint/2010/main" val="3883440613"/>
+        <p14:creationId xmlns:p14="http://schemas.microsoft.com/office/powerpoint/2010/main" val="225188382"/>
       </p:ext>
     </p:extLst>
   </p:cSld>
   <p:clrMap bg1="dk1" tx1="lt1" bg2="dk2" tx2="lt2" accent1="accent1" accent2="accent2" accent3="accent3" accent4="accent4" accent5="accent5" accent6="accent6" hlink="hlink" folHlink="folHlink"/>
   <p:sldLayoutIdLst>
-    <p:sldLayoutId id="2147483661" r:id="rId1"/>
-    <p:sldLayoutId id="2147483662" r:id="rId2"/>
-    <p:sldLayoutId id="2147483663" r:id="rId3"/>
-    <p:sldLayoutId id="2147483664" r:id="rId4"/>
-    <p:sldLayoutId id="2147483665" r:id="rId5"/>
-    <p:sldLayoutId id="2147483666" r:id="rId6"/>
-    <p:sldLayoutId id="2147483667" r:id="rId7"/>
-    <p:sldLayoutId id="2147483668" r:id="rId8"/>
-    <p:sldLayoutId id="2147483669" r:id="rId9"/>
-    <p:sldLayoutId id="2147483670" r:id="rId10"/>
-    <p:sldLayoutId id="2147483671" r:id="rId11"/>
-    <p:sldLayoutId id="2147483672" r:id="rId12"/>
-    <p:sldLayoutId id="2147483673" r:id="rId13"/>
-    <p:sldLayoutId id="2147483674" r:id="rId14"/>
-    <p:sldLayoutId id="2147483675" r:id="rId15"/>
-    <p:sldLayoutId id="2147483676" r:id="rId16"/>
-    <p:sldLayoutId id="2147483677" r:id="rId17"/>
+    <p:sldLayoutId id="2147483709" r:id="rId1"/>
+    <p:sldLayoutId id="2147483710" r:id="rId2"/>
+    <p:sldLayoutId id="2147483711" r:id="rId3"/>
+    <p:sldLayoutId id="2147483712" r:id="rId4"/>
+    <p:sldLayoutId id="2147483713" r:id="rId5"/>
+    <p:sldLayoutId id="2147483714" r:id="rId6"/>
+    <p:sldLayoutId id="2147483715" r:id="rId7"/>
+    <p:sldLayoutId id="2147483716" r:id="rId8"/>
+    <p:sldLayoutId id="2147483717" r:id="rId9"/>
+    <p:sldLayoutId id="2147483718" r:id="rId10"/>
+    <p:sldLayoutId id="2147483719" r:id="rId11"/>
+    <p:sldLayoutId id="2147483720" r:id="rId12"/>
+    <p:sldLayoutId id="2147483721" r:id="rId13"/>
+    <p:sldLayoutId id="2147483722" r:id="rId14"/>
+    <p:sldLayoutId id="2147483723" r:id="rId15"/>
+    <p:sldLayoutId id="2147483724" r:id="rId16"/>
+    <p:sldLayoutId id="2147483725" r:id="rId17"/>
   </p:sldLayoutIdLst>
   <p:hf sldNum="0" hdr="0" ftr="0" dt="0"/>
   <p:txStyles>
     <p:titleStyle>
-      <a:lvl1pPr algn="ctr" defTabSz="457200" rtl="0" eaLnBrk="1" latinLnBrk="0" hangingPunct="1">
+      <a:lvl1pPr algn="l" defTabSz="457207" rtl="0" eaLnBrk="1" latinLnBrk="0" hangingPunct="1">
         <a:spcBef>
           <a:spcPct val="0"/>
         </a:spcBef>
         <a:buNone/>
-        <a:defRPr sz="4000" kern="1200">
-          <a:ln>
-            <a:solidFill>
-              <a:schemeClr val="bg1">
-                <a:lumMod val="75000"/>
-                <a:lumOff val="25000"/>
-                <a:alpha val="10000"/>
-              </a:schemeClr>
-            </a:solidFill>
-          </a:ln>
+        <a:defRPr sz="4200" b="0" i="0" kern="1200">
           <a:solidFill>
             <a:schemeClr val="tx2"/>
           </a:solidFill>
-          <a:effectLst>
-            <a:outerShdw blurRad="9525" dist="25400" dir="14640000" algn="tl" rotWithShape="0">
-              <a:schemeClr val="bg1">
-                <a:alpha val="30000"/>
-              </a:schemeClr>
-            </a:outerShdw>
-          </a:effectLst>
           <a:latin typeface="+mj-lt"/>
           <a:ea typeface="+mj-ea"/>
-          <a:cs typeface="Trebuchet MS"/>
+          <a:cs typeface="+mj-cs"/>
         </a:defRPr>
       </a:lvl1pPr>
       <a:lvl2pPr eaLnBrk="1" hangingPunct="1">
@@ -5957,346 +6566,229 @@
       </a:lvl9pPr>
     </p:titleStyle>
     <p:bodyStyle>
-      <a:lvl1pPr marL="342900" indent="-306000" algn="l" defTabSz="457200" rtl="0" eaLnBrk="1" latinLnBrk="0" hangingPunct="1">
+      <a:lvl1pPr marL="342906" indent="-342906" algn="l" defTabSz="457207" rtl="0" eaLnBrk="1" latinLnBrk="0" hangingPunct="1">
         <a:spcBef>
-          <a:spcPct val="20000"/>
+          <a:spcPts val="1000"/>
         </a:spcBef>
         <a:spcAft>
-          <a:spcPts val="600"/>
+          <a:spcPts val="0"/>
         </a:spcAft>
         <a:buClr>
-          <a:schemeClr val="tx2"/>
+          <a:schemeClr val="bg2">
+            <a:lumMod val="40000"/>
+            <a:lumOff val="60000"/>
+          </a:schemeClr>
         </a:buClr>
-        <a:buSzPct val="70000"/>
-        <a:buFont typeface="Wingdings 2" charset="2"/>
-        <a:buChar char=""/>
-        <a:defRPr sz="2000" kern="1200">
-          <a:ln>
-            <a:solidFill>
-              <a:schemeClr val="bg1">
-                <a:lumMod val="75000"/>
-                <a:lumOff val="25000"/>
-                <a:alpha val="10000"/>
-              </a:schemeClr>
-            </a:solidFill>
-          </a:ln>
+        <a:buSzPct val="80000"/>
+        <a:buFont typeface="Wingdings 3" charset="2"/>
+        <a:buChar char=""/>
+        <a:defRPr sz="2000" b="0" i="0" kern="1200">
           <a:solidFill>
-            <a:schemeClr val="tx2"/>
+            <a:schemeClr val="tx1"/>
           </a:solidFill>
-          <a:effectLst>
-            <a:outerShdw blurRad="9525" dist="25400" dir="14640000" algn="tl" rotWithShape="0">
-              <a:schemeClr val="bg1">
-                <a:alpha val="30000"/>
-              </a:schemeClr>
-            </a:outerShdw>
-          </a:effectLst>
-          <a:latin typeface="+mn-lt"/>
-          <a:ea typeface="+mn-ea"/>
-          <a:cs typeface="+mn-cs"/>
+          <a:latin typeface="+mj-lt"/>
+          <a:ea typeface="+mj-ea"/>
+          <a:cs typeface="+mj-cs"/>
         </a:defRPr>
       </a:lvl1pPr>
-      <a:lvl2pPr marL="720000" indent="-270000" algn="l" defTabSz="457200" rtl="0" eaLnBrk="1" latinLnBrk="0" hangingPunct="1">
+      <a:lvl2pPr marL="742962" indent="-285755" algn="l" defTabSz="457207" rtl="0" eaLnBrk="1" latinLnBrk="0" hangingPunct="1">
         <a:spcBef>
-          <a:spcPct val="20000"/>
+          <a:spcPts val="1000"/>
         </a:spcBef>
         <a:spcAft>
-          <a:spcPts val="600"/>
+          <a:spcPts val="0"/>
         </a:spcAft>
         <a:buClr>
-          <a:schemeClr val="tx2"/>
+          <a:schemeClr val="bg2">
+            <a:lumMod val="40000"/>
+            <a:lumOff val="60000"/>
+          </a:schemeClr>
         </a:buClr>
-        <a:buSzPct val="70000"/>
-        <a:buFont typeface="Wingdings 2" charset="2"/>
-        <a:buChar char=""/>
-        <a:defRPr sz="1800" kern="1200">
-          <a:ln>
-            <a:solidFill>
-              <a:schemeClr val="bg1">
-                <a:lumMod val="75000"/>
-                <a:lumOff val="25000"/>
-                <a:alpha val="10000"/>
-              </a:schemeClr>
-            </a:solidFill>
-          </a:ln>
+        <a:buSzPct val="80000"/>
+        <a:buFont typeface="Wingdings 3" charset="2"/>
+        <a:buChar char=""/>
+        <a:defRPr sz="1800" b="0" i="0" kern="1200">
           <a:solidFill>
-            <a:schemeClr val="tx2"/>
+            <a:schemeClr val="tx1"/>
           </a:solidFill>
-          <a:effectLst>
-            <a:outerShdw blurRad="9525" dist="25400" dir="14640000" algn="tl" rotWithShape="0">
-              <a:schemeClr val="bg1">
-                <a:alpha val="30000"/>
-              </a:schemeClr>
-            </a:outerShdw>
-          </a:effectLst>
-          <a:latin typeface="+mn-lt"/>
-          <a:ea typeface="+mn-ea"/>
-          <a:cs typeface="+mn-cs"/>
+          <a:latin typeface="+mj-lt"/>
+          <a:ea typeface="+mj-ea"/>
+          <a:cs typeface="+mj-cs"/>
         </a:defRPr>
       </a:lvl2pPr>
-      <a:lvl3pPr marL="1026000" indent="-216000" algn="l" defTabSz="457200" rtl="0" eaLnBrk="1" latinLnBrk="0" hangingPunct="1">
+      <a:lvl3pPr marL="1143020" indent="-228604" algn="l" defTabSz="457207" rtl="0" eaLnBrk="1" latinLnBrk="0" hangingPunct="1">
         <a:spcBef>
-          <a:spcPct val="20000"/>
+          <a:spcPts val="1000"/>
         </a:spcBef>
         <a:spcAft>
-          <a:spcPts val="600"/>
+          <a:spcPts val="0"/>
         </a:spcAft>
         <a:buClr>
-          <a:schemeClr val="tx2"/>
+          <a:schemeClr val="bg2">
+            <a:lumMod val="40000"/>
+            <a:lumOff val="60000"/>
+          </a:schemeClr>
         </a:buClr>
-        <a:buSzPct val="70000"/>
-        <a:buFont typeface="Wingdings 2" charset="2"/>
-        <a:buChar char=""/>
-        <a:defRPr sz="1600" kern="1200">
-          <a:ln>
-            <a:solidFill>
-              <a:schemeClr val="bg1">
-                <a:lumMod val="75000"/>
-                <a:lumOff val="25000"/>
-                <a:alpha val="10000"/>
-              </a:schemeClr>
-            </a:solidFill>
-          </a:ln>
+        <a:buSzPct val="80000"/>
+        <a:buFont typeface="Wingdings 3" charset="2"/>
+        <a:buChar char=""/>
+        <a:defRPr sz="1600" b="0" i="0" kern="1200">
           <a:solidFill>
-            <a:schemeClr val="tx2"/>
+            <a:schemeClr val="tx1"/>
           </a:solidFill>
-          <a:effectLst>
-            <a:outerShdw blurRad="9525" dist="25400" dir="14640000" algn="tl" rotWithShape="0">
-              <a:schemeClr val="bg1">
-                <a:alpha val="30000"/>
-              </a:schemeClr>
-            </a:outerShdw>
-          </a:effectLst>
-          <a:latin typeface="+mn-lt"/>
-          <a:ea typeface="+mn-ea"/>
-          <a:cs typeface="+mn-cs"/>
+          <a:latin typeface="+mj-lt"/>
+          <a:ea typeface="+mj-ea"/>
+          <a:cs typeface="+mj-cs"/>
         </a:defRPr>
       </a:lvl3pPr>
-      <a:lvl4pPr marL="1386000" indent="-216000" algn="l" defTabSz="457200" rtl="0" eaLnBrk="1" latinLnBrk="0" hangingPunct="1">
+      <a:lvl4pPr marL="1600227" indent="-228604" algn="l" defTabSz="457207" rtl="0" eaLnBrk="1" latinLnBrk="0" hangingPunct="1">
         <a:spcBef>
-          <a:spcPct val="20000"/>
+          <a:spcPts val="1000"/>
         </a:spcBef>
         <a:spcAft>
-          <a:spcPts val="600"/>
+          <a:spcPts val="0"/>
         </a:spcAft>
         <a:buClr>
-          <a:schemeClr val="tx2"/>
+          <a:schemeClr val="bg2">
+            <a:lumMod val="40000"/>
+            <a:lumOff val="60000"/>
+          </a:schemeClr>
         </a:buClr>
-        <a:buSzPct val="70000"/>
-        <a:buFont typeface="Wingdings 2" charset="2"/>
-        <a:buChar char=""/>
-        <a:defRPr sz="1400" kern="1200">
-          <a:ln>
-            <a:solidFill>
-              <a:schemeClr val="bg1">
-                <a:lumMod val="75000"/>
-                <a:lumOff val="25000"/>
-                <a:alpha val="10000"/>
-              </a:schemeClr>
-            </a:solidFill>
-          </a:ln>
+        <a:buSzPct val="80000"/>
+        <a:buFont typeface="Wingdings 3" charset="2"/>
+        <a:buChar char=""/>
+        <a:defRPr sz="1400" b="0" i="0" kern="1200">
           <a:solidFill>
-            <a:schemeClr val="tx2"/>
+            <a:schemeClr val="tx1"/>
           </a:solidFill>
-          <a:effectLst>
-            <a:outerShdw blurRad="9525" dist="25400" dir="14640000" algn="tl" rotWithShape="0">
-              <a:schemeClr val="bg1">
-                <a:alpha val="30000"/>
-              </a:schemeClr>
-            </a:outerShdw>
-          </a:effectLst>
-          <a:latin typeface="+mn-lt"/>
-          <a:ea typeface="+mn-ea"/>
-          <a:cs typeface="+mn-cs"/>
+          <a:latin typeface="+mj-lt"/>
+          <a:ea typeface="+mj-ea"/>
+          <a:cs typeface="+mj-cs"/>
         </a:defRPr>
       </a:lvl4pPr>
-      <a:lvl5pPr marL="1674000" indent="-216000" algn="l" defTabSz="457200" rtl="0" eaLnBrk="1" latinLnBrk="0" hangingPunct="1">
+      <a:lvl5pPr marL="2057434" indent="-228604" algn="l" defTabSz="457207" rtl="0" eaLnBrk="1" latinLnBrk="0" hangingPunct="1">
         <a:spcBef>
-          <a:spcPct val="20000"/>
+          <a:spcPts val="1000"/>
         </a:spcBef>
         <a:spcAft>
-          <a:spcPts val="600"/>
+          <a:spcPts val="0"/>
         </a:spcAft>
         <a:buClr>
-          <a:schemeClr val="tx2"/>
+          <a:schemeClr val="bg2">
+            <a:lumMod val="40000"/>
+            <a:lumOff val="60000"/>
+          </a:schemeClr>
         </a:buClr>
-        <a:buSzPct val="70000"/>
-        <a:buFont typeface="Wingdings 2" charset="2"/>
-        <a:buChar char=""/>
-        <a:defRPr sz="1400" kern="1200">
-          <a:ln>
-            <a:solidFill>
-              <a:schemeClr val="bg1">
-                <a:lumMod val="75000"/>
-                <a:lumOff val="25000"/>
-                <a:alpha val="10000"/>
-              </a:schemeClr>
-            </a:solidFill>
-          </a:ln>
+        <a:buSzPct val="80000"/>
+        <a:buFont typeface="Wingdings 3" charset="2"/>
+        <a:buChar char=""/>
+        <a:defRPr sz="1400" b="0" i="0" kern="1200">
           <a:solidFill>
-            <a:schemeClr val="tx2"/>
+            <a:schemeClr val="tx1"/>
           </a:solidFill>
-          <a:effectLst>
-            <a:outerShdw blurRad="9525" dist="25400" dir="14640000" algn="tl" rotWithShape="0">
-              <a:schemeClr val="bg1">
-                <a:alpha val="30000"/>
-              </a:schemeClr>
-            </a:outerShdw>
-          </a:effectLst>
-          <a:latin typeface="+mn-lt"/>
-          <a:ea typeface="+mn-ea"/>
-          <a:cs typeface="+mn-cs"/>
+          <a:latin typeface="+mj-lt"/>
+          <a:ea typeface="+mj-ea"/>
+          <a:cs typeface="+mj-cs"/>
         </a:defRPr>
       </a:lvl5pPr>
-      <a:lvl6pPr marL="2014600" indent="-228600" algn="l" defTabSz="457200" rtl="0" eaLnBrk="1" latinLnBrk="0" hangingPunct="1">
+      <a:lvl6pPr marL="2514642" indent="-228604" algn="l" defTabSz="457207" rtl="0" eaLnBrk="1" latinLnBrk="0" hangingPunct="1">
         <a:spcBef>
-          <a:spcPct val="20000"/>
+          <a:spcPts val="1000"/>
         </a:spcBef>
         <a:spcAft>
-          <a:spcPts val="600"/>
+          <a:spcPts val="0"/>
         </a:spcAft>
         <a:buClr>
-          <a:schemeClr val="tx2"/>
+          <a:schemeClr val="bg2">
+            <a:lumMod val="40000"/>
+            <a:lumOff val="60000"/>
+          </a:schemeClr>
         </a:buClr>
-        <a:buSzPct val="70000"/>
-        <a:buFont typeface="Wingdings 2" charset="2"/>
-        <a:buChar char=""/>
-        <a:defRPr sz="1400" kern="1200">
-          <a:ln>
-            <a:solidFill>
-              <a:schemeClr val="bg1">
-                <a:lumMod val="75000"/>
-                <a:lumOff val="25000"/>
-                <a:alpha val="10000"/>
-              </a:schemeClr>
-            </a:solidFill>
-          </a:ln>
+        <a:buSzPct val="80000"/>
+        <a:buFont typeface="Wingdings 3" charset="2"/>
+        <a:buChar char=""/>
+        <a:defRPr sz="1400" b="0" i="0" kern="1200">
           <a:solidFill>
-            <a:schemeClr val="tx2"/>
+            <a:schemeClr val="tx1"/>
           </a:solidFill>
-          <a:effectLst>
-            <a:outerShdw blurRad="9525" dist="25400" dir="14640000" algn="tl" rotWithShape="0">
-              <a:schemeClr val="bg1">
-                <a:alpha val="30000"/>
-              </a:schemeClr>
-            </a:outerShdw>
-          </a:effectLst>
-          <a:latin typeface="+mn-lt"/>
-          <a:ea typeface="+mn-ea"/>
-          <a:cs typeface="+mn-cs"/>
+          <a:latin typeface="+mj-lt"/>
+          <a:ea typeface="+mj-ea"/>
+          <a:cs typeface="+mj-cs"/>
         </a:defRPr>
       </a:lvl6pPr>
-      <a:lvl7pPr marL="2401800" indent="-228600" algn="l" defTabSz="457200" rtl="0" eaLnBrk="1" latinLnBrk="0" hangingPunct="1">
+      <a:lvl7pPr marL="2971849" indent="-228604" algn="l" defTabSz="457207" rtl="0" eaLnBrk="1" latinLnBrk="0" hangingPunct="1">
         <a:spcBef>
-          <a:spcPct val="20000"/>
+          <a:spcPts val="1000"/>
         </a:spcBef>
         <a:spcAft>
-          <a:spcPts val="600"/>
+          <a:spcPts val="0"/>
         </a:spcAft>
         <a:buClr>
-          <a:schemeClr val="tx2"/>
+          <a:schemeClr val="bg2">
+            <a:lumMod val="40000"/>
+            <a:lumOff val="60000"/>
+          </a:schemeClr>
         </a:buClr>
-        <a:buSzPct val="70000"/>
-        <a:buFont typeface="Wingdings 2" charset="2"/>
-        <a:buChar char=""/>
-        <a:defRPr sz="1400" kern="1200">
-          <a:ln>
-            <a:solidFill>
-              <a:schemeClr val="bg1">
-                <a:lumMod val="75000"/>
-                <a:lumOff val="25000"/>
-                <a:alpha val="10000"/>
-              </a:schemeClr>
-            </a:solidFill>
-          </a:ln>
+        <a:buSzPct val="80000"/>
+        <a:buFont typeface="Wingdings 3" charset="2"/>
+        <a:buChar char=""/>
+        <a:defRPr sz="1400" b="0" i="0" kern="1200">
           <a:solidFill>
-            <a:schemeClr val="tx2"/>
+            <a:schemeClr val="tx1"/>
           </a:solidFill>
-          <a:effectLst>
-            <a:outerShdw blurRad="9525" dist="25400" dir="14640000" algn="tl" rotWithShape="0">
-              <a:schemeClr val="bg1">
-                <a:alpha val="30000"/>
-              </a:schemeClr>
-            </a:outerShdw>
-          </a:effectLst>
-          <a:latin typeface="+mn-lt"/>
-          <a:ea typeface="+mn-ea"/>
-          <a:cs typeface="+mn-cs"/>
+          <a:latin typeface="+mj-lt"/>
+          <a:ea typeface="+mj-ea"/>
+          <a:cs typeface="+mj-cs"/>
         </a:defRPr>
       </a:lvl7pPr>
-      <a:lvl8pPr marL="2789000" indent="-228600" algn="l" defTabSz="457200" rtl="0" eaLnBrk="1" latinLnBrk="0" hangingPunct="1">
+      <a:lvl8pPr marL="3429057" indent="-228604" algn="l" defTabSz="457207" rtl="0" eaLnBrk="1" latinLnBrk="0" hangingPunct="1">
         <a:spcBef>
-          <a:spcPct val="20000"/>
+          <a:spcPts val="1000"/>
         </a:spcBef>
         <a:spcAft>
-          <a:spcPts val="600"/>
+          <a:spcPts val="0"/>
         </a:spcAft>
         <a:buClr>
-          <a:schemeClr val="tx2"/>
+          <a:schemeClr val="bg2">
+            <a:lumMod val="40000"/>
+            <a:lumOff val="60000"/>
+          </a:schemeClr>
         </a:buClr>
-        <a:buSzPct val="70000"/>
-        <a:buFont typeface="Wingdings 2" charset="2"/>
-        <a:buChar char=""/>
-        <a:defRPr sz="1400" kern="1200">
-          <a:ln>
-            <a:solidFill>
-              <a:schemeClr val="bg1">
-                <a:lumMod val="75000"/>
-                <a:lumOff val="25000"/>
-                <a:alpha val="10000"/>
-              </a:schemeClr>
-            </a:solidFill>
-          </a:ln>
+        <a:buSzPct val="80000"/>
+        <a:buFont typeface="Wingdings 3" charset="2"/>
+        <a:buChar char=""/>
+        <a:defRPr sz="1400" b="0" i="0" kern="1200">
           <a:solidFill>
-            <a:schemeClr val="tx2"/>
+            <a:schemeClr val="tx1"/>
           </a:solidFill>
-          <a:effectLst>
-            <a:outerShdw blurRad="9525" dist="25400" dir="14640000" algn="tl" rotWithShape="0">
-              <a:schemeClr val="bg1">
-                <a:alpha val="30000"/>
-              </a:schemeClr>
-            </a:outerShdw>
-          </a:effectLst>
-          <a:latin typeface="+mn-lt"/>
-          <a:ea typeface="+mn-ea"/>
-          <a:cs typeface="+mn-cs"/>
+          <a:latin typeface="+mj-lt"/>
+          <a:ea typeface="+mj-ea"/>
+          <a:cs typeface="+mj-cs"/>
         </a:defRPr>
       </a:lvl8pPr>
-      <a:lvl9pPr marL="3106200" indent="-228600" algn="l" defTabSz="457200" rtl="0" eaLnBrk="1" latinLnBrk="0" hangingPunct="1">
+      <a:lvl9pPr marL="3886264" indent="-228604" algn="l" defTabSz="457207" rtl="0" eaLnBrk="1" latinLnBrk="0" hangingPunct="1">
         <a:spcBef>
-          <a:spcPct val="20000"/>
+          <a:spcPts val="1000"/>
         </a:spcBef>
         <a:spcAft>
-          <a:spcPts val="600"/>
+          <a:spcPts val="0"/>
         </a:spcAft>
         <a:buClr>
-          <a:schemeClr val="tx2"/>
+          <a:schemeClr val="bg2">
+            <a:lumMod val="40000"/>
+            <a:lumOff val="60000"/>
+          </a:schemeClr>
         </a:buClr>
-        <a:buSzPct val="70000"/>
-        <a:buFont typeface="Wingdings 2" charset="2"/>
-        <a:buChar char=""/>
-        <a:defRPr sz="1400" kern="1200">
-          <a:ln>
-            <a:solidFill>
-              <a:schemeClr val="bg1">
-                <a:lumMod val="75000"/>
-                <a:lumOff val="25000"/>
-                <a:alpha val="10000"/>
-              </a:schemeClr>
-            </a:solidFill>
-          </a:ln>
+        <a:buSzPct val="80000"/>
+        <a:buFont typeface="Wingdings 3" charset="2"/>
+        <a:buChar char=""/>
+        <a:defRPr sz="1400" b="0" i="0" kern="1200">
           <a:solidFill>
-            <a:schemeClr val="tx2"/>
+            <a:schemeClr val="tx1"/>
           </a:solidFill>
-          <a:effectLst>
-            <a:outerShdw blurRad="9525" dist="25400" dir="14640000" algn="tl" rotWithShape="0">
-              <a:schemeClr val="bg1">
-                <a:alpha val="30000"/>
-              </a:schemeClr>
-            </a:outerShdw>
-          </a:effectLst>
-          <a:latin typeface="+mn-lt"/>
-          <a:ea typeface="+mn-ea"/>
-          <a:cs typeface="+mn-cs"/>
+          <a:latin typeface="+mj-lt"/>
+          <a:ea typeface="+mj-ea"/>
+          <a:cs typeface="+mj-cs"/>
         </a:defRPr>
       </a:lvl9pPr>
     </p:bodyStyle>
@@ -6304,7 +6796,7 @@
       <a:defPPr>
         <a:defRPr lang="en-US"/>
       </a:defPPr>
-      <a:lvl1pPr marL="0" algn="l" defTabSz="457200" rtl="0" eaLnBrk="1" latinLnBrk="0" hangingPunct="1">
+      <a:lvl1pPr marL="0" algn="l" defTabSz="457207" rtl="0" eaLnBrk="1" latinLnBrk="0" hangingPunct="1">
         <a:defRPr sz="1800" kern="1200">
           <a:solidFill>
             <a:schemeClr val="tx1"/>
@@ -6314,7 +6806,7 @@
           <a:cs typeface="+mn-cs"/>
         </a:defRPr>
       </a:lvl1pPr>
-      <a:lvl2pPr marL="457200" algn="l" defTabSz="457200" rtl="0" eaLnBrk="1" latinLnBrk="0" hangingPunct="1">
+      <a:lvl2pPr marL="457207" algn="l" defTabSz="457207" rtl="0" eaLnBrk="1" latinLnBrk="0" hangingPunct="1">
         <a:defRPr sz="1800" kern="1200">
           <a:solidFill>
             <a:schemeClr val="tx1"/>
@@ -6324,7 +6816,7 @@
           <a:cs typeface="+mn-cs"/>
         </a:defRPr>
       </a:lvl2pPr>
-      <a:lvl3pPr marL="914400" algn="l" defTabSz="457200" rtl="0" eaLnBrk="1" latinLnBrk="0" hangingPunct="1">
+      <a:lvl3pPr marL="914415" algn="l" defTabSz="457207" rtl="0" eaLnBrk="1" latinLnBrk="0" hangingPunct="1">
         <a:defRPr sz="1800" kern="1200">
           <a:solidFill>
             <a:schemeClr val="tx1"/>
@@ -6334,7 +6826,7 @@
           <a:cs typeface="+mn-cs"/>
         </a:defRPr>
       </a:lvl3pPr>
-      <a:lvl4pPr marL="1371600" algn="l" defTabSz="457200" rtl="0" eaLnBrk="1" latinLnBrk="0" hangingPunct="1">
+      <a:lvl4pPr marL="1371622" algn="l" defTabSz="457207" rtl="0" eaLnBrk="1" latinLnBrk="0" hangingPunct="1">
         <a:defRPr sz="1800" kern="1200">
           <a:solidFill>
             <a:schemeClr val="tx1"/>
@@ -6344,7 +6836,7 @@
           <a:cs typeface="+mn-cs"/>
         </a:defRPr>
       </a:lvl4pPr>
-      <a:lvl5pPr marL="1828800" algn="l" defTabSz="457200" rtl="0" eaLnBrk="1" latinLnBrk="0" hangingPunct="1">
+      <a:lvl5pPr marL="1828831" algn="l" defTabSz="457207" rtl="0" eaLnBrk="1" latinLnBrk="0" hangingPunct="1">
         <a:defRPr sz="1800" kern="1200">
           <a:solidFill>
             <a:schemeClr val="tx1"/>
@@ -6354,7 +6846,7 @@
           <a:cs typeface="+mn-cs"/>
         </a:defRPr>
       </a:lvl5pPr>
-      <a:lvl6pPr marL="2286000" algn="l" defTabSz="457200" rtl="0" eaLnBrk="1" latinLnBrk="0" hangingPunct="1">
+      <a:lvl6pPr marL="2286038" algn="l" defTabSz="457207" rtl="0" eaLnBrk="1" latinLnBrk="0" hangingPunct="1">
         <a:defRPr sz="1800" kern="1200">
           <a:solidFill>
             <a:schemeClr val="tx1"/>
@@ -6364,7 +6856,7 @@
           <a:cs typeface="+mn-cs"/>
         </a:defRPr>
       </a:lvl6pPr>
-      <a:lvl7pPr marL="2743200" algn="l" defTabSz="457200" rtl="0" eaLnBrk="1" latinLnBrk="0" hangingPunct="1">
+      <a:lvl7pPr marL="2743246" algn="l" defTabSz="457207" rtl="0" eaLnBrk="1" latinLnBrk="0" hangingPunct="1">
         <a:defRPr sz="1800" kern="1200">
           <a:solidFill>
             <a:schemeClr val="tx1"/>
@@ -6374,7 +6866,7 @@
           <a:cs typeface="+mn-cs"/>
         </a:defRPr>
       </a:lvl7pPr>
-      <a:lvl8pPr marL="3200400" algn="l" defTabSz="457200" rtl="0" eaLnBrk="1" latinLnBrk="0" hangingPunct="1">
+      <a:lvl8pPr marL="3200453" algn="l" defTabSz="457207" rtl="0" eaLnBrk="1" latinLnBrk="0" hangingPunct="1">
         <a:defRPr sz="1800" kern="1200">
           <a:solidFill>
             <a:schemeClr val="tx1"/>
@@ -6384,7 +6876,7 @@
           <a:cs typeface="+mn-cs"/>
         </a:defRPr>
       </a:lvl8pPr>
-      <a:lvl9pPr marL="3657600" algn="l" defTabSz="457200" rtl="0" eaLnBrk="1" latinLnBrk="0" hangingPunct="1">
+      <a:lvl9pPr marL="3657661" algn="l" defTabSz="457207" rtl="0" eaLnBrk="1" latinLnBrk="0" hangingPunct="1">
         <a:defRPr sz="1800" kern="1200">
           <a:solidFill>
             <a:schemeClr val="tx1"/>
@@ -6402,26 +6894,6 @@
 <file path=ppt/slides/slide1.xml><?xml version="1.0" encoding="utf-8"?>
 <p:sld xmlns:a="http://schemas.openxmlformats.org/drawingml/2006/main" xmlns:r="http://schemas.openxmlformats.org/officeDocument/2006/relationships" xmlns:p="http://schemas.openxmlformats.org/presentationml/2006/main">
   <p:cSld>
-    <p:bg>
-      <p:bgPr>
-        <a:blipFill rotWithShape="1">
-          <a:blip r:embed="rId2">
-            <a:duotone>
-              <a:schemeClr val="bg2">
-                <a:shade val="80000"/>
-                <a:lumMod val="80000"/>
-              </a:schemeClr>
-              <a:schemeClr val="bg2">
-                <a:tint val="98000"/>
-              </a:schemeClr>
-            </a:duotone>
-            <a:extLst/>
-          </a:blip>
-          <a:stretch/>
-        </a:blipFill>
-        <a:effectLst/>
-      </p:bgPr>
-    </p:bg>
     <p:spTree>
       <p:nvGrpSpPr>
         <p:cNvPr id="1" name=""/>
@@ -6436,50 +6908,6 @@
           <a:chExt cx="0" cy="0"/>
         </a:xfrm>
       </p:grpSpPr>
-      <p:pic>
-        <p:nvPicPr>
-          <p:cNvPr id="15" name="Picture 14">
-            <a:extLst>
-              <a:ext uri="{FF2B5EF4-FFF2-40B4-BE49-F238E27FC236}">
-                <a16:creationId xmlns:a16="http://schemas.microsoft.com/office/drawing/2014/main" id="{921F6D7D-004A-4CAE-B291-06EF058C4AC6}"/>
-              </a:ext>
-              <a:ext uri="{C183D7F6-B498-43B3-948B-1728B52AA6E4}">
-                <adec:decorative xmlns:adec="http://schemas.microsoft.com/office/drawing/2017/decorative" val="1"/>
-              </a:ext>
-            </a:extLst>
-          </p:cNvPr>
-          <p:cNvPicPr>
-            <a:picLocks noGrp="1" noRot="1" noChangeAspect="1" noMove="1" noResize="1" noEditPoints="1" noAdjustHandles="1" noChangeArrowheads="1" noChangeShapeType="1" noCrop="1"/>
-          </p:cNvPicPr>
-          <p:nvPr>
-            <p:extLst>
-              <p:ext uri="{386F3935-93C4-4BCD-93E2-E3B085C9AB24}">
-                <p16:designElem xmlns:p16="http://schemas.microsoft.com/office/powerpoint/2015/main" val="1"/>
-              </p:ext>
-            </p:extLst>
-          </p:nvPr>
-        </p:nvPicPr>
-        <p:blipFill rotWithShape="1">
-          <a:blip r:embed="rId3">
-            <a:extLst>
-              <a:ext uri="{28A0092B-C50C-407E-A947-70E740481C1C}">
-                <a14:useLocalDpi xmlns:a14="http://schemas.microsoft.com/office/drawing/2010/main" val="0"/>
-              </a:ext>
-            </a:extLst>
-          </a:blip>
-          <a:srcRect t="964" r="2807" b="1446"/>
-          <a:stretch/>
-        </p:blipFill>
-        <p:spPr>
-          <a:xfrm>
-            <a:off x="-7986" y="1"/>
-            <a:ext cx="3517898" cy="6858000"/>
-          </a:xfrm>
-          <a:prstGeom prst="rect">
-            <a:avLst/>
-          </a:prstGeom>
-        </p:spPr>
-      </p:pic>
       <p:sp>
         <p:nvSpPr>
           <p:cNvPr id="11" name="Rectángulo 10">
@@ -6494,8 +6922,8 @@
         </p:nvSpPr>
         <p:spPr>
           <a:xfrm>
-            <a:off x="3841426" y="1772816"/>
-            <a:ext cx="4205289" cy="2585323"/>
+            <a:off x="611560" y="1052736"/>
+            <a:ext cx="5771134" cy="1754326"/>
           </a:xfrm>
           <a:prstGeom prst="rect">
             <a:avLst/>
@@ -6534,10 +6962,10 @@
       </p:sp>
       <p:pic>
         <p:nvPicPr>
-          <p:cNvPr id="16" name="Imagen 15" descr="Imagen que contiene electrónica&#10;&#10;Descripción generada automáticamente">
+          <p:cNvPr id="3" name="Imagen 2">
             <a:extLst>
               <a:ext uri="{FF2B5EF4-FFF2-40B4-BE49-F238E27FC236}">
-                <a16:creationId xmlns:a16="http://schemas.microsoft.com/office/drawing/2014/main" id="{B6F317FA-913E-4883-A015-D11A0259DED7}"/>
+                <a16:creationId xmlns:a16="http://schemas.microsoft.com/office/drawing/2014/main" id="{5A67588E-D1A5-4959-BAF6-08725ECD5393}"/>
               </a:ext>
             </a:extLst>
           </p:cNvPr>
@@ -6547,7 +6975,7 @@
           <p:nvPr/>
         </p:nvPicPr>
         <p:blipFill>
-          <a:blip r:embed="rId4">
+          <a:blip r:embed="rId2">
             <a:extLst>
               <a:ext uri="{28A0092B-C50C-407E-A947-70E740481C1C}">
                 <a14:useLocalDpi xmlns:a14="http://schemas.microsoft.com/office/drawing/2010/main" val="0"/>
@@ -6560,8 +6988,8 @@
         </p:blipFill>
         <p:spPr>
           <a:xfrm>
-            <a:off x="467545" y="692696"/>
-            <a:ext cx="2664296" cy="4662517"/>
+            <a:off x="3131840" y="3212976"/>
+            <a:ext cx="5619331" cy="3458050"/>
           </a:xfrm>
           <a:prstGeom prst="rect">
             <a:avLst/>
@@ -6578,6 +7006,18 @@
   <p:clrMapOvr>
     <a:masterClrMapping/>
   </p:clrMapOvr>
+  <mc:AlternateContent xmlns:mc="http://schemas.openxmlformats.org/markup-compatibility/2006">
+    <mc:Choice xmlns:p159="http://schemas.microsoft.com/office/powerpoint/2015/09/main" Requires="p159">
+      <p:transition xmlns:p14="http://schemas.microsoft.com/office/powerpoint/2010/main" spd="slow" p14:dur="2000">
+        <p159:morph option="byObject"/>
+      </p:transition>
+    </mc:Choice>
+    <mc:Fallback>
+      <p:transition spd="slow">
+        <p:fade/>
+      </p:transition>
+    </mc:Fallback>
+  </mc:AlternateContent>
 </p:sld>
 </file>
 
@@ -6607,7 +7047,7 @@
         <p:spPr>
           <a:xfrm>
             <a:off x="899592" y="1268760"/>
-            <a:ext cx="7560840" cy="3416320"/>
+            <a:ext cx="7560840" cy="4247317"/>
           </a:xfrm>
           <a:prstGeom prst="rect">
             <a:avLst/>
@@ -6620,21 +7060,72 @@
           <a:lstStyle/>
           <a:p>
             <a:r>
-              <a:rPr lang="es-CO" b="1" dirty="0"/>
+              <a:rPr lang="es-CO" b="1" dirty="0">
+                <a:solidFill>
+                  <a:schemeClr val="bg1"/>
+                </a:solidFill>
+              </a:rPr>
               <a:t>Cortafuegos (Firewall) </a:t>
             </a:r>
           </a:p>
           <a:p>
             <a:r>
-              <a:rPr lang="es-CO" dirty="0"/>
+              <a:rPr lang="es-CO" dirty="0">
+                <a:solidFill>
+                  <a:schemeClr val="bg1"/>
+                </a:solidFill>
+              </a:rPr>
               <a:t> </a:t>
             </a:r>
           </a:p>
           <a:p>
             <a:r>
-              <a:rPr lang="es-CO" dirty="0"/>
-              <a:t>Un cortafuegos (o firewall en inglés) es un elemento de hardware o software que se utiliza en una red de computadoras para controlar las comunicaciones, permitiéndolas o prohibiéndolas según las políticas de red que haya definido la organización responsable de la red. Su modo de funcionar es indicado por la recomendación RFC 2979, que define las características de comportamiento y requerimientos de interoperabilidad. La ubicación habitual de un cortafuegos es el punto de conexión de la red interna de la organización con la red exterior, que normalmente es Internet; de este modo se protege la red interna de intentos de acceso no autorizados desde Internet, que puedan aprovechar vulnerabilidades de los sistemas de la red interna. </a:t>
-            </a:r>
+              <a:rPr lang="es-ES" dirty="0">
+                <a:solidFill>
+                  <a:schemeClr val="bg1"/>
+                </a:solidFill>
+              </a:rPr>
+              <a:t>Esta esta diseñada para bloquear accesos no autorizados ,pero esta permite tener comunicación de manera autorizada. </a:t>
+            </a:r>
+          </a:p>
+          <a:p>
+            <a:endParaRPr lang="es-ES" dirty="0">
+              <a:solidFill>
+                <a:schemeClr val="bg1"/>
+              </a:solidFill>
+            </a:endParaRPr>
+          </a:p>
+          <a:p>
+            <a:r>
+              <a:rPr lang="es-ES" dirty="0">
+                <a:solidFill>
+                  <a:schemeClr val="bg1"/>
+                </a:solidFill>
+              </a:rPr>
+              <a:t>Este puede ser implementado en software y hardware o en una combinación de las dos, este es utilizado constantemente para no permitir que usuario externos de empresas o instituciones tenga acceso a las redes privadas conectadas a la intranets. </a:t>
+            </a:r>
+          </a:p>
+          <a:p>
+            <a:endParaRPr lang="es-ES" dirty="0">
+              <a:solidFill>
+                <a:schemeClr val="bg1"/>
+              </a:solidFill>
+            </a:endParaRPr>
+          </a:p>
+          <a:p>
+            <a:r>
+              <a:rPr lang="es-ES" dirty="0">
+                <a:solidFill>
+                  <a:schemeClr val="bg1"/>
+                </a:solidFill>
+              </a:rPr>
+              <a:t>El intercambio de información entre la intranets salgan o ingrese información el intermedio es el Firewall debido a que este evalúa la información y la que nos es correcta con los criterios de seguridad se bloqueara esta red y no permitirá el intercambio de información. </a:t>
+            </a:r>
+            <a:endParaRPr lang="es-CO" dirty="0">
+              <a:solidFill>
+                <a:schemeClr val="bg1"/>
+              </a:solidFill>
+            </a:endParaRPr>
           </a:p>
         </p:txBody>
       </p:sp>
@@ -6648,6 +7139,18 @@
   <p:clrMapOvr>
     <a:masterClrMapping/>
   </p:clrMapOvr>
+  <mc:AlternateContent xmlns:mc="http://schemas.openxmlformats.org/markup-compatibility/2006">
+    <mc:Choice xmlns:p15="http://schemas.microsoft.com/office/powerpoint/2012/main" Requires="p15">
+      <p:transition xmlns:p14="http://schemas.microsoft.com/office/powerpoint/2010/main" spd="slow" p14:dur="2000">
+        <p15:prstTrans prst="crush"/>
+      </p:transition>
+    </mc:Choice>
+    <mc:Fallback>
+      <p:transition spd="slow">
+        <p:fade/>
+      </p:transition>
+    </mc:Fallback>
+  </mc:AlternateContent>
 </p:sld>
 </file>
 
@@ -6677,7 +7180,7 @@
         <p:spPr>
           <a:xfrm>
             <a:off x="539552" y="836712"/>
-            <a:ext cx="7776864" cy="4247317"/>
+            <a:ext cx="7776864" cy="5632311"/>
           </a:xfrm>
           <a:prstGeom prst="rect">
             <a:avLst/>
@@ -6690,39 +7193,218 @@
           <a:lstStyle/>
           <a:p>
             <a:r>
-              <a:rPr lang="es-CO" dirty="0"/>
-              <a:t>La instalación y uso de firewall tiene ventajas que repercuten en la seguridad general del sistema informático: </a:t>
-            </a:r>
-          </a:p>
-          <a:p>
-            <a:r>
-              <a:rPr lang="es-CO" dirty="0"/>
-              <a:t> </a:t>
-            </a:r>
-          </a:p>
-          <a:p>
-            <a:r>
-              <a:rPr lang="es-CO" dirty="0"/>
-              <a:t>•Protege de intrusiones.- El acceso a ciertos segmentos de la red de una organización sólo se permite desde máquinas autorizadas de otros segmentos de la organización o de Internet. </a:t>
-            </a:r>
-          </a:p>
-          <a:p>
-            <a:endParaRPr lang="es-CO" dirty="0"/>
-          </a:p>
-          <a:p>
-            <a:r>
-              <a:rPr lang="es-CO" dirty="0"/>
-              <a:t>•Protección  de  información  privada.-  Permite  definir  distintos  niveles  de  acceso  a  la información, de manera que en una organización cada grupo de usuarios definido tendrá acceso sólo a los servicios y la información que le son estrictamente necesarios. </a:t>
-            </a:r>
-          </a:p>
-          <a:p>
-            <a:endParaRPr lang="es-CO" dirty="0"/>
-          </a:p>
-          <a:p>
-            <a:r>
-              <a:rPr lang="es-CO" dirty="0"/>
-              <a:t>•Optimización de acceso.- Identifica los elementos de la red internos y optimiza que la comunicación entre ellos sea más directa. Esto ayuda a reconfigurar los parámetros de seguridad. </a:t>
-            </a:r>
+              <a:rPr lang="es-CO" dirty="0">
+                <a:solidFill>
+                  <a:schemeClr val="bg1"/>
+                </a:solidFill>
+              </a:rPr>
+              <a:t>Ventajas y Desventajas de usar un Firewall</a:t>
+            </a:r>
+          </a:p>
+          <a:p>
+            <a:endParaRPr lang="es-ES" dirty="0">
+              <a:solidFill>
+                <a:schemeClr val="bg1"/>
+              </a:solidFill>
+            </a:endParaRPr>
+          </a:p>
+          <a:p>
+            <a:r>
+              <a:rPr lang="es-ES" b="1" dirty="0">
+                <a:solidFill>
+                  <a:schemeClr val="bg1"/>
+                </a:solidFill>
+              </a:rPr>
+              <a:t>V</a:t>
+            </a:r>
+            <a:r>
+              <a:rPr lang="es-CO" b="1" dirty="0">
+                <a:solidFill>
+                  <a:schemeClr val="bg1"/>
+                </a:solidFill>
+              </a:rPr>
+              <a:t>entajas: </a:t>
+            </a:r>
+          </a:p>
+          <a:p>
+            <a:endParaRPr lang="es-CO" dirty="0">
+              <a:solidFill>
+                <a:schemeClr val="bg1"/>
+              </a:solidFill>
+            </a:endParaRPr>
+          </a:p>
+          <a:p>
+            <a:pPr marL="285750" indent="-285750">
+              <a:buFont typeface="Wingdings" panose="05000000000000000000" pitchFamily="2" charset="2"/>
+              <a:buChar char="Ø"/>
+            </a:pPr>
+            <a:r>
+              <a:rPr lang="es-ES" dirty="0">
+                <a:solidFill>
+                  <a:schemeClr val="bg1"/>
+                </a:solidFill>
+              </a:rPr>
+              <a:t>La protección de la información personal.</a:t>
+            </a:r>
+          </a:p>
+          <a:p>
+            <a:pPr marL="285750" indent="-285750">
+              <a:buFont typeface="Wingdings" panose="05000000000000000000" pitchFamily="2" charset="2"/>
+              <a:buChar char="Ø"/>
+            </a:pPr>
+            <a:r>
+              <a:rPr lang="es-ES" dirty="0">
+                <a:solidFill>
+                  <a:schemeClr val="bg1"/>
+                </a:solidFill>
+              </a:rPr>
+              <a:t>Se define los protocolos a utilizar optimizando el acceso.</a:t>
+            </a:r>
+          </a:p>
+          <a:p>
+            <a:pPr marL="285750" indent="-285750">
+              <a:buFont typeface="Wingdings" panose="05000000000000000000" pitchFamily="2" charset="2"/>
+              <a:buChar char="Ø"/>
+            </a:pPr>
+            <a:r>
+              <a:rPr lang="es-ES" dirty="0">
+                <a:solidFill>
+                  <a:schemeClr val="bg1"/>
+                </a:solidFill>
+              </a:rPr>
+              <a:t>Protección de usuarios externos delimitando su acceso.</a:t>
+            </a:r>
+          </a:p>
+          <a:p>
+            <a:pPr marL="285750" indent="-285750">
+              <a:buFont typeface="Wingdings" panose="05000000000000000000" pitchFamily="2" charset="2"/>
+              <a:buChar char="Ø"/>
+            </a:pPr>
+            <a:r>
+              <a:rPr lang="es-ES" dirty="0">
+                <a:solidFill>
+                  <a:schemeClr val="bg1"/>
+                </a:solidFill>
+              </a:rPr>
+              <a:t>Protección de ataques realizadas desde redes externas. </a:t>
+            </a:r>
+          </a:p>
+          <a:p>
+            <a:pPr marL="285750" indent="-285750">
+              <a:buFont typeface="Wingdings" panose="05000000000000000000" pitchFamily="2" charset="2"/>
+              <a:buChar char="Ø"/>
+            </a:pPr>
+            <a:r>
+              <a:rPr lang="es-ES" dirty="0">
+                <a:solidFill>
+                  <a:schemeClr val="bg1"/>
+                </a:solidFill>
+              </a:rPr>
+              <a:t>Protección de paginas o material inapropiado.</a:t>
+            </a:r>
+          </a:p>
+          <a:p>
+            <a:pPr marL="285750" indent="-285750">
+              <a:buFont typeface="Wingdings" panose="05000000000000000000" pitchFamily="2" charset="2"/>
+              <a:buChar char="Ø"/>
+            </a:pPr>
+            <a:r>
+              <a:rPr lang="es-ES" dirty="0">
+                <a:solidFill>
+                  <a:schemeClr val="bg1"/>
+                </a:solidFill>
+              </a:rPr>
+              <a:t>Registro y control de los servicios utilizados para usar internet o otros conceptos o protocolos que se definan.</a:t>
+            </a:r>
+          </a:p>
+          <a:p>
+            <a:pPr marL="285750" indent="-285750">
+              <a:buFont typeface="Wingdings" panose="05000000000000000000" pitchFamily="2" charset="2"/>
+              <a:buChar char="Ø"/>
+            </a:pPr>
+            <a:endParaRPr lang="es-ES" dirty="0">
+              <a:solidFill>
+                <a:schemeClr val="bg1"/>
+              </a:solidFill>
+            </a:endParaRPr>
+          </a:p>
+          <a:p>
+            <a:r>
+              <a:rPr lang="es-ES" b="1" dirty="0">
+                <a:solidFill>
+                  <a:schemeClr val="bg1"/>
+                </a:solidFill>
+              </a:rPr>
+              <a:t>Desventajas:</a:t>
+            </a:r>
+          </a:p>
+          <a:p>
+            <a:endParaRPr lang="es-ES" dirty="0">
+              <a:solidFill>
+                <a:schemeClr val="bg1"/>
+              </a:solidFill>
+            </a:endParaRPr>
+          </a:p>
+          <a:p>
+            <a:pPr marL="285750" indent="-285750">
+              <a:buFont typeface="Wingdings" panose="05000000000000000000" pitchFamily="2" charset="2"/>
+              <a:buChar char="ü"/>
+            </a:pPr>
+            <a:r>
+              <a:rPr lang="es-ES" dirty="0">
+                <a:solidFill>
+                  <a:schemeClr val="bg1"/>
+                </a:solidFill>
+              </a:rPr>
+              <a:t>No identifica ataques que no pasen por la red del Firewall</a:t>
+            </a:r>
+          </a:p>
+          <a:p>
+            <a:pPr marL="285750" indent="-285750">
+              <a:buFont typeface="Wingdings" panose="05000000000000000000" pitchFamily="2" charset="2"/>
+              <a:buChar char="ü"/>
+            </a:pPr>
+            <a:r>
+              <a:rPr lang="es-ES" dirty="0">
+                <a:solidFill>
+                  <a:schemeClr val="bg1"/>
+                </a:solidFill>
+              </a:rPr>
+              <a:t>No protege de la copia de seguridad de tu información si han tenido acceso a ella.</a:t>
+            </a:r>
+          </a:p>
+          <a:p>
+            <a:pPr marL="285750" indent="-285750">
+              <a:buFont typeface="Wingdings" panose="05000000000000000000" pitchFamily="2" charset="2"/>
+              <a:buChar char="ü"/>
+            </a:pPr>
+            <a:r>
+              <a:rPr lang="es-ES" dirty="0">
+                <a:solidFill>
+                  <a:schemeClr val="bg1"/>
+                </a:solidFill>
+              </a:rPr>
+              <a:t>No protege usuarios descuidados de amenazas y ataques.</a:t>
+            </a:r>
+            <a:endParaRPr lang="es-CO" dirty="0">
+              <a:solidFill>
+                <a:schemeClr val="bg1"/>
+              </a:solidFill>
+            </a:endParaRPr>
+          </a:p>
+          <a:p>
+            <a:endParaRPr lang="es-CO" dirty="0">
+              <a:solidFill>
+                <a:schemeClr val="bg1"/>
+              </a:solidFill>
+            </a:endParaRPr>
+          </a:p>
+          <a:p>
+            <a:endParaRPr lang="es-CO" dirty="0">
+              <a:solidFill>
+                <a:schemeClr val="bg1"/>
+              </a:solidFill>
+            </a:endParaRPr>
           </a:p>
         </p:txBody>
       </p:sp>
@@ -6736,6 +7418,18 @@
   <p:clrMapOvr>
     <a:masterClrMapping/>
   </p:clrMapOvr>
+  <mc:AlternateContent xmlns:mc="http://schemas.openxmlformats.org/markup-compatibility/2006">
+    <mc:Choice xmlns:p15="http://schemas.microsoft.com/office/powerpoint/2012/main" Requires="p15">
+      <p:transition xmlns:p14="http://schemas.microsoft.com/office/powerpoint/2010/main" spd="slow" p14:dur="2000">
+        <p15:prstTrans prst="fracture"/>
+      </p:transition>
+    </mc:Choice>
+    <mc:Fallback>
+      <p:transition spd="slow">
+        <p:fade/>
+      </p:transition>
+    </mc:Fallback>
+  </mc:AlternateContent>
 </p:sld>
 </file>
 
@@ -6765,7 +7459,7 @@
         <p:spPr>
           <a:xfrm>
             <a:off x="755576" y="620688"/>
-            <a:ext cx="7272808" cy="4524315"/>
+            <a:ext cx="7272808" cy="5078313"/>
           </a:xfrm>
           <a:prstGeom prst="rect">
             <a:avLst/>
@@ -6778,57 +7472,199 @@
           <a:lstStyle/>
           <a:p>
             <a:r>
-              <a:rPr lang="es-CO" b="1" dirty="0"/>
+              <a:rPr lang="es-CO" b="1" dirty="0">
+                <a:solidFill>
+                  <a:schemeClr val="bg1"/>
+                </a:solidFill>
+              </a:rPr>
               <a:t>Navegadores Web </a:t>
             </a:r>
           </a:p>
           <a:p>
             <a:r>
-              <a:rPr lang="es-CO" dirty="0"/>
+              <a:rPr lang="es-CO" dirty="0">
+                <a:solidFill>
+                  <a:schemeClr val="bg1"/>
+                </a:solidFill>
+              </a:rPr>
               <a:t> </a:t>
             </a:r>
           </a:p>
           <a:p>
-            <a:pPr algn="just"/>
-            <a:r>
-              <a:rPr lang="es-CO" dirty="0"/>
-              <a:t>Un navegador web (del inglés, web browser) es una aplicación software que permite al usuario recuperar y visualizar documentos de hipertexto, comúnmente descritos en HTML, desde servidores web de todo el mundo a través de Internet</a:t>
-            </a:r>
-          </a:p>
-          <a:p>
-            <a:pPr algn="just"/>
-            <a:endParaRPr lang="es-CO" dirty="0"/>
-          </a:p>
-          <a:p>
-            <a:pPr algn="just"/>
-            <a:r>
-              <a:rPr lang="es-CO" dirty="0"/>
-              <a:t>Usar un navegador seguro y mantenerlo actualizado proporciona una base de seguridad mínima que facilita el trabajo a otros programas como antivirus o firewalls. </a:t>
-            </a:r>
-          </a:p>
-          <a:p>
-            <a:pPr algn="just"/>
-            <a:endParaRPr lang="es-CO" dirty="0"/>
-          </a:p>
-          <a:p>
-            <a:pPr marL="285750" indent="-285750" algn="just">
-              <a:buFont typeface="Arial" panose="020B0604020202020204" pitchFamily="34" charset="0"/>
-              <a:buChar char="•"/>
+            <a:r>
+              <a:rPr lang="es-ES" dirty="0">
+                <a:solidFill>
+                  <a:schemeClr val="bg1"/>
+                </a:solidFill>
+              </a:rPr>
+              <a:t>E</a:t>
+            </a:r>
+            <a:r>
+              <a:rPr lang="es-CO" dirty="0">
+                <a:solidFill>
+                  <a:schemeClr val="bg1"/>
+                </a:solidFill>
+              </a:rPr>
+              <a:t>s una aplicación que permite a los usuarios acceder, buscar información y navegar en los diferentes productos y servicios que ofrecen estos sitios. </a:t>
+            </a:r>
+          </a:p>
+          <a:p>
+            <a:endParaRPr lang="es-ES" dirty="0">
+              <a:solidFill>
+                <a:schemeClr val="bg1"/>
+              </a:solidFill>
+            </a:endParaRPr>
+          </a:p>
+          <a:p>
+            <a:r>
+              <a:rPr lang="es-ES" dirty="0">
+                <a:solidFill>
+                  <a:schemeClr val="bg1"/>
+                </a:solidFill>
+              </a:rPr>
+              <a:t>E</a:t>
+            </a:r>
+            <a:r>
+              <a:rPr lang="es-CO" dirty="0" err="1">
+                <a:solidFill>
+                  <a:schemeClr val="bg1"/>
+                </a:solidFill>
+              </a:rPr>
+              <a:t>ste</a:t>
+            </a:r>
+            <a:r>
+              <a:rPr lang="es-CO" dirty="0">
+                <a:solidFill>
+                  <a:schemeClr val="bg1"/>
+                </a:solidFill>
+              </a:rPr>
+              <a:t> también es llamado explorador web o </a:t>
+            </a:r>
+            <a:r>
+              <a:rPr lang="es-CO" dirty="0" err="1">
+                <a:solidFill>
+                  <a:schemeClr val="bg1"/>
+                </a:solidFill>
+              </a:rPr>
+              <a:t>bowser</a:t>
+            </a:r>
+            <a:r>
+              <a:rPr lang="es-CO" dirty="0">
+                <a:solidFill>
+                  <a:schemeClr val="bg1"/>
+                </a:solidFill>
+              </a:rPr>
+              <a:t> este sirve para identificar e investigar , evolucionar en la información que contiene un sitio web desde los servidores, que se encuentran en todo el mundo. </a:t>
+            </a:r>
+          </a:p>
+          <a:p>
+            <a:endParaRPr lang="es-ES" dirty="0">
+              <a:solidFill>
+                <a:schemeClr val="bg1"/>
+              </a:solidFill>
+            </a:endParaRPr>
+          </a:p>
+          <a:p>
+            <a:r>
+              <a:rPr lang="es-ES" dirty="0">
+                <a:solidFill>
+                  <a:schemeClr val="bg1"/>
+                </a:solidFill>
+              </a:rPr>
+              <a:t>E</a:t>
+            </a:r>
+            <a:r>
+              <a:rPr lang="es-CO" dirty="0" err="1">
+                <a:solidFill>
+                  <a:schemeClr val="bg1"/>
+                </a:solidFill>
+              </a:rPr>
+              <a:t>jemplo</a:t>
+            </a:r>
+            <a:r>
+              <a:rPr lang="es-CO" dirty="0">
+                <a:solidFill>
+                  <a:schemeClr val="bg1"/>
+                </a:solidFill>
+              </a:rPr>
+              <a:t> de navegadores de Internet:</a:t>
+            </a:r>
+          </a:p>
+          <a:p>
+            <a:endParaRPr lang="es-CO" dirty="0">
+              <a:solidFill>
+                <a:schemeClr val="bg1"/>
+              </a:solidFill>
+            </a:endParaRPr>
+          </a:p>
+          <a:p>
+            <a:pPr marL="285750" indent="-285750">
+              <a:buFont typeface="Wingdings" panose="05000000000000000000" pitchFamily="2" charset="2"/>
+              <a:buChar char="§"/>
             </a:pPr>
             <a:r>
-              <a:rPr lang="es-CO" dirty="0"/>
-              <a:t>Bloqueador de ventanas emergentes </a:t>
-            </a:r>
-          </a:p>
-          <a:p>
-            <a:pPr algn="just"/>
-            <a:endParaRPr lang="es-CO" dirty="0"/>
-          </a:p>
-          <a:p>
-            <a:pPr algn="just"/>
-            <a:r>
-              <a:rPr lang="es-CO" dirty="0"/>
-              <a:t>Un Bloqueador de ventanas emergentes o Anti pop-up es un programa diseñada con el único fin de evitar, bloquear o no mostrar ventanas emergentes. </a:t>
+              <a:rPr lang="es-CO" dirty="0">
+                <a:solidFill>
+                  <a:schemeClr val="bg1"/>
+                </a:solidFill>
+              </a:rPr>
+              <a:t>Google Chrome</a:t>
+            </a:r>
+          </a:p>
+          <a:p>
+            <a:pPr marL="285750" indent="-285750">
+              <a:buFont typeface="Wingdings" panose="05000000000000000000" pitchFamily="2" charset="2"/>
+              <a:buChar char="§"/>
+            </a:pPr>
+            <a:r>
+              <a:rPr lang="es-CO" dirty="0">
+                <a:solidFill>
+                  <a:schemeClr val="bg1"/>
+                </a:solidFill>
+              </a:rPr>
+              <a:t>Opera</a:t>
+            </a:r>
+          </a:p>
+          <a:p>
+            <a:pPr marL="342900" indent="-342900">
+              <a:buFont typeface="Wingdings" panose="05000000000000000000" pitchFamily="2" charset="2"/>
+              <a:buChar char="§"/>
+            </a:pPr>
+            <a:r>
+              <a:rPr lang="es-CO" dirty="0">
+                <a:solidFill>
+                  <a:schemeClr val="bg1"/>
+                </a:solidFill>
+              </a:rPr>
+              <a:t>Firefox</a:t>
+            </a:r>
+          </a:p>
+          <a:p>
+            <a:pPr marL="285750" indent="-285750">
+              <a:buFont typeface="Wingdings" panose="05000000000000000000" pitchFamily="2" charset="2"/>
+              <a:buChar char="§"/>
+            </a:pPr>
+            <a:r>
+              <a:rPr lang="es-CO" dirty="0">
+                <a:solidFill>
+                  <a:schemeClr val="bg1"/>
+                </a:solidFill>
+              </a:rPr>
+              <a:t>Internet Explorer</a:t>
+            </a:r>
+          </a:p>
+          <a:p>
+            <a:pPr marL="285750" indent="-285750">
+              <a:buFont typeface="Wingdings" panose="05000000000000000000" pitchFamily="2" charset="2"/>
+              <a:buChar char="§"/>
+            </a:pPr>
+            <a:r>
+              <a:rPr lang="es-CO" dirty="0">
+                <a:solidFill>
+                  <a:schemeClr val="bg1"/>
+                </a:solidFill>
+              </a:rPr>
+              <a:t>Apple Safari</a:t>
             </a:r>
           </a:p>
         </p:txBody>
@@ -6843,6 +7679,18 @@
   <p:clrMapOvr>
     <a:masterClrMapping/>
   </p:clrMapOvr>
+  <mc:AlternateContent xmlns:mc="http://schemas.openxmlformats.org/markup-compatibility/2006">
+    <mc:Choice xmlns:p14="http://schemas.microsoft.com/office/powerpoint/2010/main" Requires="p14">
+      <p:transition spd="slow" p14:dur="1200">
+        <p:dissolve/>
+      </p:transition>
+    </mc:Choice>
+    <mc:Fallback>
+      <p:transition spd="slow">
+        <p:dissolve/>
+      </p:transition>
+    </mc:Fallback>
+  </mc:AlternateContent>
 </p:sld>
 </file>
 
@@ -6871,8 +7719,8 @@
         </p:nvSpPr>
         <p:spPr>
           <a:xfrm>
-            <a:off x="539552" y="836712"/>
-            <a:ext cx="7776864" cy="5355312"/>
+            <a:off x="467544" y="397401"/>
+            <a:ext cx="7776864" cy="6555641"/>
           </a:xfrm>
           <a:prstGeom prst="rect">
             <a:avLst/>
@@ -6885,54 +7733,79 @@
           <a:lstStyle/>
           <a:p>
             <a:r>
-              <a:rPr lang="es-CO" b="1" dirty="0"/>
+              <a:rPr lang="es-CO" b="1" dirty="0">
+                <a:solidFill>
+                  <a:schemeClr val="bg1"/>
+                </a:solidFill>
+              </a:rPr>
               <a:t>Correo Electrónico y Spam </a:t>
             </a:r>
           </a:p>
           <a:p>
-            <a:r>
-              <a:rPr lang="es-CO" dirty="0"/>
-              <a:t> </a:t>
-            </a:r>
-          </a:p>
-          <a:p>
             <a:pPr algn="just"/>
-            <a:r>
-              <a:rPr lang="es-CO" sz="1600" dirty="0"/>
-              <a:t>El principal problema actual es el spam, que se refiere a la recepción de correos no solicitados, normalmente de publicidad engañosa, y en grandes cantidades, promoviendo </a:t>
-            </a:r>
-            <a:r>
-              <a:rPr lang="es-CO" sz="1600" dirty="0" err="1"/>
-              <a:t>Rolex</a:t>
-            </a:r>
-            <a:r>
-              <a:rPr lang="es-CO" sz="1600" dirty="0"/>
-              <a:t>, </a:t>
-            </a:r>
-            <a:r>
-              <a:rPr lang="es-CO" sz="1600" dirty="0" err="1"/>
-              <a:t>Viagra</a:t>
-            </a:r>
-            <a:r>
-              <a:rPr lang="es-CO" sz="1600" dirty="0"/>
-              <a:t>, pornografía y otros productos y servicios de la calidad sospechosa.  Usualmente los mensajes indican como remitente del correo una dirección falsa. Por esta razón, es más difícil localizar a los verdaderos remitentes, y no sirve de nada contestar a los mensajes de Spam: las respuestas serán recibidas por usuarios que nada tienen que ver con ellos. </a:t>
-            </a:r>
+            <a:endParaRPr lang="es-ES" sz="1600" dirty="0">
+              <a:solidFill>
+                <a:schemeClr val="bg1"/>
+              </a:solidFill>
+            </a:endParaRPr>
           </a:p>
           <a:p>
             <a:pPr algn="just"/>
-            <a:endParaRPr lang="es-CO" sz="1600" dirty="0"/>
+            <a:r>
+              <a:rPr lang="es-ES" sz="1600" dirty="0">
+                <a:solidFill>
+                  <a:schemeClr val="bg1"/>
+                </a:solidFill>
+              </a:rPr>
+              <a:t>El correo electrónico es un recurso en el cual nos permite interactuar con mensajes a través de sistemas de comunicación electrónica, este es muy similar al correo postal debido a que ambos permite a una persona enviar y recibir mensajes. </a:t>
+            </a:r>
           </a:p>
           <a:p>
             <a:pPr algn="just"/>
-            <a:r>
-              <a:rPr lang="es-CO" sz="1600" dirty="0"/>
-              <a:t>Además del spam, existen otros problemas que afectan a la seguridad y veracidad de este medio de comunicación: </a:t>
-            </a:r>
+            <a:endParaRPr lang="es-ES" sz="1600" dirty="0">
+              <a:solidFill>
+                <a:schemeClr val="bg1"/>
+              </a:solidFill>
+            </a:endParaRPr>
           </a:p>
           <a:p>
             <a:pPr algn="just"/>
             <a:r>
-              <a:rPr lang="es-CO" sz="1600" dirty="0"/>
+              <a:rPr lang="es-ES" sz="1600" dirty="0">
+                <a:solidFill>
+                  <a:schemeClr val="bg1"/>
+                </a:solidFill>
+              </a:rPr>
+              <a:t>El correo spam son esos correos llamados también como correos basura , la mayoría de veces son sobre publicidad y productos, </a:t>
+            </a:r>
+          </a:p>
+          <a:p>
+            <a:pPr algn="just"/>
+            <a:endParaRPr lang="es-CO" sz="1600" dirty="0">
+              <a:solidFill>
+                <a:schemeClr val="bg1"/>
+              </a:solidFill>
+            </a:endParaRPr>
+          </a:p>
+          <a:p>
+            <a:pPr algn="just"/>
+            <a:r>
+              <a:rPr lang="es-CO" sz="1600" dirty="0">
+                <a:solidFill>
+                  <a:schemeClr val="bg1"/>
+                </a:solidFill>
+              </a:rPr>
+              <a:t>Además del spam, existen otros problemas que afectan a la seguridad:</a:t>
+            </a:r>
+          </a:p>
+          <a:p>
+            <a:pPr algn="just"/>
+            <a:r>
+              <a:rPr lang="es-CO" sz="1600" dirty="0">
+                <a:solidFill>
+                  <a:schemeClr val="bg1"/>
+                </a:solidFill>
+              </a:rPr>
               <a:t> </a:t>
             </a:r>
           </a:p>
@@ -6942,8 +7815,12 @@
               <a:buChar char="•"/>
             </a:pPr>
             <a:r>
-              <a:rPr lang="es-CO" sz="1600" dirty="0"/>
-              <a:t>los virus informáticos, que se propagan mediante ficheros adjuntos infectando el ordenador de quien los abre </a:t>
+              <a:rPr lang="es-CO" sz="1600" dirty="0">
+                <a:solidFill>
+                  <a:schemeClr val="bg1"/>
+                </a:solidFill>
+              </a:rPr>
+              <a:t>los virus informáticos, que se propagan mediante ficheros adjuntos infectando el ordenador de quien los abre el phishing, que son correos fraudulentos que intentan conseguir información bancaria. </a:t>
             </a:r>
           </a:p>
           <a:p>
@@ -6951,18 +7828,11 @@
               <a:buFont typeface="Arial" panose="020B0604020202020204" pitchFamily="34" charset="0"/>
               <a:buChar char="•"/>
             </a:pPr>
-            <a:r>
-              <a:rPr lang="es-CO" sz="1600" dirty="0"/>
-              <a:t>el </a:t>
-            </a:r>
-            <a:r>
-              <a:rPr lang="es-CO" sz="1600" dirty="0" err="1"/>
-              <a:t>phishing</a:t>
-            </a:r>
-            <a:r>
-              <a:rPr lang="es-CO" sz="1600" dirty="0"/>
-              <a:t>, que son correos fraudulentos que intentan conseguir información bancaria </a:t>
-            </a:r>
+            <a:endParaRPr lang="es-CO" sz="1600" dirty="0">
+              <a:solidFill>
+                <a:schemeClr val="bg1"/>
+              </a:solidFill>
+            </a:endParaRPr>
           </a:p>
           <a:p>
             <a:pPr marL="285750" lvl="0" indent="-285750" algn="just" fontAlgn="base">
@@ -6970,16 +7840,28 @@
               <a:buChar char="•"/>
             </a:pPr>
             <a:r>
-              <a:rPr lang="es-CO" sz="1600" dirty="0"/>
-              <a:t>los engaños (</a:t>
-            </a:r>
-            <a:r>
-              <a:rPr lang="es-CO" sz="1600" dirty="0" err="1"/>
+              <a:rPr lang="es-CO" sz="1600" dirty="0">
+                <a:solidFill>
+                  <a:schemeClr val="bg1"/>
+                </a:solidFill>
+              </a:rPr>
+              <a:t>las cadenas de correo electrónico, que consisten en reenviar un mensaje a mucha gente; aunque parece inofensivo, la publicación de listas de direcciones de correo contribuye a la propagación a gran escala del spam y de mensajes con virus, phishing y </a:t>
+            </a:r>
+            <a:r>
+              <a:rPr lang="es-CO" sz="1600" dirty="0" err="1">
+                <a:solidFill>
+                  <a:schemeClr val="bg1"/>
+                </a:solidFill>
+              </a:rPr>
               <a:t>hoax</a:t>
             </a:r>
             <a:r>
-              <a:rPr lang="es-CO" sz="1600" dirty="0"/>
-              <a:t>), que difunden noticias falsas masivamente </a:t>
+              <a:rPr lang="es-CO" sz="1600" dirty="0">
+                <a:solidFill>
+                  <a:schemeClr val="bg1"/>
+                </a:solidFill>
+              </a:rPr>
+              <a:t>. </a:t>
             </a:r>
           </a:p>
           <a:p>
@@ -6987,25 +7869,81 @@
               <a:buFont typeface="Arial" panose="020B0604020202020204" pitchFamily="34" charset="0"/>
               <a:buChar char="•"/>
             </a:pPr>
-            <a:r>
-              <a:rPr lang="es-CO" sz="1600" dirty="0"/>
-              <a:t>las cadenas de correo electrónico, que consisten en reenviar un mensaje a mucha gente; aunque parece inofensivo, la publicación de listas de direcciones de correo contribuye a la propagación a gran escala del spam y de mensajes con virus, </a:t>
-            </a:r>
-            <a:r>
-              <a:rPr lang="es-CO" sz="1600" dirty="0" err="1"/>
-              <a:t>phishing</a:t>
-            </a:r>
-            <a:r>
-              <a:rPr lang="es-CO" sz="1600" dirty="0"/>
-              <a:t> y </a:t>
-            </a:r>
-            <a:r>
-              <a:rPr lang="es-CO" sz="1600" dirty="0" err="1"/>
+            <a:endParaRPr lang="es-CO" sz="1600" dirty="0">
+              <a:solidFill>
+                <a:schemeClr val="bg1"/>
+              </a:solidFill>
+            </a:endParaRPr>
+          </a:p>
+          <a:p>
+            <a:pPr marL="285750" indent="-285750" algn="just" fontAlgn="base">
+              <a:buFont typeface="Arial" panose="020B0604020202020204" pitchFamily="34" charset="0"/>
+              <a:buChar char="•"/>
+            </a:pPr>
+            <a:r>
+              <a:rPr lang="es-CO" sz="1600" dirty="0">
+                <a:solidFill>
+                  <a:schemeClr val="bg1"/>
+                </a:solidFill>
+              </a:rPr>
+              <a:t>los engaños (</a:t>
+            </a:r>
+            <a:r>
+              <a:rPr lang="es-CO" sz="1600" dirty="0" err="1">
+                <a:solidFill>
+                  <a:schemeClr val="bg1"/>
+                </a:solidFill>
+              </a:rPr>
               <a:t>hoax</a:t>
             </a:r>
             <a:r>
-              <a:rPr lang="es-CO" sz="1600" dirty="0"/>
-              <a:t>. </a:t>
+              <a:rPr lang="es-CO" sz="1600" dirty="0">
+                <a:solidFill>
+                  <a:schemeClr val="bg1"/>
+                </a:solidFill>
+              </a:rPr>
+              <a:t>), que difunden noticias falsas masivamente.</a:t>
+            </a:r>
+          </a:p>
+          <a:p>
+            <a:pPr marL="285750" indent="-285750" algn="just" fontAlgn="base">
+              <a:buFont typeface="Arial" panose="020B0604020202020204" pitchFamily="34" charset="0"/>
+              <a:buChar char="•"/>
+            </a:pPr>
+            <a:endParaRPr lang="es-CO" sz="1600" dirty="0">
+              <a:solidFill>
+                <a:schemeClr val="bg1"/>
+              </a:solidFill>
+            </a:endParaRPr>
+          </a:p>
+          <a:p>
+            <a:pPr marL="285750" indent="-285750" algn="just" fontAlgn="base">
+              <a:buFont typeface="Arial" panose="020B0604020202020204" pitchFamily="34" charset="0"/>
+              <a:buChar char="•"/>
+            </a:pPr>
+            <a:r>
+              <a:rPr lang="es-ES" sz="1600" dirty="0">
+                <a:solidFill>
+                  <a:schemeClr val="bg1"/>
+                </a:solidFill>
+              </a:rPr>
+              <a:t>S</a:t>
+            </a:r>
+            <a:r>
+              <a:rPr lang="es-CO" sz="1600" dirty="0" err="1">
+                <a:solidFill>
+                  <a:schemeClr val="bg1"/>
+                </a:solidFill>
+              </a:rPr>
+              <a:t>olicitud</a:t>
+            </a:r>
+            <a:r>
+              <a:rPr lang="es-CO" sz="1600" dirty="0">
+                <a:solidFill>
+                  <a:schemeClr val="bg1"/>
+                </a:solidFill>
+              </a:rPr>
+              <a:t> de ayuda para una situación de emergencia o para cobro de una operación de vida o muerte.</a:t>
             </a:r>
           </a:p>
           <a:p>
@@ -7024,6 +7962,18 @@
   <p:clrMapOvr>
     <a:masterClrMapping/>
   </p:clrMapOvr>
+  <mc:AlternateContent xmlns:mc="http://schemas.openxmlformats.org/markup-compatibility/2006">
+    <mc:Choice xmlns:p15="http://schemas.microsoft.com/office/powerpoint/2012/main" Requires="p15">
+      <p:transition xmlns:p14="http://schemas.microsoft.com/office/powerpoint/2010/main" spd="slow" p14:dur="1250">
+        <p15:prstTrans prst="peelOff"/>
+      </p:transition>
+    </mc:Choice>
+    <mc:Fallback>
+      <p:transition spd="slow">
+        <p:fade/>
+      </p:transition>
+    </mc:Fallback>
+  </mc:AlternateContent>
 </p:sld>
 </file>
 
@@ -7052,8 +8002,8 @@
         </p:nvSpPr>
         <p:spPr>
           <a:xfrm>
-            <a:off x="539552" y="1124744"/>
-            <a:ext cx="7848872" cy="3416320"/>
+            <a:off x="647564" y="332656"/>
+            <a:ext cx="7848872" cy="7294305"/>
           </a:xfrm>
           <a:prstGeom prst="rect">
             <a:avLst/>
@@ -7066,33 +8016,205 @@
           <a:lstStyle/>
           <a:p>
             <a:r>
-              <a:rPr lang="es-CO" b="1" dirty="0"/>
+              <a:rPr lang="es-CO" b="1" dirty="0">
+                <a:solidFill>
+                  <a:schemeClr val="bg1"/>
+                </a:solidFill>
+              </a:rPr>
               <a:t>Servidores FTP </a:t>
             </a:r>
           </a:p>
           <a:p>
-            <a:r>
-              <a:rPr lang="es-CO" dirty="0"/>
-              <a:t> </a:t>
+            <a:endParaRPr lang="es-CO" dirty="0">
+              <a:solidFill>
+                <a:schemeClr val="bg1"/>
+              </a:solidFill>
+            </a:endParaRPr>
+          </a:p>
+          <a:p>
+            <a:r>
+              <a:rPr lang="es-CO" dirty="0">
+                <a:solidFill>
+                  <a:schemeClr val="bg1"/>
+                </a:solidFill>
+              </a:rPr>
+              <a:t>Es el aplicación o programa que se ejecuta en un servidor normalmente conectado a internet o puede estar conectada también a una red LAN , MAC…</a:t>
+            </a:r>
+            <a:r>
+              <a:rPr lang="es-CO" dirty="0" err="1">
+                <a:solidFill>
+                  <a:schemeClr val="bg1"/>
+                </a:solidFill>
+              </a:rPr>
+              <a:t>etc</a:t>
+            </a:r>
+            <a:r>
+              <a:rPr lang="es-CO" dirty="0">
+                <a:solidFill>
+                  <a:schemeClr val="bg1"/>
+                </a:solidFill>
+              </a:rPr>
+              <a:t>, esta permite intercambiar datos de servidores/ordenadores. </a:t>
             </a:r>
           </a:p>
           <a:p>
             <a:pPr algn="just"/>
-            <a:r>
-              <a:rPr lang="es-CO" dirty="0"/>
-              <a:t>Un servidor FTP es un programa especial que se ejecuta en un equipo servidor normalmente conectado a Internet (aunque puede estar conectado a otros tipos de redes, LAN, MAN, etc.). Su función es permitir el intercambio de datos entre diferentes servidores/ordenadores. </a:t>
-            </a:r>
+            <a:endParaRPr lang="es-ES" dirty="0">
+              <a:solidFill>
+                <a:schemeClr val="bg1"/>
+              </a:solidFill>
+            </a:endParaRPr>
           </a:p>
           <a:p>
             <a:pPr algn="just"/>
-            <a:endParaRPr lang="es-CO" dirty="0"/>
+            <a:r>
+              <a:rPr lang="es-ES" dirty="0">
+                <a:solidFill>
+                  <a:schemeClr val="bg1"/>
+                </a:solidFill>
+              </a:rPr>
+              <a:t>L</a:t>
+            </a:r>
+            <a:r>
+              <a:rPr lang="es-CO" dirty="0">
+                <a:solidFill>
+                  <a:schemeClr val="bg1"/>
+                </a:solidFill>
+              </a:rPr>
+              <a:t>a utilización de los servidores FTP sin seguridad no es recomendado, debido a que permite con facilidad el acceso de intrusos que desde el exterior (Internet) al interior de la red de la empresa, este peligro que  se puede representa por fuga de datos sensibles o uso indebido de su sistema informático. </a:t>
+            </a:r>
           </a:p>
           <a:p>
             <a:pPr algn="just"/>
-            <a:r>
-              <a:rPr lang="es-CO" dirty="0"/>
-              <a:t>El uso de servidores FTP sin seguridad no es recomendado, permite con mucha facilidad el acceso de intrusos desde el exterior (Internet) al interior de la red de la empresa con el consiguiente peligro que representa por fuga de datos sensibles o uso indebido de su sistema informático. El anterior mencionado SFTP añade un nivel extra de seguridad y encriptación que lo hacen más recomendable. </a:t>
-            </a:r>
+            <a:endParaRPr lang="es-ES" dirty="0">
+              <a:solidFill>
+                <a:schemeClr val="bg1"/>
+              </a:solidFill>
+            </a:endParaRPr>
+          </a:p>
+          <a:p>
+            <a:pPr algn="just"/>
+            <a:r>
+              <a:rPr lang="es-ES" dirty="0">
+                <a:solidFill>
+                  <a:schemeClr val="bg1"/>
+                </a:solidFill>
+              </a:rPr>
+              <a:t>E</a:t>
+            </a:r>
+            <a:r>
+              <a:rPr lang="es-CO" dirty="0">
+                <a:solidFill>
+                  <a:schemeClr val="bg1"/>
+                </a:solidFill>
+              </a:rPr>
+              <a:t>s importante tener en cuenta  que este proceso intervienen 3 elementos: </a:t>
+            </a:r>
+          </a:p>
+          <a:p>
+            <a:pPr algn="just"/>
+            <a:endParaRPr lang="es-CO" dirty="0">
+              <a:solidFill>
+                <a:schemeClr val="bg1"/>
+              </a:solidFill>
+            </a:endParaRPr>
+          </a:p>
+          <a:p>
+            <a:r>
+              <a:rPr lang="es-ES" b="1" dirty="0">
+                <a:solidFill>
+                  <a:schemeClr val="bg1"/>
+                </a:solidFill>
+              </a:rPr>
+              <a:t>El servidor FTP: </a:t>
+            </a:r>
+            <a:r>
+              <a:rPr lang="es-ES" dirty="0">
+                <a:solidFill>
+                  <a:schemeClr val="bg1"/>
+                </a:solidFill>
+              </a:rPr>
+              <a:t> donde subiremos / descargamos archivos.</a:t>
+            </a:r>
+          </a:p>
+          <a:p>
+            <a:endParaRPr lang="es-ES" dirty="0">
+              <a:solidFill>
+                <a:schemeClr val="bg1"/>
+              </a:solidFill>
+            </a:endParaRPr>
+          </a:p>
+          <a:p>
+            <a:r>
+              <a:rPr lang="es-ES" b="1" dirty="0">
+                <a:solidFill>
+                  <a:schemeClr val="bg1"/>
+                </a:solidFill>
+              </a:rPr>
+              <a:t>Usuario 1 </a:t>
+            </a:r>
+            <a:r>
+              <a:rPr lang="es-ES" dirty="0">
+                <a:solidFill>
+                  <a:schemeClr val="bg1"/>
+                </a:solidFill>
+              </a:rPr>
+              <a:t>: es aquel que sube un archivo al servidor FTP.</a:t>
+            </a:r>
+          </a:p>
+          <a:p>
+            <a:endParaRPr lang="es-ES" dirty="0">
+              <a:solidFill>
+                <a:schemeClr val="bg1"/>
+              </a:solidFill>
+            </a:endParaRPr>
+          </a:p>
+          <a:p>
+            <a:r>
+              <a:rPr lang="es-ES" b="1" dirty="0">
+                <a:solidFill>
+                  <a:schemeClr val="bg1"/>
+                </a:solidFill>
+              </a:rPr>
+              <a:t>Usuario 2:  </a:t>
+            </a:r>
+            <a:r>
+              <a:rPr lang="es-ES" dirty="0">
+                <a:solidFill>
+                  <a:schemeClr val="bg1"/>
+                </a:solidFill>
+              </a:rPr>
+              <a:t>es el que se descarga el archivo subido por el usuario 1 y a continuación sube otro archivo.</a:t>
+            </a:r>
+            <a:endParaRPr lang="es-CO" dirty="0">
+              <a:solidFill>
+                <a:schemeClr val="bg1"/>
+              </a:solidFill>
+            </a:endParaRPr>
+          </a:p>
+          <a:p>
+            <a:pPr algn="just"/>
+            <a:endParaRPr lang="es-ES" dirty="0">
+              <a:solidFill>
+                <a:schemeClr val="bg1"/>
+              </a:solidFill>
+            </a:endParaRPr>
+          </a:p>
+          <a:p>
+            <a:pPr algn="just"/>
+            <a:endParaRPr lang="es-ES" dirty="0">
+              <a:solidFill>
+                <a:schemeClr val="bg1"/>
+              </a:solidFill>
+            </a:endParaRPr>
+          </a:p>
+          <a:p>
+            <a:pPr algn="just"/>
+            <a:endParaRPr lang="es-CO" dirty="0">
+              <a:solidFill>
+                <a:schemeClr val="bg1"/>
+              </a:solidFill>
+            </a:endParaRPr>
           </a:p>
         </p:txBody>
       </p:sp>
@@ -7106,13 +8228,25 @@
   <p:clrMapOvr>
     <a:masterClrMapping/>
   </p:clrMapOvr>
+  <mc:AlternateContent xmlns:mc="http://schemas.openxmlformats.org/markup-compatibility/2006">
+    <mc:Choice xmlns:p15="http://schemas.microsoft.com/office/powerpoint/2012/main" Requires="p15">
+      <p:transition xmlns:p14="http://schemas.microsoft.com/office/powerpoint/2010/main" spd="slow" p14:dur="3250">
+        <p15:prstTrans prst="origami"/>
+      </p:transition>
+    </mc:Choice>
+    <mc:Fallback>
+      <p:transition spd="slow">
+        <p:fade/>
+      </p:transition>
+    </mc:Fallback>
+  </mc:AlternateContent>
 </p:sld>
 </file>
 
 <file path=ppt/theme/theme1.xml><?xml version="1.0" encoding="utf-8"?>
-<a:theme xmlns:a="http://schemas.openxmlformats.org/drawingml/2006/main" name="Pizarra">
+<a:theme xmlns:a="http://schemas.openxmlformats.org/drawingml/2006/main" name="Ion">
   <a:themeElements>
-    <a:clrScheme name="Pizarra">
+    <a:clrScheme name="Ion">
       <a:dk1>
         <a:sysClr val="windowText" lastClr="000000"/>
       </a:dk1>
@@ -7120,52 +8254,52 @@
         <a:sysClr val="window" lastClr="FFFFFF"/>
       </a:lt1>
       <a:dk2>
-        <a:srgbClr val="212123"/>
+        <a:srgbClr val="1E5155"/>
       </a:dk2>
       <a:lt2>
-        <a:srgbClr val="DADADA"/>
+        <a:srgbClr val="EBEBEB"/>
       </a:lt2>
       <a:accent1>
-        <a:srgbClr val="BC451B"/>
+        <a:srgbClr val="B01513"/>
       </a:accent1>
       <a:accent2>
-        <a:srgbClr val="D3BA68"/>
+        <a:srgbClr val="EA6312"/>
       </a:accent2>
       <a:accent3>
-        <a:srgbClr val="BB8640"/>
+        <a:srgbClr val="E6B729"/>
       </a:accent3>
       <a:accent4>
-        <a:srgbClr val="AD9277"/>
+        <a:srgbClr val="6AAC90"/>
       </a:accent4>
       <a:accent5>
-        <a:srgbClr val="A55A43"/>
+        <a:srgbClr val="5F9C9D"/>
       </a:accent5>
       <a:accent6>
-        <a:srgbClr val="AD9D7B"/>
+        <a:srgbClr val="9E5E9B"/>
       </a:accent6>
       <a:hlink>
-        <a:srgbClr val="E98052"/>
+        <a:srgbClr val="58C1BA"/>
       </a:hlink>
       <a:folHlink>
-        <a:srgbClr val="F4B69B"/>
+        <a:srgbClr val="9DD0CB"/>
       </a:folHlink>
     </a:clrScheme>
-    <a:fontScheme name="Pizarra">
+    <a:fontScheme name="Ion">
       <a:majorFont>
-        <a:latin typeface="Calisto MT" panose="02040603050505030304"/>
+        <a:latin typeface="Century Gothic" panose="020B0502020202020204"/>
         <a:ea typeface=""/>
         <a:cs typeface=""/>
-        <a:font script="Jpan" typeface="ＭＳ Ｐゴシック"/>
-        <a:font script="Hang" typeface="돋움"/>
-        <a:font script="Hans" typeface="方正舒体"/>
-        <a:font script="Hant" typeface="微軟正黑體"/>
-        <a:font script="Arab" typeface="Arial"/>
-        <a:font script="Hebr" typeface="Arial"/>
-        <a:font script="Thai" typeface="Cordia New"/>
+        <a:font script="Jpan" typeface="メイリオ"/>
+        <a:font script="Hang" typeface="맑은 고딕"/>
+        <a:font script="Hans" typeface="宋体"/>
+        <a:font script="Hant" typeface="新細明體"/>
+        <a:font script="Arab" typeface="Times New Roman"/>
+        <a:font script="Hebr" typeface="Times New Roman"/>
+        <a:font script="Thai" typeface="Angsana New"/>
         <a:font script="Ethi" typeface="Nyala"/>
         <a:font script="Beng" typeface="Vrinda"/>
         <a:font script="Gujr" typeface="Shruti"/>
-        <a:font script="Khmr" typeface="DaunPenh"/>
+        <a:font script="Khmr" typeface="MoolBoran"/>
         <a:font script="Knda" typeface="Tunga"/>
         <a:font script="Guru" typeface="Raavi"/>
         <a:font script="Cans" typeface="Euphemia"/>
@@ -7182,18 +8316,18 @@
         <a:font script="Laoo" typeface="DokChampa"/>
         <a:font script="Sinh" typeface="Iskoola Pota"/>
         <a:font script="Mong" typeface="Mongolian Baiti"/>
-        <a:font script="Viet" typeface="Arial"/>
+        <a:font script="Viet" typeface="Times New Roman"/>
         <a:font script="Uigh" typeface="Microsoft Uighur"/>
         <a:font script="Geor" typeface="Sylfaen"/>
       </a:majorFont>
       <a:minorFont>
-        <a:latin typeface="Calisto MT" panose="02040603050505030304"/>
+        <a:latin typeface="Century Gothic" panose="020B0502020202020204"/>
         <a:ea typeface=""/>
         <a:cs typeface=""/>
-        <a:font script="Jpan" typeface="ＭＳ Ｐゴシック"/>
-        <a:font script="Hang" typeface="돋움"/>
-        <a:font script="Hans" typeface="方正舒体"/>
-        <a:font script="Hant" typeface="微軟正黑體"/>
+        <a:font script="Jpan" typeface="メイリオ"/>
+        <a:font script="Hang" typeface="맑은 고딕"/>
+        <a:font script="Hans" typeface="宋体"/>
+        <a:font script="Hant" typeface="新細明體"/>
         <a:font script="Arab" typeface="Arial"/>
         <a:font script="Hebr" typeface="Arial"/>
         <a:font script="Thai" typeface="Cordia New"/>
@@ -7222,7 +8356,7 @@
         <a:font script="Geor" typeface="Sylfaen"/>
       </a:minorFont>
     </a:fontScheme>
-    <a:fmtScheme name="Pizarra">
+    <a:fmtScheme name="Ion">
       <a:fillStyleLst>
         <a:solidFill>
           <a:schemeClr val="phClr"/>
@@ -7231,13 +8365,15 @@
           <a:gsLst>
             <a:gs pos="0">
               <a:schemeClr val="phClr">
-                <a:tint val="60000"/>
-                <a:lumMod val="110000"/>
+                <a:tint val="64000"/>
+                <a:lumMod val="118000"/>
               </a:schemeClr>
             </a:gs>
             <a:gs pos="100000">
               <a:schemeClr val="phClr">
-                <a:tint val="88000"/>
+                <a:tint val="92000"/>
+                <a:alpha val="100000"/>
+                <a:lumMod val="110000"/>
               </a:schemeClr>
             </a:gs>
           </a:gsLst>
@@ -7247,14 +8383,14 @@
           <a:gsLst>
             <a:gs pos="0">
               <a:schemeClr val="phClr">
-                <a:tint val="96000"/>
-                <a:lumMod val="104000"/>
+                <a:tint val="98000"/>
+                <a:lumMod val="114000"/>
               </a:schemeClr>
             </a:gs>
             <a:gs pos="100000">
               <a:schemeClr val="phClr">
                 <a:shade val="90000"/>
-                <a:lumMod val="90000"/>
+                <a:lumMod val="84000"/>
               </a:schemeClr>
             </a:gs>
           </a:gsLst>
@@ -7264,19 +8400,17 @@
       <a:lnStyleLst>
         <a:ln w="9525" cap="rnd" cmpd="sng" algn="ctr">
           <a:solidFill>
-            <a:schemeClr val="phClr">
-              <a:shade val="90000"/>
-            </a:schemeClr>
+            <a:schemeClr val="phClr"/>
           </a:solidFill>
           <a:prstDash val="solid"/>
         </a:ln>
-        <a:ln w="15875" cap="rnd" cmpd="sng" algn="ctr">
+        <a:ln w="19050" cap="rnd" cmpd="sng" algn="ctr">
           <a:solidFill>
             <a:schemeClr val="phClr"/>
           </a:solidFill>
           <a:prstDash val="solid"/>
         </a:ln>
-        <a:ln w="25400" cap="rnd" cmpd="sng" algn="ctr">
+        <a:ln w="28575" cap="rnd" cmpd="sng" algn="ctr">
           <a:solidFill>
             <a:schemeClr val="phClr"/>
           </a:solidFill>
@@ -7289,18 +8423,18 @@
         </a:effectStyle>
         <a:effectStyle>
           <a:effectLst>
-            <a:outerShdw blurRad="63500" dist="25400" dir="5400000" rotWithShape="0">
+            <a:outerShdw blurRad="38100" dist="25400" dir="5400000" rotWithShape="0">
               <a:srgbClr val="000000">
-                <a:alpha val="60000"/>
+                <a:alpha val="45000"/>
               </a:srgbClr>
             </a:outerShdw>
           </a:effectLst>
         </a:effectStyle>
         <a:effectStyle>
           <a:effectLst>
-            <a:outerShdw blurRad="76200" dist="38100" dir="5400000" rotWithShape="0">
+            <a:outerShdw blurRad="63500" dist="38100" dir="5400000" rotWithShape="0">
               <a:srgbClr val="000000">
-                <a:alpha val="75000"/>
+                <a:alpha val="60000"/>
               </a:srgbClr>
             </a:outerShdw>
           </a:effectLst>
@@ -7308,12 +8442,10 @@
             <a:camera prst="orthographicFront">
               <a:rot lat="0" lon="0" rev="0"/>
             </a:camera>
-            <a:lightRig rig="threePt" dir="t">
-              <a:rot lat="0" lon="0" rev="1200000"/>
-            </a:lightRig>
+            <a:lightRig rig="threePt" dir="tl"/>
           </a:scene3d>
-          <a:sp3d>
-            <a:bevelT w="63500" h="25400" prst="hardEdge"/>
+          <a:sp3d prstMaterial="plastic">
+            <a:bevelT w="0" h="0"/>
           </a:sp3d>
         </a:effectStyle>
       </a:effectStyleLst>
@@ -7321,18 +8453,44 @@
         <a:solidFill>
           <a:schemeClr val="phClr"/>
         </a:solidFill>
-        <a:solidFill>
-          <a:schemeClr val="phClr"/>
-        </a:solidFill>
+        <a:gradFill rotWithShape="1">
+          <a:gsLst>
+            <a:gs pos="0">
+              <a:schemeClr val="phClr">
+                <a:tint val="97000"/>
+                <a:hueMod val="88000"/>
+                <a:satMod val="130000"/>
+                <a:lumMod val="124000"/>
+              </a:schemeClr>
+            </a:gs>
+            <a:gs pos="100000">
+              <a:schemeClr val="phClr">
+                <a:tint val="96000"/>
+                <a:shade val="88000"/>
+                <a:hueMod val="108000"/>
+                <a:satMod val="164000"/>
+                <a:lumMod val="76000"/>
+              </a:schemeClr>
+            </a:gs>
+          </a:gsLst>
+          <a:path path="circle">
+            <a:fillToRect l="45000" t="65000" r="125000" b="100000"/>
+          </a:path>
+        </a:gradFill>
         <a:blipFill rotWithShape="1">
           <a:blip xmlns:r="http://schemas.openxmlformats.org/officeDocument/2006/relationships" r:embed="rId1">
             <a:duotone>
               <a:schemeClr val="phClr">
-                <a:shade val="80000"/>
-                <a:lumMod val="80000"/>
+                <a:shade val="69000"/>
+                <a:hueMod val="108000"/>
+                <a:satMod val="164000"/>
+                <a:lumMod val="74000"/>
               </a:schemeClr>
               <a:schemeClr val="phClr">
-                <a:tint val="98000"/>
+                <a:tint val="96000"/>
+                <a:hueMod val="88000"/>
+                <a:satMod val="140000"/>
+                <a:lumMod val="132000"/>
               </a:schemeClr>
             </a:duotone>
           </a:blip>
@@ -7345,7 +8503,7 @@
   <a:extraClrSchemeLst/>
   <a:extLst>
     <a:ext uri="{05A4C25C-085E-4340-85A3-A5531E510DB2}">
-      <thm15:themeFamily xmlns:thm15="http://schemas.microsoft.com/office/thememl/2012/main" name="Slate" id="{C3F70B94-7CE9-428E-ADC1-3269CC2C3385}" vid="{3F2DE9A5-64E6-437C-A389-CC4477E817E8}"/>
+      <thm15:themeFamily xmlns:thm15="http://schemas.microsoft.com/office/thememl/2012/main" name="Ion" id="{B8441ADB-2E43-4AF7-B97A-BD870242C6A8}" vid="{292E63A9-BB86-4E3D-B92A-7223C6510D2E}"/>
     </a:ext>
   </a:extLst>
 </a:theme>
